--- a/TIPE/Dossier/TIPE Power point.pptx
+++ b/TIPE/Dossier/TIPE Power point.pptx
@@ -14,21 +14,19 @@
     <p:sldId id="263" r:id="rId8"/>
     <p:sldId id="264" r:id="rId9"/>
     <p:sldId id="266" r:id="rId10"/>
-    <p:sldId id="267" r:id="rId11"/>
-    <p:sldId id="268" r:id="rId12"/>
-    <p:sldId id="269" r:id="rId13"/>
-    <p:sldId id="281" r:id="rId14"/>
-    <p:sldId id="282" r:id="rId15"/>
-    <p:sldId id="270" r:id="rId16"/>
-    <p:sldId id="271" r:id="rId17"/>
-    <p:sldId id="273" r:id="rId18"/>
-    <p:sldId id="274" r:id="rId19"/>
-    <p:sldId id="275" r:id="rId20"/>
-    <p:sldId id="277" r:id="rId21"/>
-    <p:sldId id="278" r:id="rId22"/>
-    <p:sldId id="279" r:id="rId23"/>
-    <p:sldId id="280" r:id="rId24"/>
-    <p:sldId id="283" r:id="rId25"/>
+    <p:sldId id="268" r:id="rId11"/>
+    <p:sldId id="269" r:id="rId12"/>
+    <p:sldId id="281" r:id="rId13"/>
+    <p:sldId id="282" r:id="rId14"/>
+    <p:sldId id="271" r:id="rId15"/>
+    <p:sldId id="273" r:id="rId16"/>
+    <p:sldId id="274" r:id="rId17"/>
+    <p:sldId id="275" r:id="rId18"/>
+    <p:sldId id="277" r:id="rId19"/>
+    <p:sldId id="278" r:id="rId20"/>
+    <p:sldId id="280" r:id="rId21"/>
+    <p:sldId id="283" r:id="rId22"/>
+    <p:sldId id="284" r:id="rId23"/>
   </p:sldIdLst>
   <p:sldSz cx="12192000" cy="6858000"/>
   <p:notesSz cx="6858000" cy="9144000"/>
@@ -880,7 +878,7 @@
           <a:p>
             <a:fld id="{C9DB6F61-D118-4428-8F2B-B644BB8457B4}" type="datetimeFigureOut">
               <a:rPr lang="fr-FR" smtClean="0"/>
-              <a:t>17/03/2021</a:t>
+              <a:t>24/03/2021</a:t>
             </a:fld>
             <a:endParaRPr lang="fr-FR"/>
           </a:p>
@@ -1131,7 +1129,7 @@
           <a:p>
             <a:fld id="{C9DB6F61-D118-4428-8F2B-B644BB8457B4}" type="datetimeFigureOut">
               <a:rPr lang="fr-FR" smtClean="0"/>
-              <a:t>17/03/2021</a:t>
+              <a:t>24/03/2021</a:t>
             </a:fld>
             <a:endParaRPr lang="fr-FR"/>
           </a:p>
@@ -1445,7 +1443,7 @@
           <a:p>
             <a:fld id="{C9DB6F61-D118-4428-8F2B-B644BB8457B4}" type="datetimeFigureOut">
               <a:rPr lang="fr-FR" smtClean="0"/>
-              <a:t>17/03/2021</a:t>
+              <a:t>24/03/2021</a:t>
             </a:fld>
             <a:endParaRPr lang="fr-FR"/>
           </a:p>
@@ -1778,7 +1776,7 @@
           <a:p>
             <a:fld id="{C9DB6F61-D118-4428-8F2B-B644BB8457B4}" type="datetimeFigureOut">
               <a:rPr lang="fr-FR" smtClean="0"/>
-              <a:t>17/03/2021</a:t>
+              <a:t>24/03/2021</a:t>
             </a:fld>
             <a:endParaRPr lang="fr-FR"/>
           </a:p>
@@ -2092,7 +2090,7 @@
           <a:p>
             <a:fld id="{C9DB6F61-D118-4428-8F2B-B644BB8457B4}" type="datetimeFigureOut">
               <a:rPr lang="fr-FR" smtClean="0"/>
-              <a:t>17/03/2021</a:t>
+              <a:t>24/03/2021</a:t>
             </a:fld>
             <a:endParaRPr lang="fr-FR"/>
           </a:p>
@@ -2485,7 +2483,7 @@
           <a:p>
             <a:fld id="{C9DB6F61-D118-4428-8F2B-B644BB8457B4}" type="datetimeFigureOut">
               <a:rPr lang="fr-FR" smtClean="0"/>
-              <a:t>17/03/2021</a:t>
+              <a:t>24/03/2021</a:t>
             </a:fld>
             <a:endParaRPr lang="fr-FR"/>
           </a:p>
@@ -2655,7 +2653,7 @@
           <a:p>
             <a:fld id="{C9DB6F61-D118-4428-8F2B-B644BB8457B4}" type="datetimeFigureOut">
               <a:rPr lang="fr-FR" smtClean="0"/>
-              <a:t>17/03/2021</a:t>
+              <a:t>24/03/2021</a:t>
             </a:fld>
             <a:endParaRPr lang="fr-FR"/>
           </a:p>
@@ -2835,7 +2833,7 @@
           <a:p>
             <a:fld id="{C9DB6F61-D118-4428-8F2B-B644BB8457B4}" type="datetimeFigureOut">
               <a:rPr lang="fr-FR" smtClean="0"/>
-              <a:t>17/03/2021</a:t>
+              <a:t>24/03/2021</a:t>
             </a:fld>
             <a:endParaRPr lang="fr-FR"/>
           </a:p>
@@ -3005,7 +3003,7 @@
           <a:p>
             <a:fld id="{C9DB6F61-D118-4428-8F2B-B644BB8457B4}" type="datetimeFigureOut">
               <a:rPr lang="fr-FR" smtClean="0"/>
-              <a:t>17/03/2021</a:t>
+              <a:t>24/03/2021</a:t>
             </a:fld>
             <a:endParaRPr lang="fr-FR"/>
           </a:p>
@@ -3252,7 +3250,7 @@
           <a:p>
             <a:fld id="{C9DB6F61-D118-4428-8F2B-B644BB8457B4}" type="datetimeFigureOut">
               <a:rPr lang="fr-FR" smtClean="0"/>
-              <a:t>17/03/2021</a:t>
+              <a:t>24/03/2021</a:t>
             </a:fld>
             <a:endParaRPr lang="fr-FR"/>
           </a:p>
@@ -3484,7 +3482,7 @@
           <a:p>
             <a:fld id="{C9DB6F61-D118-4428-8F2B-B644BB8457B4}" type="datetimeFigureOut">
               <a:rPr lang="fr-FR" smtClean="0"/>
-              <a:t>17/03/2021</a:t>
+              <a:t>24/03/2021</a:t>
             </a:fld>
             <a:endParaRPr lang="fr-FR"/>
           </a:p>
@@ -3858,7 +3856,7 @@
           <a:p>
             <a:fld id="{C9DB6F61-D118-4428-8F2B-B644BB8457B4}" type="datetimeFigureOut">
               <a:rPr lang="fr-FR" smtClean="0"/>
-              <a:t>17/03/2021</a:t>
+              <a:t>24/03/2021</a:t>
             </a:fld>
             <a:endParaRPr lang="fr-FR"/>
           </a:p>
@@ -3981,7 +3979,7 @@
           <a:p>
             <a:fld id="{C9DB6F61-D118-4428-8F2B-B644BB8457B4}" type="datetimeFigureOut">
               <a:rPr lang="fr-FR" smtClean="0"/>
-              <a:t>17/03/2021</a:t>
+              <a:t>24/03/2021</a:t>
             </a:fld>
             <a:endParaRPr lang="fr-FR"/>
           </a:p>
@@ -4076,7 +4074,7 @@
           <a:p>
             <a:fld id="{C9DB6F61-D118-4428-8F2B-B644BB8457B4}" type="datetimeFigureOut">
               <a:rPr lang="fr-FR" smtClean="0"/>
-              <a:t>17/03/2021</a:t>
+              <a:t>24/03/2021</a:t>
             </a:fld>
             <a:endParaRPr lang="fr-FR"/>
           </a:p>
@@ -4331,7 +4329,7 @@
           <a:p>
             <a:fld id="{C9DB6F61-D118-4428-8F2B-B644BB8457B4}" type="datetimeFigureOut">
               <a:rPr lang="fr-FR" smtClean="0"/>
-              <a:t>17/03/2021</a:t>
+              <a:t>24/03/2021</a:t>
             </a:fld>
             <a:endParaRPr lang="fr-FR"/>
           </a:p>
@@ -4636,7 +4634,7 @@
           <a:p>
             <a:fld id="{C9DB6F61-D118-4428-8F2B-B644BB8457B4}" type="datetimeFigureOut">
               <a:rPr lang="fr-FR" smtClean="0"/>
-              <a:t>17/03/2021</a:t>
+              <a:t>24/03/2021</a:t>
             </a:fld>
             <a:endParaRPr lang="fr-FR"/>
           </a:p>
@@ -5338,7 +5336,7 @@
           <a:p>
             <a:fld id="{C9DB6F61-D118-4428-8F2B-B644BB8457B4}" type="datetimeFigureOut">
               <a:rPr lang="fr-FR" smtClean="0"/>
-              <a:t>17/03/2021</a:t>
+              <a:t>24/03/2021</a:t>
             </a:fld>
             <a:endParaRPr lang="fr-FR"/>
           </a:p>
@@ -6867,257 +6865,6 @@
           <p:cNvPr id="2" name="Titre 1">
             <a:extLst>
               <a:ext uri="{FF2B5EF4-FFF2-40B4-BE49-F238E27FC236}">
-                <a16:creationId xmlns:a16="http://schemas.microsoft.com/office/drawing/2014/main" id="{F8587973-EAC5-4BC1-A22B-70F66CD54035}"/>
-              </a:ext>
-            </a:extLst>
-          </p:cNvPr>
-          <p:cNvSpPr>
-            <a:spLocks noGrp="1"/>
-          </p:cNvSpPr>
-          <p:nvPr>
-            <p:ph type="title"/>
-          </p:nvPr>
-        </p:nvSpPr>
-        <p:spPr>
-          <a:xfrm>
-            <a:off x="677333" y="609600"/>
-            <a:ext cx="6069455" cy="922638"/>
-          </a:xfrm>
-        </p:spPr>
-        <p:txBody>
-          <a:bodyPr>
-            <a:normAutofit/>
-          </a:bodyPr>
-          <a:lstStyle/>
-          <a:p>
-            <a:r>
-              <a:rPr lang="fr-FR" u="sng" dirty="0"/>
-              <a:t>Comment coder ces idées ? :</a:t>
-            </a:r>
-          </a:p>
-        </p:txBody>
-      </p:sp>
-      <p:sp>
-        <p:nvSpPr>
-          <p:cNvPr id="4" name="ZoneTexte 3">
-            <a:extLst>
-              <a:ext uri="{FF2B5EF4-FFF2-40B4-BE49-F238E27FC236}">
-                <a16:creationId xmlns:a16="http://schemas.microsoft.com/office/drawing/2014/main" id="{8E6B9A4D-0D37-4427-A696-8DAF50A1BB67}"/>
-              </a:ext>
-            </a:extLst>
-          </p:cNvPr>
-          <p:cNvSpPr txBox="1"/>
-          <p:nvPr/>
-        </p:nvSpPr>
-        <p:spPr>
-          <a:xfrm>
-            <a:off x="568410" y="1647568"/>
-            <a:ext cx="8839201" cy="1754326"/>
-          </a:xfrm>
-          <a:prstGeom prst="rect">
-            <a:avLst/>
-          </a:prstGeom>
-        </p:spPr>
-        <p:style>
-          <a:lnRef idx="2">
-            <a:schemeClr val="dk1"/>
-          </a:lnRef>
-          <a:fillRef idx="1">
-            <a:schemeClr val="lt1"/>
-          </a:fillRef>
-          <a:effectRef idx="0">
-            <a:schemeClr val="dk1"/>
-          </a:effectRef>
-          <a:fontRef idx="minor">
-            <a:schemeClr val="dk1"/>
-          </a:fontRef>
-        </p:style>
-        <p:txBody>
-          <a:bodyPr wrap="square" rtlCol="0">
-            <a:spAutoFit/>
-          </a:bodyPr>
-          <a:lstStyle/>
-          <a:p>
-            <a:r>
-              <a:rPr lang="fr-FR" u="sng" dirty="0">
-                <a:solidFill>
-                  <a:srgbClr val="FF0000"/>
-                </a:solidFill>
-              </a:rPr>
-              <a:t>Problème :</a:t>
-            </a:r>
-            <a:r>
-              <a:rPr lang="fr-FR" dirty="0">
-                <a:solidFill>
-                  <a:srgbClr val="FF0000"/>
-                </a:solidFill>
-              </a:rPr>
-              <a:t> Pour les images supérieurs à 3x3, i et j doivent être différents de 0 pour assurer la bijectivité de la fonction.</a:t>
-            </a:r>
-          </a:p>
-          <a:p>
-            <a:endParaRPr lang="fr-FR" dirty="0">
-              <a:solidFill>
-                <a:srgbClr val="FF0000"/>
-              </a:solidFill>
-            </a:endParaRPr>
-          </a:p>
-          <a:p>
-            <a:r>
-              <a:rPr lang="fr-FR" dirty="0"/>
-              <a:t>Or la fonction img.crop() coupe une image en prenant pour origine le coin gauche de l’image. Donc si on parcours toute l’image sous forme de tableau, i et j peuvent valoir 0.</a:t>
-            </a:r>
-          </a:p>
-        </p:txBody>
-      </p:sp>
-      <p:sp>
-        <p:nvSpPr>
-          <p:cNvPr id="6" name="ZoneTexte 5">
-            <a:extLst>
-              <a:ext uri="{FF2B5EF4-FFF2-40B4-BE49-F238E27FC236}">
-                <a16:creationId xmlns:a16="http://schemas.microsoft.com/office/drawing/2014/main" id="{96E3347B-8543-4C33-9E32-ED3C97903104}"/>
-              </a:ext>
-            </a:extLst>
-          </p:cNvPr>
-          <p:cNvSpPr txBox="1"/>
-          <p:nvPr/>
-        </p:nvSpPr>
-        <p:spPr>
-          <a:xfrm>
-            <a:off x="568410" y="3587931"/>
-            <a:ext cx="8636550" cy="2862322"/>
-          </a:xfrm>
-          <a:prstGeom prst="rect">
-            <a:avLst/>
-          </a:prstGeom>
-        </p:spPr>
-        <p:style>
-          <a:lnRef idx="2">
-            <a:schemeClr val="accent1"/>
-          </a:lnRef>
-          <a:fillRef idx="1">
-            <a:schemeClr val="lt1"/>
-          </a:fillRef>
-          <a:effectRef idx="0">
-            <a:schemeClr val="accent1"/>
-          </a:effectRef>
-          <a:fontRef idx="minor">
-            <a:schemeClr val="dk1"/>
-          </a:fontRef>
-        </p:style>
-        <p:txBody>
-          <a:bodyPr wrap="square" rtlCol="0">
-            <a:spAutoFit/>
-          </a:bodyPr>
-          <a:lstStyle/>
-          <a:p>
-            <a:r>
-              <a:rPr lang="fr-FR" u="sng" dirty="0"/>
-              <a:t>Solution :</a:t>
-            </a:r>
-            <a:r>
-              <a:rPr lang="fr-FR" dirty="0"/>
-              <a:t> On translate l’image tel que pour une image 11x11 (avec un pas de 1) :</a:t>
-            </a:r>
-          </a:p>
-          <a:p>
-            <a:endParaRPr lang="fr-FR" dirty="0"/>
-          </a:p>
-          <a:p>
-            <a:endParaRPr lang="fr-FR" dirty="0"/>
-          </a:p>
-          <a:p>
-            <a:endParaRPr lang="fr-FR" dirty="0"/>
-          </a:p>
-          <a:p>
-            <a:endParaRPr lang="fr-FR" dirty="0"/>
-          </a:p>
-          <a:p>
-            <a:endParaRPr lang="fr-FR" dirty="0"/>
-          </a:p>
-          <a:p>
-            <a:endParaRPr lang="fr-FR" dirty="0"/>
-          </a:p>
-          <a:p>
-            <a:endParaRPr lang="fr-FR" dirty="0"/>
-          </a:p>
-          <a:p>
-            <a:r>
-              <a:rPr lang="fr-FR" dirty="0"/>
-              <a:t>Donc : la position du pixel (0,0) s’obtient maintenant en parcourant cette matrice A en faisant : A[1][1]</a:t>
-            </a:r>
-          </a:p>
-        </p:txBody>
-      </p:sp>
-      <p:pic>
-        <p:nvPicPr>
-          <p:cNvPr id="7" name="Image 6">
-            <a:extLst>
-              <a:ext uri="{FF2B5EF4-FFF2-40B4-BE49-F238E27FC236}">
-                <a16:creationId xmlns:a16="http://schemas.microsoft.com/office/drawing/2014/main" id="{A0D4A4D1-31F4-4C5A-8717-4F2711881825}"/>
-              </a:ext>
-            </a:extLst>
-          </p:cNvPr>
-          <p:cNvPicPr/>
-          <p:nvPr/>
-        </p:nvPicPr>
-        <p:blipFill>
-          <a:blip r:embed="rId2">
-            <a:extLst>
-              <a:ext uri="{28A0092B-C50C-407E-A947-70E740481C1C}">
-                <a14:useLocalDpi xmlns:a14="http://schemas.microsoft.com/office/drawing/2010/main" val="0"/>
-              </a:ext>
-            </a:extLst>
-          </a:blip>
-          <a:stretch>
-            <a:fillRect/>
-          </a:stretch>
-        </p:blipFill>
-        <p:spPr>
-          <a:xfrm>
-            <a:off x="677334" y="3986018"/>
-            <a:ext cx="7133590" cy="1819275"/>
-          </a:xfrm>
-          <a:prstGeom prst="rect">
-            <a:avLst/>
-          </a:prstGeom>
-        </p:spPr>
-      </p:pic>
-    </p:spTree>
-    <p:extLst>
-      <p:ext uri="{BB962C8B-B14F-4D97-AF65-F5344CB8AC3E}">
-        <p14:creationId xmlns:p14="http://schemas.microsoft.com/office/powerpoint/2010/main" val="2969233657"/>
-      </p:ext>
-    </p:extLst>
-  </p:cSld>
-  <p:clrMapOvr>
-    <a:masterClrMapping/>
-  </p:clrMapOvr>
-</p:sld>
-</file>
-
-<file path=ppt/slides/slide11.xml><?xml version="1.0" encoding="utf-8"?>
-<p:sld xmlns:a="http://schemas.openxmlformats.org/drawingml/2006/main" xmlns:r="http://schemas.openxmlformats.org/officeDocument/2006/relationships" xmlns:p="http://schemas.openxmlformats.org/presentationml/2006/main">
-  <p:cSld>
-    <p:spTree>
-      <p:nvGrpSpPr>
-        <p:cNvPr id="1" name=""/>
-        <p:cNvGrpSpPr/>
-        <p:nvPr/>
-      </p:nvGrpSpPr>
-      <p:grpSpPr>
-        <a:xfrm>
-          <a:off x="0" y="0"/>
-          <a:ext cx="0" cy="0"/>
-          <a:chOff x="0" y="0"/>
-          <a:chExt cx="0" cy="0"/>
-        </a:xfrm>
-      </p:grpSpPr>
-      <p:sp>
-        <p:nvSpPr>
-          <p:cNvPr id="2" name="Titre 1">
-            <a:extLst>
-              <a:ext uri="{FF2B5EF4-FFF2-40B4-BE49-F238E27FC236}">
                 <a16:creationId xmlns:a16="http://schemas.microsoft.com/office/drawing/2014/main" id="{390940D5-5829-4254-B9C5-6C02F587883D}"/>
               </a:ext>
             </a:extLst>
@@ -7555,7 +7302,7 @@
 </p:sld>
 </file>
 
-<file path=ppt/slides/slide12.xml><?xml version="1.0" encoding="utf-8"?>
+<file path=ppt/slides/slide11.xml><?xml version="1.0" encoding="utf-8"?>
 <p:sld xmlns:a="http://schemas.openxmlformats.org/drawingml/2006/main" xmlns:r="http://schemas.openxmlformats.org/officeDocument/2006/relationships" xmlns:p="http://schemas.openxmlformats.org/presentationml/2006/main">
   <p:cSld>
     <p:spTree>
@@ -8391,7 +8138,7 @@
 </p:sld>
 </file>
 
-<file path=ppt/slides/slide13.xml><?xml version="1.0" encoding="utf-8"?>
+<file path=ppt/slides/slide12.xml><?xml version="1.0" encoding="utf-8"?>
 <p:sld xmlns:a="http://schemas.openxmlformats.org/drawingml/2006/main" xmlns:r="http://schemas.openxmlformats.org/officeDocument/2006/relationships" xmlns:p="http://schemas.openxmlformats.org/presentationml/2006/main">
   <p:cSld>
     <p:spTree>
@@ -8536,7 +8283,7 @@
 </p:sld>
 </file>
 
-<file path=ppt/slides/slide14.xml><?xml version="1.0" encoding="utf-8"?>
+<file path=ppt/slides/slide13.xml><?xml version="1.0" encoding="utf-8"?>
 <p:sld xmlns:a="http://schemas.openxmlformats.org/drawingml/2006/main" xmlns:r="http://schemas.openxmlformats.org/officeDocument/2006/relationships" xmlns:p="http://schemas.openxmlformats.org/presentationml/2006/main">
   <p:cSld>
     <p:spTree>
@@ -8681,505 +8428,7 @@
 </p:sld>
 </file>
 
-<file path=ppt/slides/slide15.xml><?xml version="1.0" encoding="utf-8"?>
-<p:sld xmlns:a="http://schemas.openxmlformats.org/drawingml/2006/main" xmlns:r="http://schemas.openxmlformats.org/officeDocument/2006/relationships" xmlns:p="http://schemas.openxmlformats.org/presentationml/2006/main">
-  <p:cSld>
-    <p:spTree>
-      <p:nvGrpSpPr>
-        <p:cNvPr id="1" name=""/>
-        <p:cNvGrpSpPr/>
-        <p:nvPr/>
-      </p:nvGrpSpPr>
-      <p:grpSpPr>
-        <a:xfrm>
-          <a:off x="0" y="0"/>
-          <a:ext cx="0" cy="0"/>
-          <a:chOff x="0" y="0"/>
-          <a:chExt cx="0" cy="0"/>
-        </a:xfrm>
-      </p:grpSpPr>
-      <p:sp>
-        <p:nvSpPr>
-          <p:cNvPr id="2" name="Titre 1">
-            <a:extLst>
-              <a:ext uri="{FF2B5EF4-FFF2-40B4-BE49-F238E27FC236}">
-                <a16:creationId xmlns:a16="http://schemas.microsoft.com/office/drawing/2014/main" id="{4DFADD6F-7D4B-406E-871F-23D835974A45}"/>
-              </a:ext>
-            </a:extLst>
-          </p:cNvPr>
-          <p:cNvSpPr>
-            <a:spLocks noGrp="1"/>
-          </p:cNvSpPr>
-          <p:nvPr>
-            <p:ph type="title"/>
-          </p:nvPr>
-        </p:nvSpPr>
-        <p:spPr>
-          <a:xfrm>
-            <a:off x="677334" y="609600"/>
-            <a:ext cx="4817304" cy="1053334"/>
-          </a:xfrm>
-        </p:spPr>
-        <p:txBody>
-          <a:bodyPr>
-            <a:normAutofit/>
-          </a:bodyPr>
-          <a:lstStyle/>
-          <a:p>
-            <a:r>
-              <a:rPr lang="fr-FR" u="sng" dirty="0"/>
-              <a:t>Limites du code :</a:t>
-            </a:r>
-          </a:p>
-        </p:txBody>
-      </p:sp>
-      <p:sp>
-        <p:nvSpPr>
-          <p:cNvPr id="4" name="ZoneTexte 3">
-            <a:extLst>
-              <a:ext uri="{FF2B5EF4-FFF2-40B4-BE49-F238E27FC236}">
-                <a16:creationId xmlns:a16="http://schemas.microsoft.com/office/drawing/2014/main" id="{BF09BB1E-9D84-4639-B906-3844A3E57FAC}"/>
-              </a:ext>
-            </a:extLst>
-          </p:cNvPr>
-          <p:cNvSpPr txBox="1"/>
-          <p:nvPr/>
-        </p:nvSpPr>
-        <p:spPr>
-          <a:xfrm>
-            <a:off x="677334" y="1408670"/>
-            <a:ext cx="10184839" cy="5355312"/>
-          </a:xfrm>
-          <a:prstGeom prst="rect">
-            <a:avLst/>
-          </a:prstGeom>
-          <a:noFill/>
-        </p:spPr>
-        <p:txBody>
-          <a:bodyPr wrap="none" rtlCol="0">
-            <a:spAutoFit/>
-          </a:bodyPr>
-          <a:lstStyle/>
-          <a:p>
-            <a:pPr marL="285750" indent="-285750">
-              <a:buFontTx/>
-              <a:buChar char="-"/>
-            </a:pPr>
-            <a:r>
-              <a:rPr lang="fr-FR" u="sng" dirty="0"/>
-              <a:t>Format :</a:t>
-            </a:r>
-            <a:r>
-              <a:rPr lang="fr-FR" dirty="0"/>
-              <a:t> BMP au lieu de JPG (qui compresse le fichier et conduit à une perte d’information) :</a:t>
-            </a:r>
-          </a:p>
-          <a:p>
-            <a:pPr marL="285750" indent="-285750">
-              <a:buFontTx/>
-              <a:buChar char="-"/>
-            </a:pPr>
-            <a:endParaRPr lang="fr-FR" dirty="0"/>
-          </a:p>
-          <a:p>
-            <a:pPr marL="285750" indent="-285750">
-              <a:buFontTx/>
-              <a:buChar char="-"/>
-            </a:pPr>
-            <a:endParaRPr lang="fr-FR" dirty="0"/>
-          </a:p>
-          <a:p>
-            <a:pPr marL="285750" indent="-285750">
-              <a:buFontTx/>
-              <a:buChar char="-"/>
-            </a:pPr>
-            <a:endParaRPr lang="fr-FR" dirty="0"/>
-          </a:p>
-          <a:p>
-            <a:pPr marL="285750" indent="-285750">
-              <a:buFontTx/>
-              <a:buChar char="-"/>
-            </a:pPr>
-            <a:endParaRPr lang="fr-FR" dirty="0"/>
-          </a:p>
-          <a:p>
-            <a:pPr marL="285750" indent="-285750">
-              <a:buFontTx/>
-              <a:buChar char="-"/>
-            </a:pPr>
-            <a:endParaRPr lang="fr-FR" dirty="0"/>
-          </a:p>
-          <a:p>
-            <a:pPr marL="285750" indent="-285750">
-              <a:buFontTx/>
-              <a:buChar char="-"/>
-            </a:pPr>
-            <a:endParaRPr lang="fr-FR" dirty="0"/>
-          </a:p>
-          <a:p>
-            <a:pPr marL="285750" indent="-285750">
-              <a:buFontTx/>
-              <a:buChar char="-"/>
-            </a:pPr>
-            <a:endParaRPr lang="fr-FR" dirty="0"/>
-          </a:p>
-          <a:p>
-            <a:pPr marL="285750" indent="-285750">
-              <a:buFontTx/>
-              <a:buChar char="-"/>
-            </a:pPr>
-            <a:endParaRPr lang="fr-FR" dirty="0"/>
-          </a:p>
-          <a:p>
-            <a:endParaRPr lang="fr-FR" dirty="0"/>
-          </a:p>
-          <a:p>
-            <a:r>
-              <a:rPr lang="fr-FR" dirty="0"/>
-              <a:t>Associé à la </a:t>
-            </a:r>
-            <a:r>
-              <a:rPr lang="fr-FR" u="sng" dirty="0"/>
-              <a:t>limite de la bibliothèque :</a:t>
-            </a:r>
-          </a:p>
-          <a:p>
-            <a:pPr marL="285750" indent="-285750">
-              <a:buFontTx/>
-              <a:buChar char="-"/>
-            </a:pPr>
-            <a:endParaRPr lang="fr-FR" dirty="0"/>
-          </a:p>
-          <a:p>
-            <a:pPr marL="285750" indent="-285750">
-              <a:buFontTx/>
-              <a:buChar char="-"/>
-            </a:pPr>
-            <a:endParaRPr lang="fr-FR" dirty="0"/>
-          </a:p>
-          <a:p>
-            <a:pPr marL="285750" indent="-285750">
-              <a:buFontTx/>
-              <a:buChar char="-"/>
-            </a:pPr>
-            <a:endParaRPr lang="fr-FR" dirty="0"/>
-          </a:p>
-          <a:p>
-            <a:pPr marL="285750" indent="-285750">
-              <a:buFontTx/>
-              <a:buChar char="-"/>
-            </a:pPr>
-            <a:endParaRPr lang="fr-FR" dirty="0"/>
-          </a:p>
-          <a:p>
-            <a:pPr marL="285750" indent="-285750">
-              <a:buFontTx/>
-              <a:buChar char="-"/>
-            </a:pPr>
-            <a:endParaRPr lang="fr-FR" dirty="0"/>
-          </a:p>
-          <a:p>
-            <a:pPr marL="285750" indent="-285750">
-              <a:buFontTx/>
-              <a:buChar char="-"/>
-            </a:pPr>
-            <a:endParaRPr lang="fr-FR" dirty="0"/>
-          </a:p>
-          <a:p>
-            <a:endParaRPr lang="fr-FR" dirty="0"/>
-          </a:p>
-          <a:p>
-            <a:endParaRPr lang="fr-FR" u="sng" dirty="0"/>
-          </a:p>
-        </p:txBody>
-      </p:sp>
-      <p:grpSp>
-        <p:nvGrpSpPr>
-          <p:cNvPr id="5" name="Groupe 4">
-            <a:extLst>
-              <a:ext uri="{FF2B5EF4-FFF2-40B4-BE49-F238E27FC236}">
-                <a16:creationId xmlns:a16="http://schemas.microsoft.com/office/drawing/2014/main" id="{1536C281-933A-4BF3-87F9-8967B1CC895E}"/>
-              </a:ext>
-            </a:extLst>
-          </p:cNvPr>
-          <p:cNvGrpSpPr/>
-          <p:nvPr/>
-        </p:nvGrpSpPr>
-        <p:grpSpPr>
-          <a:xfrm>
-            <a:off x="966274" y="4743743"/>
-            <a:ext cx="3933185" cy="1743240"/>
-            <a:chOff x="0" y="0"/>
-            <a:chExt cx="3438525" cy="1524000"/>
-          </a:xfrm>
-        </p:grpSpPr>
-        <p:pic>
-          <p:nvPicPr>
-            <p:cNvPr id="6" name="Image 5">
-              <a:extLst>
-                <a:ext uri="{FF2B5EF4-FFF2-40B4-BE49-F238E27FC236}">
-                  <a16:creationId xmlns:a16="http://schemas.microsoft.com/office/drawing/2014/main" id="{66C35C82-F5D7-4CEC-8B11-95F295971203}"/>
-                </a:ext>
-              </a:extLst>
-            </p:cNvPr>
-            <p:cNvPicPr>
-              <a:picLocks noChangeAspect="1"/>
-            </p:cNvPicPr>
-            <p:nvPr/>
-          </p:nvPicPr>
-          <p:blipFill>
-            <a:blip r:embed="rId2" cstate="print">
-              <a:extLst>
-                <a:ext uri="{28A0092B-C50C-407E-A947-70E740481C1C}">
-                  <a14:useLocalDpi xmlns:a14="http://schemas.microsoft.com/office/drawing/2010/main" val="0"/>
-                </a:ext>
-              </a:extLst>
-            </a:blip>
-            <a:stretch>
-              <a:fillRect/>
-            </a:stretch>
-          </p:blipFill>
-          <p:spPr>
-            <a:xfrm>
-              <a:off x="0" y="95250"/>
-              <a:ext cx="1360170" cy="1371600"/>
-            </a:xfrm>
-            <a:prstGeom prst="rect">
-              <a:avLst/>
-            </a:prstGeom>
-            <a:ln>
-              <a:noFill/>
-            </a:ln>
-            <a:effectLst>
-              <a:outerShdw blurRad="292100" dist="139700" dir="2700000" algn="tl" rotWithShape="0">
-                <a:srgbClr val="333333">
-                  <a:alpha val="65000"/>
-                </a:srgbClr>
-              </a:outerShdw>
-            </a:effectLst>
-          </p:spPr>
-        </p:pic>
-        <p:pic>
-          <p:nvPicPr>
-            <p:cNvPr id="7" name="Image 6">
-              <a:extLst>
-                <a:ext uri="{FF2B5EF4-FFF2-40B4-BE49-F238E27FC236}">
-                  <a16:creationId xmlns:a16="http://schemas.microsoft.com/office/drawing/2014/main" id="{27A8EB5E-F8FF-4CB2-B9BA-EB02B966F5AD}"/>
-                </a:ext>
-              </a:extLst>
-            </p:cNvPr>
-            <p:cNvPicPr>
-              <a:picLocks noChangeAspect="1"/>
-            </p:cNvPicPr>
-            <p:nvPr/>
-          </p:nvPicPr>
-          <p:blipFill>
-            <a:blip r:embed="rId3" cstate="print">
-              <a:extLst>
-                <a:ext uri="{28A0092B-C50C-407E-A947-70E740481C1C}">
-                  <a14:useLocalDpi xmlns:a14="http://schemas.microsoft.com/office/drawing/2010/main" val="0"/>
-                </a:ext>
-              </a:extLst>
-            </a:blip>
-            <a:srcRect/>
-            <a:stretch>
-              <a:fillRect/>
-            </a:stretch>
-          </p:blipFill>
-          <p:spPr bwMode="auto">
-            <a:xfrm>
-              <a:off x="1914525" y="0"/>
-              <a:ext cx="1524000" cy="1524000"/>
-            </a:xfrm>
-            <a:prstGeom prst="rect">
-              <a:avLst/>
-            </a:prstGeom>
-            <a:ln>
-              <a:noFill/>
-            </a:ln>
-            <a:effectLst>
-              <a:outerShdw blurRad="292100" dist="139700" dir="2700000" algn="tl" rotWithShape="0">
-                <a:srgbClr val="333333">
-                  <a:alpha val="65000"/>
-                </a:srgbClr>
-              </a:outerShdw>
-            </a:effectLst>
-          </p:spPr>
-        </p:pic>
-      </p:grpSp>
-      <p:grpSp>
-        <p:nvGrpSpPr>
-          <p:cNvPr id="8" name="Groupe 7">
-            <a:extLst>
-              <a:ext uri="{FF2B5EF4-FFF2-40B4-BE49-F238E27FC236}">
-                <a16:creationId xmlns:a16="http://schemas.microsoft.com/office/drawing/2014/main" id="{C4AD4D52-ED34-446A-BF02-EB7C11955BB2}"/>
-              </a:ext>
-            </a:extLst>
-          </p:cNvPr>
-          <p:cNvGrpSpPr/>
-          <p:nvPr/>
-        </p:nvGrpSpPr>
-        <p:grpSpPr>
-          <a:xfrm>
-            <a:off x="966274" y="2005304"/>
-            <a:ext cx="6358465" cy="1956172"/>
-            <a:chOff x="0" y="0"/>
-            <a:chExt cx="4458335" cy="1371600"/>
-          </a:xfrm>
-        </p:grpSpPr>
-        <p:pic>
-          <p:nvPicPr>
-            <p:cNvPr id="9" name="Image 8">
-              <a:extLst>
-                <a:ext uri="{FF2B5EF4-FFF2-40B4-BE49-F238E27FC236}">
-                  <a16:creationId xmlns:a16="http://schemas.microsoft.com/office/drawing/2014/main" id="{DF5CE7B4-3A12-4B02-862A-18B9BC6A0B0B}"/>
-                </a:ext>
-              </a:extLst>
-            </p:cNvPr>
-            <p:cNvPicPr>
-              <a:picLocks noChangeAspect="1"/>
-            </p:cNvPicPr>
-            <p:nvPr/>
-          </p:nvPicPr>
-          <p:blipFill>
-            <a:blip r:embed="rId4" cstate="print">
-              <a:extLst>
-                <a:ext uri="{28A0092B-C50C-407E-A947-70E740481C1C}">
-                  <a14:useLocalDpi xmlns:a14="http://schemas.microsoft.com/office/drawing/2010/main" val="0"/>
-                </a:ext>
-              </a:extLst>
-            </a:blip>
-            <a:stretch>
-              <a:fillRect/>
-            </a:stretch>
-          </p:blipFill>
-          <p:spPr>
-            <a:xfrm>
-              <a:off x="1533525" y="0"/>
-              <a:ext cx="1371600" cy="1362075"/>
-            </a:xfrm>
-            <a:prstGeom prst="rect">
-              <a:avLst/>
-            </a:prstGeom>
-            <a:ln>
-              <a:noFill/>
-            </a:ln>
-            <a:effectLst>
-              <a:outerShdw blurRad="292100" dist="139700" dir="2700000" algn="tl" rotWithShape="0">
-                <a:srgbClr val="333333">
-                  <a:alpha val="65000"/>
-                </a:srgbClr>
-              </a:outerShdw>
-            </a:effectLst>
-          </p:spPr>
-        </p:pic>
-        <p:pic>
-          <p:nvPicPr>
-            <p:cNvPr id="10" name="Image 9">
-              <a:extLst>
-                <a:ext uri="{FF2B5EF4-FFF2-40B4-BE49-F238E27FC236}">
-                  <a16:creationId xmlns:a16="http://schemas.microsoft.com/office/drawing/2014/main" id="{57CD68A3-20B7-4449-B226-D7D118498B12}"/>
-                </a:ext>
-              </a:extLst>
-            </p:cNvPr>
-            <p:cNvPicPr>
-              <a:picLocks noChangeAspect="1"/>
-            </p:cNvPicPr>
-            <p:nvPr/>
-          </p:nvPicPr>
-          <p:blipFill>
-            <a:blip r:embed="rId5" cstate="print">
-              <a:extLst>
-                <a:ext uri="{28A0092B-C50C-407E-A947-70E740481C1C}">
-                  <a14:useLocalDpi xmlns:a14="http://schemas.microsoft.com/office/drawing/2010/main" val="0"/>
-                </a:ext>
-              </a:extLst>
-            </a:blip>
-            <a:stretch>
-              <a:fillRect/>
-            </a:stretch>
-          </p:blipFill>
-          <p:spPr>
-            <a:xfrm>
-              <a:off x="0" y="9525"/>
-              <a:ext cx="1362075" cy="1362075"/>
-            </a:xfrm>
-            <a:prstGeom prst="rect">
-              <a:avLst/>
-            </a:prstGeom>
-            <a:ln>
-              <a:noFill/>
-            </a:ln>
-            <a:effectLst>
-              <a:outerShdw blurRad="292100" dist="139700" dir="2700000" algn="tl" rotWithShape="0">
-                <a:srgbClr val="333333">
-                  <a:alpha val="65000"/>
-                </a:srgbClr>
-              </a:outerShdw>
-            </a:effectLst>
-          </p:spPr>
-        </p:pic>
-        <p:pic>
-          <p:nvPicPr>
-            <p:cNvPr id="11" name="Image 10">
-              <a:extLst>
-                <a:ext uri="{FF2B5EF4-FFF2-40B4-BE49-F238E27FC236}">
-                  <a16:creationId xmlns:a16="http://schemas.microsoft.com/office/drawing/2014/main" id="{7D33F9C7-947F-41D5-AD8F-74C27DF4A69D}"/>
-                </a:ext>
-              </a:extLst>
-            </p:cNvPr>
-            <p:cNvPicPr>
-              <a:picLocks noChangeAspect="1"/>
-            </p:cNvPicPr>
-            <p:nvPr/>
-          </p:nvPicPr>
-          <p:blipFill>
-            <a:blip r:embed="rId6" cstate="print">
-              <a:extLst>
-                <a:ext uri="{28A0092B-C50C-407E-A947-70E740481C1C}">
-                  <a14:useLocalDpi xmlns:a14="http://schemas.microsoft.com/office/drawing/2010/main" val="0"/>
-                </a:ext>
-              </a:extLst>
-            </a:blip>
-            <a:stretch>
-              <a:fillRect/>
-            </a:stretch>
-          </p:blipFill>
-          <p:spPr>
-            <a:xfrm>
-              <a:off x="3086100" y="0"/>
-              <a:ext cx="1372235" cy="1362075"/>
-            </a:xfrm>
-            <a:prstGeom prst="rect">
-              <a:avLst/>
-            </a:prstGeom>
-            <a:ln>
-              <a:noFill/>
-            </a:ln>
-            <a:effectLst>
-              <a:outerShdw blurRad="292100" dist="139700" dir="2700000" algn="tl" rotWithShape="0">
-                <a:srgbClr val="333333">
-                  <a:alpha val="65000"/>
-                </a:srgbClr>
-              </a:outerShdw>
-            </a:effectLst>
-          </p:spPr>
-        </p:pic>
-      </p:grpSp>
-    </p:spTree>
-    <p:extLst>
-      <p:ext uri="{BB962C8B-B14F-4D97-AF65-F5344CB8AC3E}">
-        <p14:creationId xmlns:p14="http://schemas.microsoft.com/office/powerpoint/2010/main" val="3737162581"/>
-      </p:ext>
-    </p:extLst>
-  </p:cSld>
-  <p:clrMapOvr>
-    <a:masterClrMapping/>
-  </p:clrMapOvr>
-</p:sld>
-</file>
-
-<file path=ppt/slides/slide16.xml><?xml version="1.0" encoding="utf-8"?>
+<file path=ppt/slides/slide14.xml><?xml version="1.0" encoding="utf-8"?>
 <p:sld xmlns:a="http://schemas.openxmlformats.org/drawingml/2006/main" xmlns:r="http://schemas.openxmlformats.org/officeDocument/2006/relationships" xmlns:p="http://schemas.openxmlformats.org/presentationml/2006/main">
   <p:cSld>
     <p:spTree>
@@ -9439,7 +8688,7 @@
 </p:sld>
 </file>
 
-<file path=ppt/slides/slide17.xml><?xml version="1.0" encoding="utf-8"?>
+<file path=ppt/slides/slide15.xml><?xml version="1.0" encoding="utf-8"?>
 <p:sld xmlns:a="http://schemas.openxmlformats.org/drawingml/2006/main" xmlns:r="http://schemas.openxmlformats.org/officeDocument/2006/relationships" xmlns:p="http://schemas.openxmlformats.org/presentationml/2006/main">
   <p:cSld>
     <p:spTree>
@@ -11769,7 +11018,7 @@
 </p:sld>
 </file>
 
-<file path=ppt/slides/slide18.xml><?xml version="1.0" encoding="utf-8"?>
+<file path=ppt/slides/slide16.xml><?xml version="1.0" encoding="utf-8"?>
 <p:sld xmlns:a="http://schemas.openxmlformats.org/drawingml/2006/main" xmlns:r="http://schemas.openxmlformats.org/officeDocument/2006/relationships" xmlns:p="http://schemas.openxmlformats.org/presentationml/2006/main">
   <p:cSld>
     <p:spTree>
@@ -14189,7 +13438,7 @@
 </p:sld>
 </file>
 
-<file path=ppt/slides/slide19.xml><?xml version="1.0" encoding="utf-8"?>
+<file path=ppt/slides/slide17.xml><?xml version="1.0" encoding="utf-8"?>
 <p:sld xmlns:a="http://schemas.openxmlformats.org/drawingml/2006/main" xmlns:r="http://schemas.openxmlformats.org/officeDocument/2006/relationships" xmlns:p="http://schemas.openxmlformats.org/presentationml/2006/main">
   <p:cSld>
     <p:spTree>
@@ -16451,6 +15700,1471 @@
 </p:sld>
 </file>
 
+<file path=ppt/slides/slide18.xml><?xml version="1.0" encoding="utf-8"?>
+<p:sld xmlns:a="http://schemas.openxmlformats.org/drawingml/2006/main" xmlns:r="http://schemas.openxmlformats.org/officeDocument/2006/relationships" xmlns:p="http://schemas.openxmlformats.org/presentationml/2006/main">
+  <p:cSld>
+    <p:spTree>
+      <p:nvGrpSpPr>
+        <p:cNvPr id="1" name=""/>
+        <p:cNvGrpSpPr/>
+        <p:nvPr/>
+      </p:nvGrpSpPr>
+      <p:grpSpPr>
+        <a:xfrm>
+          <a:off x="0" y="0"/>
+          <a:ext cx="0" cy="0"/>
+          <a:chOff x="0" y="0"/>
+          <a:chExt cx="0" cy="0"/>
+        </a:xfrm>
+      </p:grpSpPr>
+      <p:sp>
+        <p:nvSpPr>
+          <p:cNvPr id="2" name="Titre 1">
+            <a:extLst>
+              <a:ext uri="{FF2B5EF4-FFF2-40B4-BE49-F238E27FC236}">
+                <a16:creationId xmlns:a16="http://schemas.microsoft.com/office/drawing/2014/main" id="{423EE660-1ADE-4ABE-B4BA-4A2412B6523F}"/>
+              </a:ext>
+            </a:extLst>
+          </p:cNvPr>
+          <p:cNvSpPr>
+            <a:spLocks noGrp="1"/>
+          </p:cNvSpPr>
+          <p:nvPr>
+            <p:ph type="title"/>
+          </p:nvPr>
+        </p:nvSpPr>
+        <p:spPr/>
+        <p:txBody>
+          <a:bodyPr>
+            <a:normAutofit/>
+          </a:bodyPr>
+          <a:lstStyle/>
+          <a:p>
+            <a:r>
+              <a:rPr lang="fr-FR" u="sng" dirty="0"/>
+              <a:t>Solutions contre le craquage intelligent :</a:t>
+            </a:r>
+          </a:p>
+        </p:txBody>
+      </p:sp>
+      <p:sp>
+        <p:nvSpPr>
+          <p:cNvPr id="5" name="ZoneTexte 4">
+            <a:extLst>
+              <a:ext uri="{FF2B5EF4-FFF2-40B4-BE49-F238E27FC236}">
+                <a16:creationId xmlns:a16="http://schemas.microsoft.com/office/drawing/2014/main" id="{1A9BF3E6-EC00-4002-8974-66EE867A1F74}"/>
+              </a:ext>
+            </a:extLst>
+          </p:cNvPr>
+          <p:cNvSpPr txBox="1"/>
+          <p:nvPr/>
+        </p:nvSpPr>
+        <p:spPr>
+          <a:xfrm>
+            <a:off x="677331" y="1632633"/>
+            <a:ext cx="6423685" cy="369332"/>
+          </a:xfrm>
+          <a:prstGeom prst="rect">
+            <a:avLst/>
+          </a:prstGeom>
+          <a:ln>
+            <a:solidFill>
+              <a:schemeClr val="bg1"/>
+            </a:solidFill>
+          </a:ln>
+        </p:spPr>
+        <p:style>
+          <a:lnRef idx="2">
+            <a:schemeClr val="accent1"/>
+          </a:lnRef>
+          <a:fillRef idx="1">
+            <a:schemeClr val="lt1"/>
+          </a:fillRef>
+          <a:effectRef idx="0">
+            <a:schemeClr val="accent1"/>
+          </a:effectRef>
+          <a:fontRef idx="minor">
+            <a:schemeClr val="dk1"/>
+          </a:fontRef>
+        </p:style>
+        <p:txBody>
+          <a:bodyPr wrap="square" rtlCol="0">
+            <a:spAutoFit/>
+          </a:bodyPr>
+          <a:lstStyle/>
+          <a:p>
+            <a:pPr marL="285750" indent="-285750">
+              <a:buFontTx/>
+              <a:buChar char="-"/>
+            </a:pPr>
+            <a:r>
+              <a:rPr lang="fr-FR" u="sng" dirty="0"/>
+              <a:t>Méthode récursive + Rotation RGB (Prochaine diapo):</a:t>
+            </a:r>
+          </a:p>
+        </p:txBody>
+      </p:sp>
+      <p:pic>
+        <p:nvPicPr>
+          <p:cNvPr id="10" name="Image 9">
+            <a:extLst>
+              <a:ext uri="{FF2B5EF4-FFF2-40B4-BE49-F238E27FC236}">
+                <a16:creationId xmlns:a16="http://schemas.microsoft.com/office/drawing/2014/main" id="{FAA50078-3776-488D-802E-1B78B057278D}"/>
+              </a:ext>
+            </a:extLst>
+          </p:cNvPr>
+          <p:cNvPicPr>
+            <a:picLocks noChangeAspect="1"/>
+          </p:cNvPicPr>
+          <p:nvPr/>
+        </p:nvPicPr>
+        <p:blipFill>
+          <a:blip r:embed="rId2" cstate="print">
+            <a:extLst>
+              <a:ext uri="{28A0092B-C50C-407E-A947-70E740481C1C}">
+                <a14:useLocalDpi xmlns:a14="http://schemas.microsoft.com/office/drawing/2010/main" val="0"/>
+              </a:ext>
+            </a:extLst>
+          </a:blip>
+          <a:stretch>
+            <a:fillRect/>
+          </a:stretch>
+        </p:blipFill>
+        <p:spPr>
+          <a:xfrm>
+            <a:off x="4176219" y="2392285"/>
+            <a:ext cx="2069986" cy="2013876"/>
+          </a:xfrm>
+          <a:prstGeom prst="rect">
+            <a:avLst/>
+          </a:prstGeom>
+          <a:ln>
+            <a:noFill/>
+          </a:ln>
+          <a:effectLst>
+            <a:outerShdw blurRad="292100" dist="139700" dir="2700000" algn="tl" rotWithShape="0">
+              <a:srgbClr val="333333">
+                <a:alpha val="65000"/>
+              </a:srgbClr>
+            </a:outerShdw>
+          </a:effectLst>
+        </p:spPr>
+      </p:pic>
+      <p:pic>
+        <p:nvPicPr>
+          <p:cNvPr id="11" name="Image 10">
+            <a:extLst>
+              <a:ext uri="{FF2B5EF4-FFF2-40B4-BE49-F238E27FC236}">
+                <a16:creationId xmlns:a16="http://schemas.microsoft.com/office/drawing/2014/main" id="{4C23CB45-A341-412F-9FDE-382A0E8D4EEE}"/>
+              </a:ext>
+            </a:extLst>
+          </p:cNvPr>
+          <p:cNvPicPr>
+            <a:picLocks noChangeAspect="1"/>
+          </p:cNvPicPr>
+          <p:nvPr/>
+        </p:nvPicPr>
+        <p:blipFill>
+          <a:blip r:embed="rId3" cstate="print">
+            <a:extLst>
+              <a:ext uri="{28A0092B-C50C-407E-A947-70E740481C1C}">
+                <a14:useLocalDpi xmlns:a14="http://schemas.microsoft.com/office/drawing/2010/main" val="0"/>
+              </a:ext>
+            </a:extLst>
+          </a:blip>
+          <a:stretch>
+            <a:fillRect/>
+          </a:stretch>
+        </p:blipFill>
+        <p:spPr>
+          <a:xfrm>
+            <a:off x="1214095" y="2397681"/>
+            <a:ext cx="2028907" cy="2028907"/>
+          </a:xfrm>
+          <a:prstGeom prst="rect">
+            <a:avLst/>
+          </a:prstGeom>
+          <a:ln>
+            <a:noFill/>
+          </a:ln>
+          <a:effectLst>
+            <a:outerShdw blurRad="292100" dist="139700" dir="2700000" algn="tl" rotWithShape="0">
+              <a:srgbClr val="333333">
+                <a:alpha val="65000"/>
+              </a:srgbClr>
+            </a:outerShdw>
+          </a:effectLst>
+        </p:spPr>
+      </p:pic>
+      <p:pic>
+        <p:nvPicPr>
+          <p:cNvPr id="12" name="Image 11">
+            <a:extLst>
+              <a:ext uri="{FF2B5EF4-FFF2-40B4-BE49-F238E27FC236}">
+                <a16:creationId xmlns:a16="http://schemas.microsoft.com/office/drawing/2014/main" id="{D95A5A7F-9F93-4696-B7B6-D4A7546C537C}"/>
+              </a:ext>
+            </a:extLst>
+          </p:cNvPr>
+          <p:cNvPicPr>
+            <a:picLocks noChangeAspect="1"/>
+          </p:cNvPicPr>
+          <p:nvPr/>
+        </p:nvPicPr>
+        <p:blipFill>
+          <a:blip r:embed="rId3" cstate="print">
+            <a:extLst>
+              <a:ext uri="{28A0092B-C50C-407E-A947-70E740481C1C}">
+                <a14:useLocalDpi xmlns:a14="http://schemas.microsoft.com/office/drawing/2010/main" val="0"/>
+              </a:ext>
+            </a:extLst>
+          </a:blip>
+          <a:stretch>
+            <a:fillRect/>
+          </a:stretch>
+        </p:blipFill>
+        <p:spPr>
+          <a:xfrm>
+            <a:off x="7413067" y="2397679"/>
+            <a:ext cx="2028907" cy="2028907"/>
+          </a:xfrm>
+          <a:prstGeom prst="rect">
+            <a:avLst/>
+          </a:prstGeom>
+          <a:ln>
+            <a:noFill/>
+          </a:ln>
+          <a:effectLst>
+            <a:outerShdw blurRad="292100" dist="139700" dir="2700000" algn="tl" rotWithShape="0">
+              <a:srgbClr val="333333">
+                <a:alpha val="65000"/>
+              </a:srgbClr>
+            </a:outerShdw>
+          </a:effectLst>
+        </p:spPr>
+      </p:pic>
+      <p:sp>
+        <p:nvSpPr>
+          <p:cNvPr id="13" name="ZoneTexte 12">
+            <a:extLst>
+              <a:ext uri="{FF2B5EF4-FFF2-40B4-BE49-F238E27FC236}">
+                <a16:creationId xmlns:a16="http://schemas.microsoft.com/office/drawing/2014/main" id="{DABE7465-EB0A-47DB-8D55-450C56EFF1D6}"/>
+              </a:ext>
+            </a:extLst>
+          </p:cNvPr>
+          <p:cNvSpPr txBox="1"/>
+          <p:nvPr/>
+        </p:nvSpPr>
+        <p:spPr>
+          <a:xfrm>
+            <a:off x="1242133" y="4625203"/>
+            <a:ext cx="2000869" cy="461665"/>
+          </a:xfrm>
+          <a:prstGeom prst="rect">
+            <a:avLst/>
+          </a:prstGeom>
+        </p:spPr>
+        <p:style>
+          <a:lnRef idx="2">
+            <a:schemeClr val="dk1"/>
+          </a:lnRef>
+          <a:fillRef idx="1">
+            <a:schemeClr val="lt1"/>
+          </a:fillRef>
+          <a:effectRef idx="0">
+            <a:schemeClr val="dk1"/>
+          </a:effectRef>
+          <a:fontRef idx="minor">
+            <a:schemeClr val="dk1"/>
+          </a:fontRef>
+        </p:style>
+        <p:txBody>
+          <a:bodyPr wrap="none" rtlCol="0">
+            <a:spAutoFit/>
+          </a:bodyPr>
+          <a:lstStyle/>
+          <a:p>
+            <a:r>
+              <a:rPr lang="fr-FR" sz="2400" dirty="0"/>
+              <a:t>Image source</a:t>
+            </a:r>
+          </a:p>
+        </p:txBody>
+      </p:sp>
+      <p:sp>
+        <p:nvSpPr>
+          <p:cNvPr id="14" name="ZoneTexte 13">
+            <a:extLst>
+              <a:ext uri="{FF2B5EF4-FFF2-40B4-BE49-F238E27FC236}">
+                <a16:creationId xmlns:a16="http://schemas.microsoft.com/office/drawing/2014/main" id="{D5EADF30-C344-451C-89CE-202B8834461F}"/>
+              </a:ext>
+            </a:extLst>
+          </p:cNvPr>
+          <p:cNvSpPr txBox="1"/>
+          <p:nvPr/>
+        </p:nvSpPr>
+        <p:spPr>
+          <a:xfrm>
+            <a:off x="4133032" y="4625202"/>
+            <a:ext cx="2156360" cy="461665"/>
+          </a:xfrm>
+          <a:prstGeom prst="rect">
+            <a:avLst/>
+          </a:prstGeom>
+        </p:spPr>
+        <p:style>
+          <a:lnRef idx="2">
+            <a:schemeClr val="dk1"/>
+          </a:lnRef>
+          <a:fillRef idx="1">
+            <a:schemeClr val="lt1"/>
+          </a:fillRef>
+          <a:effectRef idx="0">
+            <a:schemeClr val="dk1"/>
+          </a:effectRef>
+          <a:fontRef idx="minor">
+            <a:schemeClr val="dk1"/>
+          </a:fontRef>
+        </p:style>
+        <p:txBody>
+          <a:bodyPr wrap="none" rtlCol="0">
+            <a:spAutoFit/>
+          </a:bodyPr>
+          <a:lstStyle/>
+          <a:p>
+            <a:r>
+              <a:rPr lang="fr-FR" sz="2400" dirty="0"/>
+              <a:t>Image cryptée</a:t>
+            </a:r>
+          </a:p>
+        </p:txBody>
+      </p:sp>
+      <p:sp>
+        <p:nvSpPr>
+          <p:cNvPr id="15" name="ZoneTexte 14">
+            <a:extLst>
+              <a:ext uri="{FF2B5EF4-FFF2-40B4-BE49-F238E27FC236}">
+                <a16:creationId xmlns:a16="http://schemas.microsoft.com/office/drawing/2014/main" id="{BE5F8B34-D587-4D0E-BC10-14FEEE72F752}"/>
+              </a:ext>
+            </a:extLst>
+          </p:cNvPr>
+          <p:cNvSpPr txBox="1"/>
+          <p:nvPr/>
+        </p:nvSpPr>
+        <p:spPr>
+          <a:xfrm>
+            <a:off x="7179422" y="4625201"/>
+            <a:ext cx="2496196" cy="461665"/>
+          </a:xfrm>
+          <a:prstGeom prst="rect">
+            <a:avLst/>
+          </a:prstGeom>
+        </p:spPr>
+        <p:style>
+          <a:lnRef idx="2">
+            <a:schemeClr val="dk1"/>
+          </a:lnRef>
+          <a:fillRef idx="1">
+            <a:schemeClr val="lt1"/>
+          </a:fillRef>
+          <a:effectRef idx="0">
+            <a:schemeClr val="dk1"/>
+          </a:effectRef>
+          <a:fontRef idx="minor">
+            <a:schemeClr val="dk1"/>
+          </a:fontRef>
+        </p:style>
+        <p:txBody>
+          <a:bodyPr wrap="none" rtlCol="0">
+            <a:spAutoFit/>
+          </a:bodyPr>
+          <a:lstStyle/>
+          <a:p>
+            <a:r>
+              <a:rPr lang="fr-FR" sz="2400" dirty="0"/>
+              <a:t>Image décryptée</a:t>
+            </a:r>
+          </a:p>
+        </p:txBody>
+      </p:sp>
+      <p:sp>
+        <p:nvSpPr>
+          <p:cNvPr id="16" name="ZoneTexte 15">
+            <a:extLst>
+              <a:ext uri="{FF2B5EF4-FFF2-40B4-BE49-F238E27FC236}">
+                <a16:creationId xmlns:a16="http://schemas.microsoft.com/office/drawing/2014/main" id="{5E17AA57-4521-43FE-8C93-FF4A371C28BB}"/>
+              </a:ext>
+            </a:extLst>
+          </p:cNvPr>
+          <p:cNvSpPr txBox="1"/>
+          <p:nvPr/>
+        </p:nvSpPr>
+        <p:spPr>
+          <a:xfrm>
+            <a:off x="475096" y="5373460"/>
+            <a:ext cx="9497580" cy="646331"/>
+          </a:xfrm>
+          <a:prstGeom prst="rect">
+            <a:avLst/>
+          </a:prstGeom>
+        </p:spPr>
+        <p:style>
+          <a:lnRef idx="2">
+            <a:schemeClr val="dk1"/>
+          </a:lnRef>
+          <a:fillRef idx="1">
+            <a:schemeClr val="lt1"/>
+          </a:fillRef>
+          <a:effectRef idx="0">
+            <a:schemeClr val="dk1"/>
+          </a:effectRef>
+          <a:fontRef idx="minor">
+            <a:schemeClr val="dk1"/>
+          </a:fontRef>
+        </p:style>
+        <p:txBody>
+          <a:bodyPr wrap="square" rtlCol="0">
+            <a:spAutoFit/>
+          </a:bodyPr>
+          <a:lstStyle/>
+          <a:p>
+            <a:r>
+              <a:rPr lang="fr-FR" u="sng" dirty="0"/>
+              <a:t>Complexité :</a:t>
+            </a:r>
+            <a:r>
+              <a:rPr lang="fr-FR" dirty="0"/>
+              <a:t> O(X/2 * Y * Y) car on effectue Y fois X/2 fois (dans le pire cas : avant 1 pixel) Y rotations (dans le pire cas). Soit : O(X * Y²) donc plus long que le code précédent.</a:t>
+            </a:r>
+          </a:p>
+        </p:txBody>
+      </p:sp>
+      <p:sp>
+        <p:nvSpPr>
+          <p:cNvPr id="18" name="ZoneTexte 17">
+            <a:extLst>
+              <a:ext uri="{FF2B5EF4-FFF2-40B4-BE49-F238E27FC236}">
+                <a16:creationId xmlns:a16="http://schemas.microsoft.com/office/drawing/2014/main" id="{450A2FA1-F40C-4CE3-8AB1-8FABCA333E2C}"/>
+              </a:ext>
+            </a:extLst>
+          </p:cNvPr>
+          <p:cNvSpPr txBox="1"/>
+          <p:nvPr/>
+        </p:nvSpPr>
+        <p:spPr>
+          <a:xfrm>
+            <a:off x="475096" y="6134159"/>
+            <a:ext cx="11046344" cy="646331"/>
+          </a:xfrm>
+          <a:prstGeom prst="rect">
+            <a:avLst/>
+          </a:prstGeom>
+        </p:spPr>
+        <p:style>
+          <a:lnRef idx="2">
+            <a:schemeClr val="dk1"/>
+          </a:lnRef>
+          <a:fillRef idx="1">
+            <a:schemeClr val="lt1"/>
+          </a:fillRef>
+          <a:effectRef idx="0">
+            <a:schemeClr val="dk1"/>
+          </a:effectRef>
+          <a:fontRef idx="minor">
+            <a:schemeClr val="dk1"/>
+          </a:fontRef>
+        </p:style>
+        <p:txBody>
+          <a:bodyPr wrap="square" rtlCol="0">
+            <a:spAutoFit/>
+          </a:bodyPr>
+          <a:lstStyle/>
+          <a:p>
+            <a:r>
+              <a:rPr lang="fr-FR" u="sng" dirty="0">
+                <a:solidFill>
+                  <a:srgbClr val="FF0000"/>
+                </a:solidFill>
+              </a:rPr>
+              <a:t>Remarque :</a:t>
+            </a:r>
+            <a:r>
+              <a:rPr lang="fr-FR" dirty="0">
+                <a:solidFill>
+                  <a:srgbClr val="FF0000"/>
+                </a:solidFill>
+              </a:rPr>
+              <a:t> Clef cassable facilement par force brute car les opérations récursive sur les lignes sont facile</a:t>
+            </a:r>
+          </a:p>
+          <a:p>
+            <a:r>
+              <a:rPr lang="fr-FR" dirty="0">
+                <a:solidFill>
+                  <a:srgbClr val="FF0000"/>
+                </a:solidFill>
+              </a:rPr>
+              <a:t>a faire tourner par force brute.</a:t>
+            </a:r>
+          </a:p>
+        </p:txBody>
+      </p:sp>
+    </p:spTree>
+    <p:extLst>
+      <p:ext uri="{BB962C8B-B14F-4D97-AF65-F5344CB8AC3E}">
+        <p14:creationId xmlns:p14="http://schemas.microsoft.com/office/powerpoint/2010/main" val="774243177"/>
+      </p:ext>
+    </p:extLst>
+  </p:cSld>
+  <p:clrMapOvr>
+    <a:masterClrMapping/>
+  </p:clrMapOvr>
+</p:sld>
+</file>
+
+<file path=ppt/slides/slide19.xml><?xml version="1.0" encoding="utf-8"?>
+<p:sld xmlns:a="http://schemas.openxmlformats.org/drawingml/2006/main" xmlns:r="http://schemas.openxmlformats.org/officeDocument/2006/relationships" xmlns:p="http://schemas.openxmlformats.org/presentationml/2006/main">
+  <p:cSld>
+    <p:spTree>
+      <p:nvGrpSpPr>
+        <p:cNvPr id="1" name=""/>
+        <p:cNvGrpSpPr/>
+        <p:nvPr/>
+      </p:nvGrpSpPr>
+      <p:grpSpPr>
+        <a:xfrm>
+          <a:off x="0" y="0"/>
+          <a:ext cx="0" cy="0"/>
+          <a:chOff x="0" y="0"/>
+          <a:chExt cx="0" cy="0"/>
+        </a:xfrm>
+      </p:grpSpPr>
+      <p:sp>
+        <p:nvSpPr>
+          <p:cNvPr id="2" name="Titre 1">
+            <a:extLst>
+              <a:ext uri="{FF2B5EF4-FFF2-40B4-BE49-F238E27FC236}">
+                <a16:creationId xmlns:a16="http://schemas.microsoft.com/office/drawing/2014/main" id="{423EE660-1ADE-4ABE-B4BA-4A2412B6523F}"/>
+              </a:ext>
+            </a:extLst>
+          </p:cNvPr>
+          <p:cNvSpPr>
+            <a:spLocks noGrp="1"/>
+          </p:cNvSpPr>
+          <p:nvPr>
+            <p:ph type="title"/>
+          </p:nvPr>
+        </p:nvSpPr>
+        <p:spPr/>
+        <p:txBody>
+          <a:bodyPr>
+            <a:normAutofit/>
+          </a:bodyPr>
+          <a:lstStyle/>
+          <a:p>
+            <a:r>
+              <a:rPr lang="fr-FR" u="sng" dirty="0"/>
+              <a:t>Solutions contre le craquage intelligent :</a:t>
+            </a:r>
+          </a:p>
+        </p:txBody>
+      </p:sp>
+      <p:sp>
+        <p:nvSpPr>
+          <p:cNvPr id="5" name="ZoneTexte 4">
+            <a:extLst>
+              <a:ext uri="{FF2B5EF4-FFF2-40B4-BE49-F238E27FC236}">
+                <a16:creationId xmlns:a16="http://schemas.microsoft.com/office/drawing/2014/main" id="{1A9BF3E6-EC00-4002-8974-66EE867A1F74}"/>
+              </a:ext>
+            </a:extLst>
+          </p:cNvPr>
+          <p:cNvSpPr txBox="1"/>
+          <p:nvPr/>
+        </p:nvSpPr>
+        <p:spPr>
+          <a:xfrm>
+            <a:off x="677331" y="1632633"/>
+            <a:ext cx="6423685" cy="369332"/>
+          </a:xfrm>
+          <a:prstGeom prst="rect">
+            <a:avLst/>
+          </a:prstGeom>
+          <a:ln>
+            <a:solidFill>
+              <a:schemeClr val="bg1"/>
+            </a:solidFill>
+          </a:ln>
+        </p:spPr>
+        <p:style>
+          <a:lnRef idx="2">
+            <a:schemeClr val="accent1"/>
+          </a:lnRef>
+          <a:fillRef idx="1">
+            <a:schemeClr val="lt1"/>
+          </a:fillRef>
+          <a:effectRef idx="0">
+            <a:schemeClr val="accent1"/>
+          </a:effectRef>
+          <a:fontRef idx="minor">
+            <a:schemeClr val="dk1"/>
+          </a:fontRef>
+        </p:style>
+        <p:txBody>
+          <a:bodyPr wrap="square" rtlCol="0">
+            <a:spAutoFit/>
+          </a:bodyPr>
+          <a:lstStyle/>
+          <a:p>
+            <a:pPr marL="285750" indent="-285750">
+              <a:buFontTx/>
+              <a:buChar char="-"/>
+            </a:pPr>
+            <a:r>
+              <a:rPr lang="fr-FR" u="sng" dirty="0"/>
+              <a:t>Méthode rotation RGB :</a:t>
+            </a:r>
+          </a:p>
+        </p:txBody>
+      </p:sp>
+      <p:sp>
+        <p:nvSpPr>
+          <p:cNvPr id="17" name="ZoneTexte 16">
+            <a:extLst>
+              <a:ext uri="{FF2B5EF4-FFF2-40B4-BE49-F238E27FC236}">
+                <a16:creationId xmlns:a16="http://schemas.microsoft.com/office/drawing/2014/main" id="{CC14F3D3-A03A-48DD-8473-785CC56CD6DC}"/>
+              </a:ext>
+            </a:extLst>
+          </p:cNvPr>
+          <p:cNvSpPr txBox="1"/>
+          <p:nvPr/>
+        </p:nvSpPr>
+        <p:spPr>
+          <a:xfrm>
+            <a:off x="677328" y="2229398"/>
+            <a:ext cx="10642571" cy="4524315"/>
+          </a:xfrm>
+          <a:prstGeom prst="rect">
+            <a:avLst/>
+          </a:prstGeom>
+        </p:spPr>
+        <p:style>
+          <a:lnRef idx="2">
+            <a:schemeClr val="accent3"/>
+          </a:lnRef>
+          <a:fillRef idx="1">
+            <a:schemeClr val="lt1"/>
+          </a:fillRef>
+          <a:effectRef idx="0">
+            <a:schemeClr val="accent3"/>
+          </a:effectRef>
+          <a:fontRef idx="minor">
+            <a:schemeClr val="dk1"/>
+          </a:fontRef>
+        </p:style>
+        <p:txBody>
+          <a:bodyPr wrap="square" rtlCol="0">
+            <a:spAutoFit/>
+          </a:bodyPr>
+          <a:lstStyle/>
+          <a:p>
+            <a:r>
+              <a:rPr lang="fr-FR" u="sng" dirty="0"/>
+              <a:t>Exemple :</a:t>
+            </a:r>
+            <a:r>
+              <a:rPr lang="fr-FR" dirty="0"/>
+              <a:t> On utilise les 4 premiers coefficients non utilisés de la clef :</a:t>
+            </a:r>
+          </a:p>
+          <a:p>
+            <a:endParaRPr lang="fr-FR" dirty="0"/>
+          </a:p>
+          <a:p>
+            <a:r>
+              <a:rPr lang="fr-FR" dirty="0"/>
+              <a:t>Clef = [1, 8, 7, </a:t>
+            </a:r>
+            <a:r>
+              <a:rPr lang="fr-FR" dirty="0">
+                <a:solidFill>
+                  <a:schemeClr val="accent3"/>
+                </a:solidFill>
+              </a:rPr>
+              <a:t>9</a:t>
+            </a:r>
+            <a:r>
+              <a:rPr lang="fr-FR" dirty="0"/>
+              <a:t>, </a:t>
+            </a:r>
+            <a:r>
+              <a:rPr lang="fr-FR" dirty="0">
+                <a:solidFill>
+                  <a:schemeClr val="accent3"/>
+                </a:solidFill>
+              </a:rPr>
+              <a:t>4</a:t>
+            </a:r>
+            <a:r>
+              <a:rPr lang="fr-FR" dirty="0"/>
+              <a:t>, </a:t>
+            </a:r>
+            <a:r>
+              <a:rPr lang="fr-FR" dirty="0">
+                <a:solidFill>
+                  <a:schemeClr val="accent3"/>
+                </a:solidFill>
+              </a:rPr>
+              <a:t>6</a:t>
+            </a:r>
+            <a:r>
+              <a:rPr lang="fr-FR" dirty="0"/>
+              <a:t>, 1, 9, </a:t>
+            </a:r>
+            <a:r>
+              <a:rPr lang="fr-FR" dirty="0">
+                <a:solidFill>
+                  <a:schemeClr val="accent3"/>
+                </a:solidFill>
+              </a:rPr>
+              <a:t>7</a:t>
+            </a:r>
+            <a:r>
+              <a:rPr lang="fr-FR" dirty="0"/>
+              <a:t>, </a:t>
+            </a:r>
+            <a:r>
+              <a:rPr lang="fr-FR" dirty="0">
+                <a:solidFill>
+                  <a:schemeClr val="accent3"/>
+                </a:solidFill>
+              </a:rPr>
+              <a:t>5</a:t>
+            </a:r>
+            <a:r>
+              <a:rPr lang="fr-FR" dirty="0"/>
+              <a:t>, </a:t>
+            </a:r>
+            <a:r>
+              <a:rPr lang="fr-FR" dirty="0">
+                <a:solidFill>
+                  <a:schemeClr val="accent3"/>
+                </a:solidFill>
+              </a:rPr>
+              <a:t>3</a:t>
+            </a:r>
+            <a:r>
+              <a:rPr lang="fr-FR" dirty="0"/>
+              <a:t>, </a:t>
+            </a:r>
+            <a:r>
+              <a:rPr lang="fr-FR" dirty="0">
+                <a:solidFill>
+                  <a:schemeClr val="accent3"/>
+                </a:solidFill>
+              </a:rPr>
+              <a:t>6</a:t>
+            </a:r>
+            <a:r>
+              <a:rPr lang="fr-FR" dirty="0"/>
+              <a:t>, </a:t>
+            </a:r>
+            <a:r>
+              <a:rPr lang="fr-FR" dirty="0">
+                <a:solidFill>
+                  <a:schemeClr val="accent3"/>
+                </a:solidFill>
+              </a:rPr>
+              <a:t>4</a:t>
+            </a:r>
+            <a:r>
+              <a:rPr lang="fr-FR" dirty="0"/>
+              <a:t>, 8, 7, 9, </a:t>
+            </a:r>
+            <a:r>
+              <a:rPr lang="fr-FR" dirty="0">
+                <a:solidFill>
+                  <a:srgbClr val="FF0000"/>
+                </a:solidFill>
+              </a:rPr>
+              <a:t>11</a:t>
+            </a:r>
+            <a:r>
+              <a:rPr lang="fr-FR" dirty="0">
+                <a:solidFill>
+                  <a:schemeClr val="tx1"/>
+                </a:solidFill>
+              </a:rPr>
+              <a:t>,</a:t>
+            </a:r>
+            <a:r>
+              <a:rPr lang="fr-FR" dirty="0">
+                <a:solidFill>
+                  <a:srgbClr val="FF0000"/>
+                </a:solidFill>
+              </a:rPr>
+              <a:t> 03</a:t>
+            </a:r>
+            <a:r>
+              <a:rPr lang="fr-FR" dirty="0">
+                <a:solidFill>
+                  <a:schemeClr val="tx1"/>
+                </a:solidFill>
+              </a:rPr>
+              <a:t>,</a:t>
+            </a:r>
+            <a:r>
+              <a:rPr lang="fr-FR" dirty="0">
+                <a:solidFill>
+                  <a:srgbClr val="FF0000"/>
+                </a:solidFill>
+              </a:rPr>
+              <a:t> 20</a:t>
+            </a:r>
+            <a:r>
+              <a:rPr lang="fr-FR" dirty="0">
+                <a:solidFill>
+                  <a:schemeClr val="tx1"/>
+                </a:solidFill>
+              </a:rPr>
+              <a:t>,</a:t>
+            </a:r>
+            <a:r>
+              <a:rPr lang="fr-FR" dirty="0">
+                <a:solidFill>
+                  <a:srgbClr val="FF0000"/>
+                </a:solidFill>
+              </a:rPr>
+              <a:t> 21</a:t>
+            </a:r>
+            <a:r>
+              <a:rPr lang="fr-FR" dirty="0">
+                <a:solidFill>
+                  <a:schemeClr val="tx1"/>
+                </a:solidFill>
+              </a:rPr>
+              <a:t>,</a:t>
+            </a:r>
+            <a:r>
+              <a:rPr lang="fr-FR" dirty="0">
+                <a:solidFill>
+                  <a:srgbClr val="FF0000"/>
+                </a:solidFill>
+              </a:rPr>
+              <a:t> 12</a:t>
+            </a:r>
+            <a:r>
+              <a:rPr lang="fr-FR" dirty="0">
+                <a:solidFill>
+                  <a:schemeClr val="tx1"/>
+                </a:solidFill>
+              </a:rPr>
+              <a:t>,</a:t>
+            </a:r>
+            <a:r>
+              <a:rPr lang="fr-FR" dirty="0">
+                <a:solidFill>
+                  <a:srgbClr val="FF0000"/>
+                </a:solidFill>
+              </a:rPr>
+              <a:t> 58</a:t>
+            </a:r>
+            <a:r>
+              <a:rPr lang="fr-FR" dirty="0">
+                <a:solidFill>
+                  <a:schemeClr val="tx1"/>
+                </a:solidFill>
+              </a:rPr>
+              <a:t>,</a:t>
+            </a:r>
+            <a:r>
+              <a:rPr lang="fr-FR" dirty="0">
+                <a:solidFill>
+                  <a:srgbClr val="FF0000"/>
+                </a:solidFill>
+              </a:rPr>
+              <a:t> 24</a:t>
+            </a:r>
+            <a:r>
+              <a:rPr lang="fr-FR" dirty="0">
+                <a:solidFill>
+                  <a:schemeClr val="tx1"/>
+                </a:solidFill>
+              </a:rPr>
+              <a:t>,</a:t>
+            </a:r>
+            <a:r>
+              <a:rPr lang="fr-FR" dirty="0">
+                <a:solidFill>
+                  <a:srgbClr val="FF0000"/>
+                </a:solidFill>
+              </a:rPr>
+              <a:t> 25</a:t>
+            </a:r>
+            <a:r>
+              <a:rPr lang="fr-FR" dirty="0"/>
+              <a:t>]</a:t>
+            </a:r>
+          </a:p>
+          <a:p>
+            <a:endParaRPr lang="fr-FR" dirty="0"/>
+          </a:p>
+          <a:p>
+            <a:endParaRPr lang="fr-FR" dirty="0"/>
+          </a:p>
+          <a:p>
+            <a:endParaRPr lang="fr-FR" dirty="0"/>
+          </a:p>
+          <a:p>
+            <a:endParaRPr lang="fr-FR" dirty="0"/>
+          </a:p>
+          <a:p>
+            <a:r>
+              <a:rPr lang="fr-FR" dirty="0"/>
+              <a:t>										</a:t>
+            </a:r>
+          </a:p>
+          <a:p>
+            <a:endParaRPr lang="fr-FR" dirty="0"/>
+          </a:p>
+          <a:p>
+            <a:endParaRPr lang="fr-FR" dirty="0"/>
+          </a:p>
+          <a:p>
+            <a:endParaRPr lang="fr-FR" dirty="0"/>
+          </a:p>
+          <a:p>
+            <a:endParaRPr lang="fr-FR" dirty="0"/>
+          </a:p>
+          <a:p>
+            <a:endParaRPr lang="fr-FR" dirty="0"/>
+          </a:p>
+          <a:p>
+            <a:endParaRPr lang="fr-FR" dirty="0"/>
+          </a:p>
+          <a:p>
+            <a:endParaRPr lang="fr-FR" dirty="0"/>
+          </a:p>
+          <a:p>
+            <a:endParaRPr lang="fr-FR" b="1" dirty="0"/>
+          </a:p>
+        </p:txBody>
+      </p:sp>
+      <p:cxnSp>
+        <p:nvCxnSpPr>
+          <p:cNvPr id="7" name="Connecteur droit avec flèche 6">
+            <a:extLst>
+              <a:ext uri="{FF2B5EF4-FFF2-40B4-BE49-F238E27FC236}">
+                <a16:creationId xmlns:a16="http://schemas.microsoft.com/office/drawing/2014/main" id="{3C25E667-D3ED-4F4F-9E95-8C55B0CF9D77}"/>
+              </a:ext>
+            </a:extLst>
+          </p:cNvPr>
+          <p:cNvCxnSpPr>
+            <a:cxnSpLocks/>
+          </p:cNvCxnSpPr>
+          <p:nvPr/>
+        </p:nvCxnSpPr>
+        <p:spPr>
+          <a:xfrm flipV="1">
+            <a:off x="1584960" y="3116580"/>
+            <a:ext cx="0" cy="164783"/>
+          </a:xfrm>
+          <a:prstGeom prst="straightConnector1">
+            <a:avLst/>
+          </a:prstGeom>
+          <a:ln>
+            <a:tailEnd type="triangle"/>
+          </a:ln>
+        </p:spPr>
+        <p:style>
+          <a:lnRef idx="1">
+            <a:schemeClr val="accent1"/>
+          </a:lnRef>
+          <a:fillRef idx="0">
+            <a:schemeClr val="accent1"/>
+          </a:fillRef>
+          <a:effectRef idx="0">
+            <a:schemeClr val="accent1"/>
+          </a:effectRef>
+          <a:fontRef idx="minor">
+            <a:schemeClr val="tx1"/>
+          </a:fontRef>
+        </p:style>
+      </p:cxnSp>
+      <p:cxnSp>
+        <p:nvCxnSpPr>
+          <p:cNvPr id="20" name="Connecteur droit avec flèche 19">
+            <a:extLst>
+              <a:ext uri="{FF2B5EF4-FFF2-40B4-BE49-F238E27FC236}">
+                <a16:creationId xmlns:a16="http://schemas.microsoft.com/office/drawing/2014/main" id="{7CECE7DD-F3E4-45C9-A21C-9FD33C227C59}"/>
+              </a:ext>
+            </a:extLst>
+          </p:cNvPr>
+          <p:cNvCxnSpPr>
+            <a:cxnSpLocks/>
+          </p:cNvCxnSpPr>
+          <p:nvPr/>
+        </p:nvCxnSpPr>
+        <p:spPr>
+          <a:xfrm flipV="1">
+            <a:off x="1849278" y="3116580"/>
+            <a:ext cx="0" cy="164783"/>
+          </a:xfrm>
+          <a:prstGeom prst="straightConnector1">
+            <a:avLst/>
+          </a:prstGeom>
+          <a:ln>
+            <a:tailEnd type="triangle"/>
+          </a:ln>
+        </p:spPr>
+        <p:style>
+          <a:lnRef idx="1">
+            <a:schemeClr val="accent1"/>
+          </a:lnRef>
+          <a:fillRef idx="0">
+            <a:schemeClr val="accent1"/>
+          </a:fillRef>
+          <a:effectRef idx="0">
+            <a:schemeClr val="accent1"/>
+          </a:effectRef>
+          <a:fontRef idx="minor">
+            <a:schemeClr val="tx1"/>
+          </a:fontRef>
+        </p:style>
+      </p:cxnSp>
+      <p:cxnSp>
+        <p:nvCxnSpPr>
+          <p:cNvPr id="21" name="Connecteur droit avec flèche 20">
+            <a:extLst>
+              <a:ext uri="{FF2B5EF4-FFF2-40B4-BE49-F238E27FC236}">
+                <a16:creationId xmlns:a16="http://schemas.microsoft.com/office/drawing/2014/main" id="{B6BA8B5E-B508-4AC7-8D55-35AD0B97FAF9}"/>
+              </a:ext>
+            </a:extLst>
+          </p:cNvPr>
+          <p:cNvCxnSpPr>
+            <a:cxnSpLocks/>
+          </p:cNvCxnSpPr>
+          <p:nvPr/>
+        </p:nvCxnSpPr>
+        <p:spPr>
+          <a:xfrm flipV="1">
+            <a:off x="2108835" y="3116580"/>
+            <a:ext cx="0" cy="164783"/>
+          </a:xfrm>
+          <a:prstGeom prst="straightConnector1">
+            <a:avLst/>
+          </a:prstGeom>
+          <a:ln>
+            <a:tailEnd type="triangle"/>
+          </a:ln>
+        </p:spPr>
+        <p:style>
+          <a:lnRef idx="1">
+            <a:schemeClr val="accent1"/>
+          </a:lnRef>
+          <a:fillRef idx="0">
+            <a:schemeClr val="accent1"/>
+          </a:fillRef>
+          <a:effectRef idx="0">
+            <a:schemeClr val="accent1"/>
+          </a:effectRef>
+          <a:fontRef idx="minor">
+            <a:schemeClr val="tx1"/>
+          </a:fontRef>
+        </p:style>
+      </p:cxnSp>
+      <p:cxnSp>
+        <p:nvCxnSpPr>
+          <p:cNvPr id="22" name="Connecteur droit avec flèche 21">
+            <a:extLst>
+              <a:ext uri="{FF2B5EF4-FFF2-40B4-BE49-F238E27FC236}">
+                <a16:creationId xmlns:a16="http://schemas.microsoft.com/office/drawing/2014/main" id="{80BC6614-6A16-4652-BBB4-FDAE46A22523}"/>
+              </a:ext>
+            </a:extLst>
+          </p:cNvPr>
+          <p:cNvCxnSpPr>
+            <a:cxnSpLocks/>
+          </p:cNvCxnSpPr>
+          <p:nvPr/>
+        </p:nvCxnSpPr>
+        <p:spPr>
+          <a:xfrm flipV="1">
+            <a:off x="3228022" y="3116580"/>
+            <a:ext cx="0" cy="164783"/>
+          </a:xfrm>
+          <a:prstGeom prst="straightConnector1">
+            <a:avLst/>
+          </a:prstGeom>
+          <a:ln>
+            <a:tailEnd type="triangle"/>
+          </a:ln>
+        </p:spPr>
+        <p:style>
+          <a:lnRef idx="1">
+            <a:schemeClr val="accent1"/>
+          </a:lnRef>
+          <a:fillRef idx="0">
+            <a:schemeClr val="accent1"/>
+          </a:fillRef>
+          <a:effectRef idx="0">
+            <a:schemeClr val="accent1"/>
+          </a:effectRef>
+          <a:fontRef idx="minor">
+            <a:schemeClr val="tx1"/>
+          </a:fontRef>
+        </p:style>
+      </p:cxnSp>
+      <p:sp>
+        <p:nvSpPr>
+          <p:cNvPr id="28" name="ZoneTexte 27">
+            <a:extLst>
+              <a:ext uri="{FF2B5EF4-FFF2-40B4-BE49-F238E27FC236}">
+                <a16:creationId xmlns:a16="http://schemas.microsoft.com/office/drawing/2014/main" id="{620FBEC9-E127-49C6-804C-E52D8557DE81}"/>
+              </a:ext>
+            </a:extLst>
+          </p:cNvPr>
+          <p:cNvSpPr txBox="1"/>
+          <p:nvPr/>
+        </p:nvSpPr>
+        <p:spPr>
+          <a:xfrm>
+            <a:off x="5170441" y="3469845"/>
+            <a:ext cx="1088888" cy="369332"/>
+          </a:xfrm>
+          <a:prstGeom prst="rect">
+            <a:avLst/>
+          </a:prstGeom>
+          <a:noFill/>
+        </p:spPr>
+        <p:txBody>
+          <a:bodyPr wrap="none" rtlCol="0">
+            <a:spAutoFit/>
+          </a:bodyPr>
+          <a:lstStyle/>
+          <a:p>
+            <a:r>
+              <a:rPr lang="fr-FR" dirty="0"/>
+              <a:t>Tel que :</a:t>
+            </a:r>
+          </a:p>
+        </p:txBody>
+      </p:sp>
+      <p:pic>
+        <p:nvPicPr>
+          <p:cNvPr id="29" name="Image 28">
+            <a:extLst>
+              <a:ext uri="{FF2B5EF4-FFF2-40B4-BE49-F238E27FC236}">
+                <a16:creationId xmlns:a16="http://schemas.microsoft.com/office/drawing/2014/main" id="{46E47940-F9CF-4CC3-80A6-36C4B21A8A11}"/>
+              </a:ext>
+            </a:extLst>
+          </p:cNvPr>
+          <p:cNvPicPr>
+            <a:picLocks noChangeAspect="1"/>
+          </p:cNvPicPr>
+          <p:nvPr/>
+        </p:nvPicPr>
+        <p:blipFill>
+          <a:blip r:embed="rId2" cstate="print">
+            <a:extLst>
+              <a:ext uri="{28A0092B-C50C-407E-A947-70E740481C1C}">
+                <a14:useLocalDpi xmlns:a14="http://schemas.microsoft.com/office/drawing/2010/main" val="0"/>
+              </a:ext>
+            </a:extLst>
+          </a:blip>
+          <a:stretch>
+            <a:fillRect/>
+          </a:stretch>
+        </p:blipFill>
+        <p:spPr>
+          <a:xfrm>
+            <a:off x="5521232" y="3936888"/>
+            <a:ext cx="2161584" cy="2159739"/>
+          </a:xfrm>
+          <a:prstGeom prst="rect">
+            <a:avLst/>
+          </a:prstGeom>
+          <a:ln>
+            <a:noFill/>
+          </a:ln>
+          <a:effectLst>
+            <a:outerShdw blurRad="292100" dist="139700" dir="2700000" algn="tl" rotWithShape="0">
+              <a:srgbClr val="333333">
+                <a:alpha val="65000"/>
+              </a:srgbClr>
+            </a:outerShdw>
+          </a:effectLst>
+        </p:spPr>
+      </p:pic>
+      <p:sp>
+        <p:nvSpPr>
+          <p:cNvPr id="30" name="ZoneTexte 29">
+            <a:extLst>
+              <a:ext uri="{FF2B5EF4-FFF2-40B4-BE49-F238E27FC236}">
+                <a16:creationId xmlns:a16="http://schemas.microsoft.com/office/drawing/2014/main" id="{A21C2032-7C26-4187-AE4F-E00610FBCF70}"/>
+              </a:ext>
+            </a:extLst>
+          </p:cNvPr>
+          <p:cNvSpPr txBox="1"/>
+          <p:nvPr/>
+        </p:nvSpPr>
+        <p:spPr>
+          <a:xfrm>
+            <a:off x="1444904" y="3207306"/>
+            <a:ext cx="1973617" cy="369332"/>
+          </a:xfrm>
+          <a:prstGeom prst="rect">
+            <a:avLst/>
+          </a:prstGeom>
+          <a:noFill/>
+        </p:spPr>
+        <p:txBody>
+          <a:bodyPr wrap="none" rtlCol="0">
+            <a:spAutoFit/>
+          </a:bodyPr>
+          <a:lstStyle/>
+          <a:p>
+            <a:r>
+              <a:rPr lang="fr-FR" dirty="0"/>
+              <a:t>a  b  c		    d</a:t>
+            </a:r>
+          </a:p>
+        </p:txBody>
+      </p:sp>
+      <p:sp>
+        <p:nvSpPr>
+          <p:cNvPr id="31" name="Flèche : droite 30">
+            <a:extLst>
+              <a:ext uri="{FF2B5EF4-FFF2-40B4-BE49-F238E27FC236}">
+                <a16:creationId xmlns:a16="http://schemas.microsoft.com/office/drawing/2014/main" id="{9E4DE134-6B07-4B1D-8F7F-90B4A67A0AAB}"/>
+              </a:ext>
+            </a:extLst>
+          </p:cNvPr>
+          <p:cNvSpPr/>
+          <p:nvPr/>
+        </p:nvSpPr>
+        <p:spPr>
+          <a:xfrm>
+            <a:off x="7928610" y="4845042"/>
+            <a:ext cx="434340" cy="365760"/>
+          </a:xfrm>
+          <a:prstGeom prst="rightArrow">
+            <a:avLst/>
+          </a:prstGeom>
+        </p:spPr>
+        <p:style>
+          <a:lnRef idx="1">
+            <a:schemeClr val="accent2"/>
+          </a:lnRef>
+          <a:fillRef idx="3">
+            <a:schemeClr val="accent2"/>
+          </a:fillRef>
+          <a:effectRef idx="2">
+            <a:schemeClr val="accent2"/>
+          </a:effectRef>
+          <a:fontRef idx="minor">
+            <a:schemeClr val="lt1"/>
+          </a:fontRef>
+        </p:style>
+        <p:txBody>
+          <a:bodyPr rtlCol="0" anchor="ctr"/>
+          <a:lstStyle/>
+          <a:p>
+            <a:pPr algn="ctr"/>
+            <a:endParaRPr lang="fr-FR"/>
+          </a:p>
+        </p:txBody>
+      </p:sp>
+      <p:pic>
+        <p:nvPicPr>
+          <p:cNvPr id="32" name="Image 31">
+            <a:extLst>
+              <a:ext uri="{FF2B5EF4-FFF2-40B4-BE49-F238E27FC236}">
+                <a16:creationId xmlns:a16="http://schemas.microsoft.com/office/drawing/2014/main" id="{8D508D86-9161-4E31-913A-C03CCC89E2F3}"/>
+              </a:ext>
+            </a:extLst>
+          </p:cNvPr>
+          <p:cNvPicPr/>
+          <p:nvPr/>
+        </p:nvPicPr>
+        <p:blipFill>
+          <a:blip r:embed="rId3" cstate="print">
+            <a:extLst>
+              <a:ext uri="{28A0092B-C50C-407E-A947-70E740481C1C}">
+                <a14:useLocalDpi xmlns:a14="http://schemas.microsoft.com/office/drawing/2010/main" val="0"/>
+              </a:ext>
+            </a:extLst>
+          </a:blip>
+          <a:stretch>
+            <a:fillRect/>
+          </a:stretch>
+        </p:blipFill>
+        <p:spPr>
+          <a:xfrm>
+            <a:off x="8496617" y="3941437"/>
+            <a:ext cx="2146565" cy="2155190"/>
+          </a:xfrm>
+          <a:prstGeom prst="rect">
+            <a:avLst/>
+          </a:prstGeom>
+          <a:ln>
+            <a:noFill/>
+          </a:ln>
+          <a:effectLst>
+            <a:outerShdw blurRad="292100" dist="139700" dir="2700000" algn="tl" rotWithShape="0">
+              <a:srgbClr val="333333">
+                <a:alpha val="65000"/>
+              </a:srgbClr>
+            </a:outerShdw>
+          </a:effectLst>
+        </p:spPr>
+      </p:pic>
+      <p:sp>
+        <p:nvSpPr>
+          <p:cNvPr id="33" name="ZoneTexte 32">
+            <a:extLst>
+              <a:ext uri="{FF2B5EF4-FFF2-40B4-BE49-F238E27FC236}">
+                <a16:creationId xmlns:a16="http://schemas.microsoft.com/office/drawing/2014/main" id="{F0033ECC-6BD9-4E9B-A109-03103F9CC34F}"/>
+              </a:ext>
+            </a:extLst>
+          </p:cNvPr>
+          <p:cNvSpPr txBox="1"/>
+          <p:nvPr/>
+        </p:nvSpPr>
+        <p:spPr>
+          <a:xfrm>
+            <a:off x="5526456" y="6194337"/>
+            <a:ext cx="2156360" cy="461665"/>
+          </a:xfrm>
+          <a:prstGeom prst="rect">
+            <a:avLst/>
+          </a:prstGeom>
+        </p:spPr>
+        <p:style>
+          <a:lnRef idx="2">
+            <a:schemeClr val="dk1"/>
+          </a:lnRef>
+          <a:fillRef idx="1">
+            <a:schemeClr val="lt1"/>
+          </a:fillRef>
+          <a:effectRef idx="0">
+            <a:schemeClr val="dk1"/>
+          </a:effectRef>
+          <a:fontRef idx="minor">
+            <a:schemeClr val="dk1"/>
+          </a:fontRef>
+        </p:style>
+        <p:txBody>
+          <a:bodyPr wrap="none" rtlCol="0">
+            <a:spAutoFit/>
+          </a:bodyPr>
+          <a:lstStyle/>
+          <a:p>
+            <a:r>
+              <a:rPr lang="fr-FR" sz="2400" dirty="0"/>
+              <a:t>Image cryptée</a:t>
+            </a:r>
+          </a:p>
+        </p:txBody>
+      </p:sp>
+      <p:sp>
+        <p:nvSpPr>
+          <p:cNvPr id="34" name="ZoneTexte 33">
+            <a:extLst>
+              <a:ext uri="{FF2B5EF4-FFF2-40B4-BE49-F238E27FC236}">
+                <a16:creationId xmlns:a16="http://schemas.microsoft.com/office/drawing/2014/main" id="{1EC7659A-0BF3-4215-8BA2-3785CE412858}"/>
+              </a:ext>
+            </a:extLst>
+          </p:cNvPr>
+          <p:cNvSpPr txBox="1"/>
+          <p:nvPr/>
+        </p:nvSpPr>
+        <p:spPr>
+          <a:xfrm>
+            <a:off x="8036466" y="6194336"/>
+            <a:ext cx="3066865" cy="461665"/>
+          </a:xfrm>
+          <a:prstGeom prst="rect">
+            <a:avLst/>
+          </a:prstGeom>
+        </p:spPr>
+        <p:style>
+          <a:lnRef idx="2">
+            <a:schemeClr val="dk1"/>
+          </a:lnRef>
+          <a:fillRef idx="1">
+            <a:schemeClr val="lt1"/>
+          </a:fillRef>
+          <a:effectRef idx="0">
+            <a:schemeClr val="dk1"/>
+          </a:effectRef>
+          <a:fontRef idx="minor">
+            <a:schemeClr val="dk1"/>
+          </a:fontRef>
+        </p:style>
+        <p:txBody>
+          <a:bodyPr wrap="none" rtlCol="0">
+            <a:spAutoFit/>
+          </a:bodyPr>
+          <a:lstStyle/>
+          <a:p>
+            <a:r>
+              <a:rPr lang="fr-FR" sz="2400" dirty="0"/>
+              <a:t>Image cryptée + RGB</a:t>
+            </a:r>
+          </a:p>
+        </p:txBody>
+      </p:sp>
+      <p:pic>
+        <p:nvPicPr>
+          <p:cNvPr id="6" name="Image 5">
+            <a:extLst>
+              <a:ext uri="{FF2B5EF4-FFF2-40B4-BE49-F238E27FC236}">
+                <a16:creationId xmlns:a16="http://schemas.microsoft.com/office/drawing/2014/main" id="{5F84AEAD-BF6B-42A9-B003-D4334359DA99}"/>
+              </a:ext>
+            </a:extLst>
+          </p:cNvPr>
+          <p:cNvPicPr>
+            <a:picLocks noChangeAspect="1"/>
+          </p:cNvPicPr>
+          <p:nvPr/>
+        </p:nvPicPr>
+        <p:blipFill>
+          <a:blip r:embed="rId4"/>
+          <a:stretch>
+            <a:fillRect/>
+          </a:stretch>
+        </p:blipFill>
+        <p:spPr>
+          <a:xfrm>
+            <a:off x="743221" y="3884217"/>
+            <a:ext cx="4424361" cy="2614066"/>
+          </a:xfrm>
+          <a:prstGeom prst="rect">
+            <a:avLst/>
+          </a:prstGeom>
+          <a:ln>
+            <a:noFill/>
+          </a:ln>
+          <a:effectLst>
+            <a:outerShdw blurRad="292100" dist="139700" dir="2700000" algn="tl" rotWithShape="0">
+              <a:srgbClr val="333333">
+                <a:alpha val="65000"/>
+              </a:srgbClr>
+            </a:outerShdw>
+          </a:effectLst>
+        </p:spPr>
+      </p:pic>
+    </p:spTree>
+    <p:extLst>
+      <p:ext uri="{BB962C8B-B14F-4D97-AF65-F5344CB8AC3E}">
+        <p14:creationId xmlns:p14="http://schemas.microsoft.com/office/powerpoint/2010/main" val="1828442724"/>
+      </p:ext>
+    </p:extLst>
+  </p:cSld>
+  <p:clrMapOvr>
+    <a:masterClrMapping/>
+  </p:clrMapOvr>
+</p:sld>
+</file>
+
 <file path=ppt/slides/slide2.xml><?xml version="1.0" encoding="utf-8"?>
 <p:sld xmlns:a="http://schemas.openxmlformats.org/drawingml/2006/main" xmlns:r="http://schemas.openxmlformats.org/officeDocument/2006/relationships" xmlns:p="http://schemas.openxmlformats.org/presentationml/2006/main">
   <p:cSld>
@@ -16533,7 +17247,7 @@
         </p:spPr>
         <p:txBody>
           <a:bodyPr>
-            <a:normAutofit lnSpcReduction="10000"/>
+            <a:normAutofit/>
           </a:bodyPr>
           <a:lstStyle/>
           <a:p>
@@ -16610,32 +17324,6 @@
             <a:r>
               <a:rPr lang="fr-FR" dirty="0"/>
               <a:t>Décryptage affine</a:t>
-            </a:r>
-          </a:p>
-          <a:p>
-            <a:r>
-              <a:rPr lang="fr-FR" dirty="0"/>
-              <a:t>Comment coder ces idées </a:t>
-            </a:r>
-          </a:p>
-          <a:p>
-            <a:pPr marL="800100" lvl="1" indent="-342900">
-              <a:buFont typeface="+mj-lt"/>
-              <a:buAutoNum type="arabicPeriod"/>
-            </a:pPr>
-            <a:r>
-              <a:rPr lang="fr-FR" dirty="0"/>
-              <a:t>Problème</a:t>
-            </a:r>
-          </a:p>
-          <a:p>
-            <a:pPr marL="800100" lvl="1" indent="-342900">
-              <a:buFont typeface="+mj-lt"/>
-              <a:buAutoNum type="arabicPeriod"/>
-            </a:pPr>
-            <a:r>
-              <a:rPr lang="fr-FR" dirty="0"/>
-              <a:t>Solution : Translation</a:t>
             </a:r>
           </a:p>
           <a:p>
@@ -17263,2895 +17951,6 @@
             </a:pPr>
             <a:r>
               <a:rPr lang="fr-FR" u="sng" dirty="0"/>
-              <a:t>Méthode récursive + Rotation RGB (Prochaine diapo):</a:t>
-            </a:r>
-          </a:p>
-        </p:txBody>
-      </p:sp>
-      <p:pic>
-        <p:nvPicPr>
-          <p:cNvPr id="10" name="Image 9">
-            <a:extLst>
-              <a:ext uri="{FF2B5EF4-FFF2-40B4-BE49-F238E27FC236}">
-                <a16:creationId xmlns:a16="http://schemas.microsoft.com/office/drawing/2014/main" id="{FAA50078-3776-488D-802E-1B78B057278D}"/>
-              </a:ext>
-            </a:extLst>
-          </p:cNvPr>
-          <p:cNvPicPr>
-            <a:picLocks noChangeAspect="1"/>
-          </p:cNvPicPr>
-          <p:nvPr/>
-        </p:nvPicPr>
-        <p:blipFill>
-          <a:blip r:embed="rId2" cstate="print">
-            <a:extLst>
-              <a:ext uri="{28A0092B-C50C-407E-A947-70E740481C1C}">
-                <a14:useLocalDpi xmlns:a14="http://schemas.microsoft.com/office/drawing/2010/main" val="0"/>
-              </a:ext>
-            </a:extLst>
-          </a:blip>
-          <a:stretch>
-            <a:fillRect/>
-          </a:stretch>
-        </p:blipFill>
-        <p:spPr>
-          <a:xfrm>
-            <a:off x="4176219" y="2392285"/>
-            <a:ext cx="2069986" cy="2013876"/>
-          </a:xfrm>
-          <a:prstGeom prst="rect">
-            <a:avLst/>
-          </a:prstGeom>
-          <a:ln>
-            <a:noFill/>
-          </a:ln>
-          <a:effectLst>
-            <a:outerShdw blurRad="292100" dist="139700" dir="2700000" algn="tl" rotWithShape="0">
-              <a:srgbClr val="333333">
-                <a:alpha val="65000"/>
-              </a:srgbClr>
-            </a:outerShdw>
-          </a:effectLst>
-        </p:spPr>
-      </p:pic>
-      <p:pic>
-        <p:nvPicPr>
-          <p:cNvPr id="11" name="Image 10">
-            <a:extLst>
-              <a:ext uri="{FF2B5EF4-FFF2-40B4-BE49-F238E27FC236}">
-                <a16:creationId xmlns:a16="http://schemas.microsoft.com/office/drawing/2014/main" id="{4C23CB45-A341-412F-9FDE-382A0E8D4EEE}"/>
-              </a:ext>
-            </a:extLst>
-          </p:cNvPr>
-          <p:cNvPicPr>
-            <a:picLocks noChangeAspect="1"/>
-          </p:cNvPicPr>
-          <p:nvPr/>
-        </p:nvPicPr>
-        <p:blipFill>
-          <a:blip r:embed="rId3" cstate="print">
-            <a:extLst>
-              <a:ext uri="{28A0092B-C50C-407E-A947-70E740481C1C}">
-                <a14:useLocalDpi xmlns:a14="http://schemas.microsoft.com/office/drawing/2010/main" val="0"/>
-              </a:ext>
-            </a:extLst>
-          </a:blip>
-          <a:stretch>
-            <a:fillRect/>
-          </a:stretch>
-        </p:blipFill>
-        <p:spPr>
-          <a:xfrm>
-            <a:off x="1214095" y="2397681"/>
-            <a:ext cx="2028907" cy="2028907"/>
-          </a:xfrm>
-          <a:prstGeom prst="rect">
-            <a:avLst/>
-          </a:prstGeom>
-          <a:ln>
-            <a:noFill/>
-          </a:ln>
-          <a:effectLst>
-            <a:outerShdw blurRad="292100" dist="139700" dir="2700000" algn="tl" rotWithShape="0">
-              <a:srgbClr val="333333">
-                <a:alpha val="65000"/>
-              </a:srgbClr>
-            </a:outerShdw>
-          </a:effectLst>
-        </p:spPr>
-      </p:pic>
-      <p:pic>
-        <p:nvPicPr>
-          <p:cNvPr id="12" name="Image 11">
-            <a:extLst>
-              <a:ext uri="{FF2B5EF4-FFF2-40B4-BE49-F238E27FC236}">
-                <a16:creationId xmlns:a16="http://schemas.microsoft.com/office/drawing/2014/main" id="{D95A5A7F-9F93-4696-B7B6-D4A7546C537C}"/>
-              </a:ext>
-            </a:extLst>
-          </p:cNvPr>
-          <p:cNvPicPr>
-            <a:picLocks noChangeAspect="1"/>
-          </p:cNvPicPr>
-          <p:nvPr/>
-        </p:nvPicPr>
-        <p:blipFill>
-          <a:blip r:embed="rId3" cstate="print">
-            <a:extLst>
-              <a:ext uri="{28A0092B-C50C-407E-A947-70E740481C1C}">
-                <a14:useLocalDpi xmlns:a14="http://schemas.microsoft.com/office/drawing/2010/main" val="0"/>
-              </a:ext>
-            </a:extLst>
-          </a:blip>
-          <a:stretch>
-            <a:fillRect/>
-          </a:stretch>
-        </p:blipFill>
-        <p:spPr>
-          <a:xfrm>
-            <a:off x="7413067" y="2397679"/>
-            <a:ext cx="2028907" cy="2028907"/>
-          </a:xfrm>
-          <a:prstGeom prst="rect">
-            <a:avLst/>
-          </a:prstGeom>
-          <a:ln>
-            <a:noFill/>
-          </a:ln>
-          <a:effectLst>
-            <a:outerShdw blurRad="292100" dist="139700" dir="2700000" algn="tl" rotWithShape="0">
-              <a:srgbClr val="333333">
-                <a:alpha val="65000"/>
-              </a:srgbClr>
-            </a:outerShdw>
-          </a:effectLst>
-        </p:spPr>
-      </p:pic>
-      <p:sp>
-        <p:nvSpPr>
-          <p:cNvPr id="13" name="ZoneTexte 12">
-            <a:extLst>
-              <a:ext uri="{FF2B5EF4-FFF2-40B4-BE49-F238E27FC236}">
-                <a16:creationId xmlns:a16="http://schemas.microsoft.com/office/drawing/2014/main" id="{DABE7465-EB0A-47DB-8D55-450C56EFF1D6}"/>
-              </a:ext>
-            </a:extLst>
-          </p:cNvPr>
-          <p:cNvSpPr txBox="1"/>
-          <p:nvPr/>
-        </p:nvSpPr>
-        <p:spPr>
-          <a:xfrm>
-            <a:off x="1242133" y="4625203"/>
-            <a:ext cx="2000869" cy="461665"/>
-          </a:xfrm>
-          <a:prstGeom prst="rect">
-            <a:avLst/>
-          </a:prstGeom>
-        </p:spPr>
-        <p:style>
-          <a:lnRef idx="2">
-            <a:schemeClr val="dk1"/>
-          </a:lnRef>
-          <a:fillRef idx="1">
-            <a:schemeClr val="lt1"/>
-          </a:fillRef>
-          <a:effectRef idx="0">
-            <a:schemeClr val="dk1"/>
-          </a:effectRef>
-          <a:fontRef idx="minor">
-            <a:schemeClr val="dk1"/>
-          </a:fontRef>
-        </p:style>
-        <p:txBody>
-          <a:bodyPr wrap="none" rtlCol="0">
-            <a:spAutoFit/>
-          </a:bodyPr>
-          <a:lstStyle/>
-          <a:p>
-            <a:r>
-              <a:rPr lang="fr-FR" sz="2400" dirty="0"/>
-              <a:t>Image source</a:t>
-            </a:r>
-          </a:p>
-        </p:txBody>
-      </p:sp>
-      <p:sp>
-        <p:nvSpPr>
-          <p:cNvPr id="14" name="ZoneTexte 13">
-            <a:extLst>
-              <a:ext uri="{FF2B5EF4-FFF2-40B4-BE49-F238E27FC236}">
-                <a16:creationId xmlns:a16="http://schemas.microsoft.com/office/drawing/2014/main" id="{D5EADF30-C344-451C-89CE-202B8834461F}"/>
-              </a:ext>
-            </a:extLst>
-          </p:cNvPr>
-          <p:cNvSpPr txBox="1"/>
-          <p:nvPr/>
-        </p:nvSpPr>
-        <p:spPr>
-          <a:xfrm>
-            <a:off x="4133032" y="4625202"/>
-            <a:ext cx="2156360" cy="461665"/>
-          </a:xfrm>
-          <a:prstGeom prst="rect">
-            <a:avLst/>
-          </a:prstGeom>
-        </p:spPr>
-        <p:style>
-          <a:lnRef idx="2">
-            <a:schemeClr val="dk1"/>
-          </a:lnRef>
-          <a:fillRef idx="1">
-            <a:schemeClr val="lt1"/>
-          </a:fillRef>
-          <a:effectRef idx="0">
-            <a:schemeClr val="dk1"/>
-          </a:effectRef>
-          <a:fontRef idx="minor">
-            <a:schemeClr val="dk1"/>
-          </a:fontRef>
-        </p:style>
-        <p:txBody>
-          <a:bodyPr wrap="none" rtlCol="0">
-            <a:spAutoFit/>
-          </a:bodyPr>
-          <a:lstStyle/>
-          <a:p>
-            <a:r>
-              <a:rPr lang="fr-FR" sz="2400" dirty="0"/>
-              <a:t>Image cryptée</a:t>
-            </a:r>
-          </a:p>
-        </p:txBody>
-      </p:sp>
-      <p:sp>
-        <p:nvSpPr>
-          <p:cNvPr id="15" name="ZoneTexte 14">
-            <a:extLst>
-              <a:ext uri="{FF2B5EF4-FFF2-40B4-BE49-F238E27FC236}">
-                <a16:creationId xmlns:a16="http://schemas.microsoft.com/office/drawing/2014/main" id="{BE5F8B34-D587-4D0E-BC10-14FEEE72F752}"/>
-              </a:ext>
-            </a:extLst>
-          </p:cNvPr>
-          <p:cNvSpPr txBox="1"/>
-          <p:nvPr/>
-        </p:nvSpPr>
-        <p:spPr>
-          <a:xfrm>
-            <a:off x="7179422" y="4625201"/>
-            <a:ext cx="2496196" cy="461665"/>
-          </a:xfrm>
-          <a:prstGeom prst="rect">
-            <a:avLst/>
-          </a:prstGeom>
-        </p:spPr>
-        <p:style>
-          <a:lnRef idx="2">
-            <a:schemeClr val="dk1"/>
-          </a:lnRef>
-          <a:fillRef idx="1">
-            <a:schemeClr val="lt1"/>
-          </a:fillRef>
-          <a:effectRef idx="0">
-            <a:schemeClr val="dk1"/>
-          </a:effectRef>
-          <a:fontRef idx="minor">
-            <a:schemeClr val="dk1"/>
-          </a:fontRef>
-        </p:style>
-        <p:txBody>
-          <a:bodyPr wrap="none" rtlCol="0">
-            <a:spAutoFit/>
-          </a:bodyPr>
-          <a:lstStyle/>
-          <a:p>
-            <a:r>
-              <a:rPr lang="fr-FR" sz="2400" dirty="0"/>
-              <a:t>Image décryptée</a:t>
-            </a:r>
-          </a:p>
-        </p:txBody>
-      </p:sp>
-      <p:sp>
-        <p:nvSpPr>
-          <p:cNvPr id="16" name="ZoneTexte 15">
-            <a:extLst>
-              <a:ext uri="{FF2B5EF4-FFF2-40B4-BE49-F238E27FC236}">
-                <a16:creationId xmlns:a16="http://schemas.microsoft.com/office/drawing/2014/main" id="{5E17AA57-4521-43FE-8C93-FF4A371C28BB}"/>
-              </a:ext>
-            </a:extLst>
-          </p:cNvPr>
-          <p:cNvSpPr txBox="1"/>
-          <p:nvPr/>
-        </p:nvSpPr>
-        <p:spPr>
-          <a:xfrm>
-            <a:off x="475096" y="5373460"/>
-            <a:ext cx="9497580" cy="646331"/>
-          </a:xfrm>
-          <a:prstGeom prst="rect">
-            <a:avLst/>
-          </a:prstGeom>
-        </p:spPr>
-        <p:style>
-          <a:lnRef idx="2">
-            <a:schemeClr val="dk1"/>
-          </a:lnRef>
-          <a:fillRef idx="1">
-            <a:schemeClr val="lt1"/>
-          </a:fillRef>
-          <a:effectRef idx="0">
-            <a:schemeClr val="dk1"/>
-          </a:effectRef>
-          <a:fontRef idx="minor">
-            <a:schemeClr val="dk1"/>
-          </a:fontRef>
-        </p:style>
-        <p:txBody>
-          <a:bodyPr wrap="square" rtlCol="0">
-            <a:spAutoFit/>
-          </a:bodyPr>
-          <a:lstStyle/>
-          <a:p>
-            <a:r>
-              <a:rPr lang="fr-FR" u="sng" dirty="0"/>
-              <a:t>Complexité :</a:t>
-            </a:r>
-            <a:r>
-              <a:rPr lang="fr-FR" dirty="0"/>
-              <a:t> O(X/2 * Y * Y) car on effectue Y fois X/2 fois (dans le pire cas : avant 1 pixel) Y rotations (dans le pire cas). Soit : O(X * Y²) donc plus long que le code précédent.</a:t>
-            </a:r>
-          </a:p>
-        </p:txBody>
-      </p:sp>
-      <p:sp>
-        <p:nvSpPr>
-          <p:cNvPr id="18" name="ZoneTexte 17">
-            <a:extLst>
-              <a:ext uri="{FF2B5EF4-FFF2-40B4-BE49-F238E27FC236}">
-                <a16:creationId xmlns:a16="http://schemas.microsoft.com/office/drawing/2014/main" id="{450A2FA1-F40C-4CE3-8AB1-8FABCA333E2C}"/>
-              </a:ext>
-            </a:extLst>
-          </p:cNvPr>
-          <p:cNvSpPr txBox="1"/>
-          <p:nvPr/>
-        </p:nvSpPr>
-        <p:spPr>
-          <a:xfrm>
-            <a:off x="475096" y="6134159"/>
-            <a:ext cx="11046344" cy="646331"/>
-          </a:xfrm>
-          <a:prstGeom prst="rect">
-            <a:avLst/>
-          </a:prstGeom>
-        </p:spPr>
-        <p:style>
-          <a:lnRef idx="2">
-            <a:schemeClr val="dk1"/>
-          </a:lnRef>
-          <a:fillRef idx="1">
-            <a:schemeClr val="lt1"/>
-          </a:fillRef>
-          <a:effectRef idx="0">
-            <a:schemeClr val="dk1"/>
-          </a:effectRef>
-          <a:fontRef idx="minor">
-            <a:schemeClr val="dk1"/>
-          </a:fontRef>
-        </p:style>
-        <p:txBody>
-          <a:bodyPr wrap="square" rtlCol="0">
-            <a:spAutoFit/>
-          </a:bodyPr>
-          <a:lstStyle/>
-          <a:p>
-            <a:r>
-              <a:rPr lang="fr-FR" u="sng" dirty="0">
-                <a:solidFill>
-                  <a:srgbClr val="FF0000"/>
-                </a:solidFill>
-              </a:rPr>
-              <a:t>Remarque :</a:t>
-            </a:r>
-            <a:r>
-              <a:rPr lang="fr-FR" dirty="0">
-                <a:solidFill>
-                  <a:srgbClr val="FF0000"/>
-                </a:solidFill>
-              </a:rPr>
-              <a:t> Clef cassable facilement par force brute car les opérations récursive sur les lignes sont facile</a:t>
-            </a:r>
-          </a:p>
-          <a:p>
-            <a:r>
-              <a:rPr lang="fr-FR" dirty="0">
-                <a:solidFill>
-                  <a:srgbClr val="FF0000"/>
-                </a:solidFill>
-              </a:rPr>
-              <a:t>a faire tourner par force brute.</a:t>
-            </a:r>
-          </a:p>
-        </p:txBody>
-      </p:sp>
-    </p:spTree>
-    <p:extLst>
-      <p:ext uri="{BB962C8B-B14F-4D97-AF65-F5344CB8AC3E}">
-        <p14:creationId xmlns:p14="http://schemas.microsoft.com/office/powerpoint/2010/main" val="774243177"/>
-      </p:ext>
-    </p:extLst>
-  </p:cSld>
-  <p:clrMapOvr>
-    <a:masterClrMapping/>
-  </p:clrMapOvr>
-</p:sld>
-</file>
-
-<file path=ppt/slides/slide21.xml><?xml version="1.0" encoding="utf-8"?>
-<p:sld xmlns:a="http://schemas.openxmlformats.org/drawingml/2006/main" xmlns:r="http://schemas.openxmlformats.org/officeDocument/2006/relationships" xmlns:p="http://schemas.openxmlformats.org/presentationml/2006/main">
-  <p:cSld>
-    <p:spTree>
-      <p:nvGrpSpPr>
-        <p:cNvPr id="1" name=""/>
-        <p:cNvGrpSpPr/>
-        <p:nvPr/>
-      </p:nvGrpSpPr>
-      <p:grpSpPr>
-        <a:xfrm>
-          <a:off x="0" y="0"/>
-          <a:ext cx="0" cy="0"/>
-          <a:chOff x="0" y="0"/>
-          <a:chExt cx="0" cy="0"/>
-        </a:xfrm>
-      </p:grpSpPr>
-      <p:sp>
-        <p:nvSpPr>
-          <p:cNvPr id="2" name="Titre 1">
-            <a:extLst>
-              <a:ext uri="{FF2B5EF4-FFF2-40B4-BE49-F238E27FC236}">
-                <a16:creationId xmlns:a16="http://schemas.microsoft.com/office/drawing/2014/main" id="{423EE660-1ADE-4ABE-B4BA-4A2412B6523F}"/>
-              </a:ext>
-            </a:extLst>
-          </p:cNvPr>
-          <p:cNvSpPr>
-            <a:spLocks noGrp="1"/>
-          </p:cNvSpPr>
-          <p:nvPr>
-            <p:ph type="title"/>
-          </p:nvPr>
-        </p:nvSpPr>
-        <p:spPr/>
-        <p:txBody>
-          <a:bodyPr>
-            <a:normAutofit/>
-          </a:bodyPr>
-          <a:lstStyle/>
-          <a:p>
-            <a:r>
-              <a:rPr lang="fr-FR" u="sng" dirty="0"/>
-              <a:t>Solutions contre le craquage intelligent :</a:t>
-            </a:r>
-          </a:p>
-        </p:txBody>
-      </p:sp>
-      <p:sp>
-        <p:nvSpPr>
-          <p:cNvPr id="5" name="ZoneTexte 4">
-            <a:extLst>
-              <a:ext uri="{FF2B5EF4-FFF2-40B4-BE49-F238E27FC236}">
-                <a16:creationId xmlns:a16="http://schemas.microsoft.com/office/drawing/2014/main" id="{1A9BF3E6-EC00-4002-8974-66EE867A1F74}"/>
-              </a:ext>
-            </a:extLst>
-          </p:cNvPr>
-          <p:cNvSpPr txBox="1"/>
-          <p:nvPr/>
-        </p:nvSpPr>
-        <p:spPr>
-          <a:xfrm>
-            <a:off x="677331" y="1632633"/>
-            <a:ext cx="6423685" cy="369332"/>
-          </a:xfrm>
-          <a:prstGeom prst="rect">
-            <a:avLst/>
-          </a:prstGeom>
-          <a:ln>
-            <a:solidFill>
-              <a:schemeClr val="bg1"/>
-            </a:solidFill>
-          </a:ln>
-        </p:spPr>
-        <p:style>
-          <a:lnRef idx="2">
-            <a:schemeClr val="accent1"/>
-          </a:lnRef>
-          <a:fillRef idx="1">
-            <a:schemeClr val="lt1"/>
-          </a:fillRef>
-          <a:effectRef idx="0">
-            <a:schemeClr val="accent1"/>
-          </a:effectRef>
-          <a:fontRef idx="minor">
-            <a:schemeClr val="dk1"/>
-          </a:fontRef>
-        </p:style>
-        <p:txBody>
-          <a:bodyPr wrap="square" rtlCol="0">
-            <a:spAutoFit/>
-          </a:bodyPr>
-          <a:lstStyle/>
-          <a:p>
-            <a:pPr marL="285750" indent="-285750">
-              <a:buFontTx/>
-              <a:buChar char="-"/>
-            </a:pPr>
-            <a:r>
-              <a:rPr lang="fr-FR" u="sng" dirty="0"/>
-              <a:t>Méthode rotation RGB :</a:t>
-            </a:r>
-          </a:p>
-        </p:txBody>
-      </p:sp>
-      <p:sp>
-        <p:nvSpPr>
-          <p:cNvPr id="17" name="ZoneTexte 16">
-            <a:extLst>
-              <a:ext uri="{FF2B5EF4-FFF2-40B4-BE49-F238E27FC236}">
-                <a16:creationId xmlns:a16="http://schemas.microsoft.com/office/drawing/2014/main" id="{CC14F3D3-A03A-48DD-8473-785CC56CD6DC}"/>
-              </a:ext>
-            </a:extLst>
-          </p:cNvPr>
-          <p:cNvSpPr txBox="1"/>
-          <p:nvPr/>
-        </p:nvSpPr>
-        <p:spPr>
-          <a:xfrm>
-            <a:off x="677328" y="2229398"/>
-            <a:ext cx="10642571" cy="4524315"/>
-          </a:xfrm>
-          <a:prstGeom prst="rect">
-            <a:avLst/>
-          </a:prstGeom>
-        </p:spPr>
-        <p:style>
-          <a:lnRef idx="2">
-            <a:schemeClr val="accent3"/>
-          </a:lnRef>
-          <a:fillRef idx="1">
-            <a:schemeClr val="lt1"/>
-          </a:fillRef>
-          <a:effectRef idx="0">
-            <a:schemeClr val="accent3"/>
-          </a:effectRef>
-          <a:fontRef idx="minor">
-            <a:schemeClr val="dk1"/>
-          </a:fontRef>
-        </p:style>
-        <p:txBody>
-          <a:bodyPr wrap="square" rtlCol="0">
-            <a:spAutoFit/>
-          </a:bodyPr>
-          <a:lstStyle/>
-          <a:p>
-            <a:r>
-              <a:rPr lang="fr-FR" u="sng" dirty="0"/>
-              <a:t>Exemple :</a:t>
-            </a:r>
-            <a:r>
-              <a:rPr lang="fr-FR" dirty="0"/>
-              <a:t> On utilise les 4 premiers coefficients non utilisés de la clef :</a:t>
-            </a:r>
-          </a:p>
-          <a:p>
-            <a:endParaRPr lang="fr-FR" dirty="0"/>
-          </a:p>
-          <a:p>
-            <a:r>
-              <a:rPr lang="fr-FR" dirty="0"/>
-              <a:t>Clef = [1, 8, 7, </a:t>
-            </a:r>
-            <a:r>
-              <a:rPr lang="fr-FR" dirty="0">
-                <a:solidFill>
-                  <a:schemeClr val="accent3"/>
-                </a:solidFill>
-              </a:rPr>
-              <a:t>9</a:t>
-            </a:r>
-            <a:r>
-              <a:rPr lang="fr-FR" dirty="0"/>
-              <a:t>, </a:t>
-            </a:r>
-            <a:r>
-              <a:rPr lang="fr-FR" dirty="0">
-                <a:solidFill>
-                  <a:schemeClr val="accent3"/>
-                </a:solidFill>
-              </a:rPr>
-              <a:t>4</a:t>
-            </a:r>
-            <a:r>
-              <a:rPr lang="fr-FR" dirty="0"/>
-              <a:t>, </a:t>
-            </a:r>
-            <a:r>
-              <a:rPr lang="fr-FR" dirty="0">
-                <a:solidFill>
-                  <a:schemeClr val="accent3"/>
-                </a:solidFill>
-              </a:rPr>
-              <a:t>6</a:t>
-            </a:r>
-            <a:r>
-              <a:rPr lang="fr-FR" dirty="0"/>
-              <a:t>, 1, 9, </a:t>
-            </a:r>
-            <a:r>
-              <a:rPr lang="fr-FR" dirty="0">
-                <a:solidFill>
-                  <a:schemeClr val="accent3"/>
-                </a:solidFill>
-              </a:rPr>
-              <a:t>7</a:t>
-            </a:r>
-            <a:r>
-              <a:rPr lang="fr-FR" dirty="0"/>
-              <a:t>, </a:t>
-            </a:r>
-            <a:r>
-              <a:rPr lang="fr-FR" dirty="0">
-                <a:solidFill>
-                  <a:schemeClr val="accent3"/>
-                </a:solidFill>
-              </a:rPr>
-              <a:t>5</a:t>
-            </a:r>
-            <a:r>
-              <a:rPr lang="fr-FR" dirty="0"/>
-              <a:t>, </a:t>
-            </a:r>
-            <a:r>
-              <a:rPr lang="fr-FR" dirty="0">
-                <a:solidFill>
-                  <a:schemeClr val="accent3"/>
-                </a:solidFill>
-              </a:rPr>
-              <a:t>3</a:t>
-            </a:r>
-            <a:r>
-              <a:rPr lang="fr-FR" dirty="0"/>
-              <a:t>, </a:t>
-            </a:r>
-            <a:r>
-              <a:rPr lang="fr-FR" dirty="0">
-                <a:solidFill>
-                  <a:schemeClr val="accent3"/>
-                </a:solidFill>
-              </a:rPr>
-              <a:t>6</a:t>
-            </a:r>
-            <a:r>
-              <a:rPr lang="fr-FR" dirty="0"/>
-              <a:t>, </a:t>
-            </a:r>
-            <a:r>
-              <a:rPr lang="fr-FR" dirty="0">
-                <a:solidFill>
-                  <a:schemeClr val="accent3"/>
-                </a:solidFill>
-              </a:rPr>
-              <a:t>4</a:t>
-            </a:r>
-            <a:r>
-              <a:rPr lang="fr-FR" dirty="0"/>
-              <a:t>, 8, 7, 9, </a:t>
-            </a:r>
-            <a:r>
-              <a:rPr lang="fr-FR" dirty="0">
-                <a:solidFill>
-                  <a:srgbClr val="FF0000"/>
-                </a:solidFill>
-              </a:rPr>
-              <a:t>11</a:t>
-            </a:r>
-            <a:r>
-              <a:rPr lang="fr-FR" dirty="0">
-                <a:solidFill>
-                  <a:schemeClr val="tx1"/>
-                </a:solidFill>
-              </a:rPr>
-              <a:t>,</a:t>
-            </a:r>
-            <a:r>
-              <a:rPr lang="fr-FR" dirty="0">
-                <a:solidFill>
-                  <a:srgbClr val="FF0000"/>
-                </a:solidFill>
-              </a:rPr>
-              <a:t> 03</a:t>
-            </a:r>
-            <a:r>
-              <a:rPr lang="fr-FR" dirty="0">
-                <a:solidFill>
-                  <a:schemeClr val="tx1"/>
-                </a:solidFill>
-              </a:rPr>
-              <a:t>,</a:t>
-            </a:r>
-            <a:r>
-              <a:rPr lang="fr-FR" dirty="0">
-                <a:solidFill>
-                  <a:srgbClr val="FF0000"/>
-                </a:solidFill>
-              </a:rPr>
-              <a:t> 20</a:t>
-            </a:r>
-            <a:r>
-              <a:rPr lang="fr-FR" dirty="0">
-                <a:solidFill>
-                  <a:schemeClr val="tx1"/>
-                </a:solidFill>
-              </a:rPr>
-              <a:t>,</a:t>
-            </a:r>
-            <a:r>
-              <a:rPr lang="fr-FR" dirty="0">
-                <a:solidFill>
-                  <a:srgbClr val="FF0000"/>
-                </a:solidFill>
-              </a:rPr>
-              <a:t> 21</a:t>
-            </a:r>
-            <a:r>
-              <a:rPr lang="fr-FR" dirty="0">
-                <a:solidFill>
-                  <a:schemeClr val="tx1"/>
-                </a:solidFill>
-              </a:rPr>
-              <a:t>,</a:t>
-            </a:r>
-            <a:r>
-              <a:rPr lang="fr-FR" dirty="0">
-                <a:solidFill>
-                  <a:srgbClr val="FF0000"/>
-                </a:solidFill>
-              </a:rPr>
-              <a:t> 12</a:t>
-            </a:r>
-            <a:r>
-              <a:rPr lang="fr-FR" dirty="0">
-                <a:solidFill>
-                  <a:schemeClr val="tx1"/>
-                </a:solidFill>
-              </a:rPr>
-              <a:t>,</a:t>
-            </a:r>
-            <a:r>
-              <a:rPr lang="fr-FR" dirty="0">
-                <a:solidFill>
-                  <a:srgbClr val="FF0000"/>
-                </a:solidFill>
-              </a:rPr>
-              <a:t> 58</a:t>
-            </a:r>
-            <a:r>
-              <a:rPr lang="fr-FR" dirty="0">
-                <a:solidFill>
-                  <a:schemeClr val="tx1"/>
-                </a:solidFill>
-              </a:rPr>
-              <a:t>,</a:t>
-            </a:r>
-            <a:r>
-              <a:rPr lang="fr-FR" dirty="0">
-                <a:solidFill>
-                  <a:srgbClr val="FF0000"/>
-                </a:solidFill>
-              </a:rPr>
-              <a:t> 24</a:t>
-            </a:r>
-            <a:r>
-              <a:rPr lang="fr-FR" dirty="0">
-                <a:solidFill>
-                  <a:schemeClr val="tx1"/>
-                </a:solidFill>
-              </a:rPr>
-              <a:t>,</a:t>
-            </a:r>
-            <a:r>
-              <a:rPr lang="fr-FR" dirty="0">
-                <a:solidFill>
-                  <a:srgbClr val="FF0000"/>
-                </a:solidFill>
-              </a:rPr>
-              <a:t> 25</a:t>
-            </a:r>
-            <a:r>
-              <a:rPr lang="fr-FR" dirty="0"/>
-              <a:t>]</a:t>
-            </a:r>
-          </a:p>
-          <a:p>
-            <a:endParaRPr lang="fr-FR" dirty="0"/>
-          </a:p>
-          <a:p>
-            <a:endParaRPr lang="fr-FR" dirty="0"/>
-          </a:p>
-          <a:p>
-            <a:endParaRPr lang="fr-FR" dirty="0"/>
-          </a:p>
-          <a:p>
-            <a:endParaRPr lang="fr-FR" dirty="0"/>
-          </a:p>
-          <a:p>
-            <a:r>
-              <a:rPr lang="fr-FR" dirty="0"/>
-              <a:t>										</a:t>
-            </a:r>
-          </a:p>
-          <a:p>
-            <a:endParaRPr lang="fr-FR" dirty="0"/>
-          </a:p>
-          <a:p>
-            <a:endParaRPr lang="fr-FR" dirty="0"/>
-          </a:p>
-          <a:p>
-            <a:endParaRPr lang="fr-FR" dirty="0"/>
-          </a:p>
-          <a:p>
-            <a:endParaRPr lang="fr-FR" dirty="0"/>
-          </a:p>
-          <a:p>
-            <a:endParaRPr lang="fr-FR" dirty="0"/>
-          </a:p>
-          <a:p>
-            <a:endParaRPr lang="fr-FR" dirty="0"/>
-          </a:p>
-          <a:p>
-            <a:endParaRPr lang="fr-FR" dirty="0"/>
-          </a:p>
-          <a:p>
-            <a:endParaRPr lang="fr-FR" b="1" dirty="0"/>
-          </a:p>
-        </p:txBody>
-      </p:sp>
-      <p:cxnSp>
-        <p:nvCxnSpPr>
-          <p:cNvPr id="7" name="Connecteur droit avec flèche 6">
-            <a:extLst>
-              <a:ext uri="{FF2B5EF4-FFF2-40B4-BE49-F238E27FC236}">
-                <a16:creationId xmlns:a16="http://schemas.microsoft.com/office/drawing/2014/main" id="{3C25E667-D3ED-4F4F-9E95-8C55B0CF9D77}"/>
-              </a:ext>
-            </a:extLst>
-          </p:cNvPr>
-          <p:cNvCxnSpPr>
-            <a:cxnSpLocks/>
-          </p:cNvCxnSpPr>
-          <p:nvPr/>
-        </p:nvCxnSpPr>
-        <p:spPr>
-          <a:xfrm flipV="1">
-            <a:off x="1584960" y="3116580"/>
-            <a:ext cx="0" cy="164783"/>
-          </a:xfrm>
-          <a:prstGeom prst="straightConnector1">
-            <a:avLst/>
-          </a:prstGeom>
-          <a:ln>
-            <a:tailEnd type="triangle"/>
-          </a:ln>
-        </p:spPr>
-        <p:style>
-          <a:lnRef idx="1">
-            <a:schemeClr val="accent1"/>
-          </a:lnRef>
-          <a:fillRef idx="0">
-            <a:schemeClr val="accent1"/>
-          </a:fillRef>
-          <a:effectRef idx="0">
-            <a:schemeClr val="accent1"/>
-          </a:effectRef>
-          <a:fontRef idx="minor">
-            <a:schemeClr val="tx1"/>
-          </a:fontRef>
-        </p:style>
-      </p:cxnSp>
-      <p:cxnSp>
-        <p:nvCxnSpPr>
-          <p:cNvPr id="20" name="Connecteur droit avec flèche 19">
-            <a:extLst>
-              <a:ext uri="{FF2B5EF4-FFF2-40B4-BE49-F238E27FC236}">
-                <a16:creationId xmlns:a16="http://schemas.microsoft.com/office/drawing/2014/main" id="{7CECE7DD-F3E4-45C9-A21C-9FD33C227C59}"/>
-              </a:ext>
-            </a:extLst>
-          </p:cNvPr>
-          <p:cNvCxnSpPr>
-            <a:cxnSpLocks/>
-          </p:cNvCxnSpPr>
-          <p:nvPr/>
-        </p:nvCxnSpPr>
-        <p:spPr>
-          <a:xfrm flipV="1">
-            <a:off x="1849278" y="3116580"/>
-            <a:ext cx="0" cy="164783"/>
-          </a:xfrm>
-          <a:prstGeom prst="straightConnector1">
-            <a:avLst/>
-          </a:prstGeom>
-          <a:ln>
-            <a:tailEnd type="triangle"/>
-          </a:ln>
-        </p:spPr>
-        <p:style>
-          <a:lnRef idx="1">
-            <a:schemeClr val="accent1"/>
-          </a:lnRef>
-          <a:fillRef idx="0">
-            <a:schemeClr val="accent1"/>
-          </a:fillRef>
-          <a:effectRef idx="0">
-            <a:schemeClr val="accent1"/>
-          </a:effectRef>
-          <a:fontRef idx="minor">
-            <a:schemeClr val="tx1"/>
-          </a:fontRef>
-        </p:style>
-      </p:cxnSp>
-      <p:cxnSp>
-        <p:nvCxnSpPr>
-          <p:cNvPr id="21" name="Connecteur droit avec flèche 20">
-            <a:extLst>
-              <a:ext uri="{FF2B5EF4-FFF2-40B4-BE49-F238E27FC236}">
-                <a16:creationId xmlns:a16="http://schemas.microsoft.com/office/drawing/2014/main" id="{B6BA8B5E-B508-4AC7-8D55-35AD0B97FAF9}"/>
-              </a:ext>
-            </a:extLst>
-          </p:cNvPr>
-          <p:cNvCxnSpPr>
-            <a:cxnSpLocks/>
-          </p:cNvCxnSpPr>
-          <p:nvPr/>
-        </p:nvCxnSpPr>
-        <p:spPr>
-          <a:xfrm flipV="1">
-            <a:off x="2108835" y="3116580"/>
-            <a:ext cx="0" cy="164783"/>
-          </a:xfrm>
-          <a:prstGeom prst="straightConnector1">
-            <a:avLst/>
-          </a:prstGeom>
-          <a:ln>
-            <a:tailEnd type="triangle"/>
-          </a:ln>
-        </p:spPr>
-        <p:style>
-          <a:lnRef idx="1">
-            <a:schemeClr val="accent1"/>
-          </a:lnRef>
-          <a:fillRef idx="0">
-            <a:schemeClr val="accent1"/>
-          </a:fillRef>
-          <a:effectRef idx="0">
-            <a:schemeClr val="accent1"/>
-          </a:effectRef>
-          <a:fontRef idx="minor">
-            <a:schemeClr val="tx1"/>
-          </a:fontRef>
-        </p:style>
-      </p:cxnSp>
-      <p:cxnSp>
-        <p:nvCxnSpPr>
-          <p:cNvPr id="22" name="Connecteur droit avec flèche 21">
-            <a:extLst>
-              <a:ext uri="{FF2B5EF4-FFF2-40B4-BE49-F238E27FC236}">
-                <a16:creationId xmlns:a16="http://schemas.microsoft.com/office/drawing/2014/main" id="{80BC6614-6A16-4652-BBB4-FDAE46A22523}"/>
-              </a:ext>
-            </a:extLst>
-          </p:cNvPr>
-          <p:cNvCxnSpPr>
-            <a:cxnSpLocks/>
-          </p:cNvCxnSpPr>
-          <p:nvPr/>
-        </p:nvCxnSpPr>
-        <p:spPr>
-          <a:xfrm flipV="1">
-            <a:off x="3228022" y="3116580"/>
-            <a:ext cx="0" cy="164783"/>
-          </a:xfrm>
-          <a:prstGeom prst="straightConnector1">
-            <a:avLst/>
-          </a:prstGeom>
-          <a:ln>
-            <a:tailEnd type="triangle"/>
-          </a:ln>
-        </p:spPr>
-        <p:style>
-          <a:lnRef idx="1">
-            <a:schemeClr val="accent1"/>
-          </a:lnRef>
-          <a:fillRef idx="0">
-            <a:schemeClr val="accent1"/>
-          </a:fillRef>
-          <a:effectRef idx="0">
-            <a:schemeClr val="accent1"/>
-          </a:effectRef>
-          <a:fontRef idx="minor">
-            <a:schemeClr val="tx1"/>
-          </a:fontRef>
-        </p:style>
-      </p:cxnSp>
-      <p:sp>
-        <p:nvSpPr>
-          <p:cNvPr id="28" name="ZoneTexte 27">
-            <a:extLst>
-              <a:ext uri="{FF2B5EF4-FFF2-40B4-BE49-F238E27FC236}">
-                <a16:creationId xmlns:a16="http://schemas.microsoft.com/office/drawing/2014/main" id="{620FBEC9-E127-49C6-804C-E52D8557DE81}"/>
-              </a:ext>
-            </a:extLst>
-          </p:cNvPr>
-          <p:cNvSpPr txBox="1"/>
-          <p:nvPr/>
-        </p:nvSpPr>
-        <p:spPr>
-          <a:xfrm>
-            <a:off x="5170441" y="3469845"/>
-            <a:ext cx="1088888" cy="369332"/>
-          </a:xfrm>
-          <a:prstGeom prst="rect">
-            <a:avLst/>
-          </a:prstGeom>
-          <a:noFill/>
-        </p:spPr>
-        <p:txBody>
-          <a:bodyPr wrap="none" rtlCol="0">
-            <a:spAutoFit/>
-          </a:bodyPr>
-          <a:lstStyle/>
-          <a:p>
-            <a:r>
-              <a:rPr lang="fr-FR" dirty="0"/>
-              <a:t>Tel que :</a:t>
-            </a:r>
-          </a:p>
-        </p:txBody>
-      </p:sp>
-      <p:pic>
-        <p:nvPicPr>
-          <p:cNvPr id="29" name="Image 28">
-            <a:extLst>
-              <a:ext uri="{FF2B5EF4-FFF2-40B4-BE49-F238E27FC236}">
-                <a16:creationId xmlns:a16="http://schemas.microsoft.com/office/drawing/2014/main" id="{46E47940-F9CF-4CC3-80A6-36C4B21A8A11}"/>
-              </a:ext>
-            </a:extLst>
-          </p:cNvPr>
-          <p:cNvPicPr>
-            <a:picLocks noChangeAspect="1"/>
-          </p:cNvPicPr>
-          <p:nvPr/>
-        </p:nvPicPr>
-        <p:blipFill>
-          <a:blip r:embed="rId2" cstate="print">
-            <a:extLst>
-              <a:ext uri="{28A0092B-C50C-407E-A947-70E740481C1C}">
-                <a14:useLocalDpi xmlns:a14="http://schemas.microsoft.com/office/drawing/2010/main" val="0"/>
-              </a:ext>
-            </a:extLst>
-          </a:blip>
-          <a:stretch>
-            <a:fillRect/>
-          </a:stretch>
-        </p:blipFill>
-        <p:spPr>
-          <a:xfrm>
-            <a:off x="5521232" y="3936888"/>
-            <a:ext cx="2161584" cy="2159739"/>
-          </a:xfrm>
-          <a:prstGeom prst="rect">
-            <a:avLst/>
-          </a:prstGeom>
-          <a:ln>
-            <a:noFill/>
-          </a:ln>
-          <a:effectLst>
-            <a:outerShdw blurRad="292100" dist="139700" dir="2700000" algn="tl" rotWithShape="0">
-              <a:srgbClr val="333333">
-                <a:alpha val="65000"/>
-              </a:srgbClr>
-            </a:outerShdw>
-          </a:effectLst>
-        </p:spPr>
-      </p:pic>
-      <p:sp>
-        <p:nvSpPr>
-          <p:cNvPr id="30" name="ZoneTexte 29">
-            <a:extLst>
-              <a:ext uri="{FF2B5EF4-FFF2-40B4-BE49-F238E27FC236}">
-                <a16:creationId xmlns:a16="http://schemas.microsoft.com/office/drawing/2014/main" id="{A21C2032-7C26-4187-AE4F-E00610FBCF70}"/>
-              </a:ext>
-            </a:extLst>
-          </p:cNvPr>
-          <p:cNvSpPr txBox="1"/>
-          <p:nvPr/>
-        </p:nvSpPr>
-        <p:spPr>
-          <a:xfrm>
-            <a:off x="1444904" y="3207306"/>
-            <a:ext cx="1973617" cy="369332"/>
-          </a:xfrm>
-          <a:prstGeom prst="rect">
-            <a:avLst/>
-          </a:prstGeom>
-          <a:noFill/>
-        </p:spPr>
-        <p:txBody>
-          <a:bodyPr wrap="none" rtlCol="0">
-            <a:spAutoFit/>
-          </a:bodyPr>
-          <a:lstStyle/>
-          <a:p>
-            <a:r>
-              <a:rPr lang="fr-FR" dirty="0"/>
-              <a:t>a  b  c		    d</a:t>
-            </a:r>
-          </a:p>
-        </p:txBody>
-      </p:sp>
-      <p:sp>
-        <p:nvSpPr>
-          <p:cNvPr id="31" name="Flèche : droite 30">
-            <a:extLst>
-              <a:ext uri="{FF2B5EF4-FFF2-40B4-BE49-F238E27FC236}">
-                <a16:creationId xmlns:a16="http://schemas.microsoft.com/office/drawing/2014/main" id="{9E4DE134-6B07-4B1D-8F7F-90B4A67A0AAB}"/>
-              </a:ext>
-            </a:extLst>
-          </p:cNvPr>
-          <p:cNvSpPr/>
-          <p:nvPr/>
-        </p:nvSpPr>
-        <p:spPr>
-          <a:xfrm>
-            <a:off x="7928610" y="4845042"/>
-            <a:ext cx="434340" cy="365760"/>
-          </a:xfrm>
-          <a:prstGeom prst="rightArrow">
-            <a:avLst/>
-          </a:prstGeom>
-        </p:spPr>
-        <p:style>
-          <a:lnRef idx="1">
-            <a:schemeClr val="accent2"/>
-          </a:lnRef>
-          <a:fillRef idx="3">
-            <a:schemeClr val="accent2"/>
-          </a:fillRef>
-          <a:effectRef idx="2">
-            <a:schemeClr val="accent2"/>
-          </a:effectRef>
-          <a:fontRef idx="minor">
-            <a:schemeClr val="lt1"/>
-          </a:fontRef>
-        </p:style>
-        <p:txBody>
-          <a:bodyPr rtlCol="0" anchor="ctr"/>
-          <a:lstStyle/>
-          <a:p>
-            <a:pPr algn="ctr"/>
-            <a:endParaRPr lang="fr-FR"/>
-          </a:p>
-        </p:txBody>
-      </p:sp>
-      <p:pic>
-        <p:nvPicPr>
-          <p:cNvPr id="32" name="Image 31">
-            <a:extLst>
-              <a:ext uri="{FF2B5EF4-FFF2-40B4-BE49-F238E27FC236}">
-                <a16:creationId xmlns:a16="http://schemas.microsoft.com/office/drawing/2014/main" id="{8D508D86-9161-4E31-913A-C03CCC89E2F3}"/>
-              </a:ext>
-            </a:extLst>
-          </p:cNvPr>
-          <p:cNvPicPr/>
-          <p:nvPr/>
-        </p:nvPicPr>
-        <p:blipFill>
-          <a:blip r:embed="rId3" cstate="print">
-            <a:extLst>
-              <a:ext uri="{28A0092B-C50C-407E-A947-70E740481C1C}">
-                <a14:useLocalDpi xmlns:a14="http://schemas.microsoft.com/office/drawing/2010/main" val="0"/>
-              </a:ext>
-            </a:extLst>
-          </a:blip>
-          <a:stretch>
-            <a:fillRect/>
-          </a:stretch>
-        </p:blipFill>
-        <p:spPr>
-          <a:xfrm>
-            <a:off x="8496617" y="3941437"/>
-            <a:ext cx="2146565" cy="2155190"/>
-          </a:xfrm>
-          <a:prstGeom prst="rect">
-            <a:avLst/>
-          </a:prstGeom>
-          <a:ln>
-            <a:noFill/>
-          </a:ln>
-          <a:effectLst>
-            <a:outerShdw blurRad="292100" dist="139700" dir="2700000" algn="tl" rotWithShape="0">
-              <a:srgbClr val="333333">
-                <a:alpha val="65000"/>
-              </a:srgbClr>
-            </a:outerShdw>
-          </a:effectLst>
-        </p:spPr>
-      </p:pic>
-      <p:sp>
-        <p:nvSpPr>
-          <p:cNvPr id="33" name="ZoneTexte 32">
-            <a:extLst>
-              <a:ext uri="{FF2B5EF4-FFF2-40B4-BE49-F238E27FC236}">
-                <a16:creationId xmlns:a16="http://schemas.microsoft.com/office/drawing/2014/main" id="{F0033ECC-6BD9-4E9B-A109-03103F9CC34F}"/>
-              </a:ext>
-            </a:extLst>
-          </p:cNvPr>
-          <p:cNvSpPr txBox="1"/>
-          <p:nvPr/>
-        </p:nvSpPr>
-        <p:spPr>
-          <a:xfrm>
-            <a:off x="5526456" y="6194337"/>
-            <a:ext cx="2156360" cy="461665"/>
-          </a:xfrm>
-          <a:prstGeom prst="rect">
-            <a:avLst/>
-          </a:prstGeom>
-        </p:spPr>
-        <p:style>
-          <a:lnRef idx="2">
-            <a:schemeClr val="dk1"/>
-          </a:lnRef>
-          <a:fillRef idx="1">
-            <a:schemeClr val="lt1"/>
-          </a:fillRef>
-          <a:effectRef idx="0">
-            <a:schemeClr val="dk1"/>
-          </a:effectRef>
-          <a:fontRef idx="minor">
-            <a:schemeClr val="dk1"/>
-          </a:fontRef>
-        </p:style>
-        <p:txBody>
-          <a:bodyPr wrap="none" rtlCol="0">
-            <a:spAutoFit/>
-          </a:bodyPr>
-          <a:lstStyle/>
-          <a:p>
-            <a:r>
-              <a:rPr lang="fr-FR" sz="2400" dirty="0"/>
-              <a:t>Image cryptée</a:t>
-            </a:r>
-          </a:p>
-        </p:txBody>
-      </p:sp>
-      <p:sp>
-        <p:nvSpPr>
-          <p:cNvPr id="34" name="ZoneTexte 33">
-            <a:extLst>
-              <a:ext uri="{FF2B5EF4-FFF2-40B4-BE49-F238E27FC236}">
-                <a16:creationId xmlns:a16="http://schemas.microsoft.com/office/drawing/2014/main" id="{1EC7659A-0BF3-4215-8BA2-3785CE412858}"/>
-              </a:ext>
-            </a:extLst>
-          </p:cNvPr>
-          <p:cNvSpPr txBox="1"/>
-          <p:nvPr/>
-        </p:nvSpPr>
-        <p:spPr>
-          <a:xfrm>
-            <a:off x="8036466" y="6194336"/>
-            <a:ext cx="3066865" cy="461665"/>
-          </a:xfrm>
-          <a:prstGeom prst="rect">
-            <a:avLst/>
-          </a:prstGeom>
-        </p:spPr>
-        <p:style>
-          <a:lnRef idx="2">
-            <a:schemeClr val="dk1"/>
-          </a:lnRef>
-          <a:fillRef idx="1">
-            <a:schemeClr val="lt1"/>
-          </a:fillRef>
-          <a:effectRef idx="0">
-            <a:schemeClr val="dk1"/>
-          </a:effectRef>
-          <a:fontRef idx="minor">
-            <a:schemeClr val="dk1"/>
-          </a:fontRef>
-        </p:style>
-        <p:txBody>
-          <a:bodyPr wrap="none" rtlCol="0">
-            <a:spAutoFit/>
-          </a:bodyPr>
-          <a:lstStyle/>
-          <a:p>
-            <a:r>
-              <a:rPr lang="fr-FR" sz="2400" dirty="0"/>
-              <a:t>Image cryptée + RGB</a:t>
-            </a:r>
-          </a:p>
-        </p:txBody>
-      </p:sp>
-      <p:pic>
-        <p:nvPicPr>
-          <p:cNvPr id="6" name="Image 5">
-            <a:extLst>
-              <a:ext uri="{FF2B5EF4-FFF2-40B4-BE49-F238E27FC236}">
-                <a16:creationId xmlns:a16="http://schemas.microsoft.com/office/drawing/2014/main" id="{5F84AEAD-BF6B-42A9-B003-D4334359DA99}"/>
-              </a:ext>
-            </a:extLst>
-          </p:cNvPr>
-          <p:cNvPicPr>
-            <a:picLocks noChangeAspect="1"/>
-          </p:cNvPicPr>
-          <p:nvPr/>
-        </p:nvPicPr>
-        <p:blipFill>
-          <a:blip r:embed="rId4"/>
-          <a:stretch>
-            <a:fillRect/>
-          </a:stretch>
-        </p:blipFill>
-        <p:spPr>
-          <a:xfrm>
-            <a:off x="743221" y="3884217"/>
-            <a:ext cx="4424361" cy="2614066"/>
-          </a:xfrm>
-          <a:prstGeom prst="rect">
-            <a:avLst/>
-          </a:prstGeom>
-          <a:ln>
-            <a:noFill/>
-          </a:ln>
-          <a:effectLst>
-            <a:outerShdw blurRad="292100" dist="139700" dir="2700000" algn="tl" rotWithShape="0">
-              <a:srgbClr val="333333">
-                <a:alpha val="65000"/>
-              </a:srgbClr>
-            </a:outerShdw>
-          </a:effectLst>
-        </p:spPr>
-      </p:pic>
-    </p:spTree>
-    <p:extLst>
-      <p:ext uri="{BB962C8B-B14F-4D97-AF65-F5344CB8AC3E}">
-        <p14:creationId xmlns:p14="http://schemas.microsoft.com/office/powerpoint/2010/main" val="1828442724"/>
-      </p:ext>
-    </p:extLst>
-  </p:cSld>
-  <p:clrMapOvr>
-    <a:masterClrMapping/>
-  </p:clrMapOvr>
-</p:sld>
-</file>
-
-<file path=ppt/slides/slide22.xml><?xml version="1.0" encoding="utf-8"?>
-<p:sld xmlns:a="http://schemas.openxmlformats.org/drawingml/2006/main" xmlns:r="http://schemas.openxmlformats.org/officeDocument/2006/relationships" xmlns:p="http://schemas.openxmlformats.org/presentationml/2006/main">
-  <p:cSld>
-    <p:spTree>
-      <p:nvGrpSpPr>
-        <p:cNvPr id="1" name=""/>
-        <p:cNvGrpSpPr/>
-        <p:nvPr/>
-      </p:nvGrpSpPr>
-      <p:grpSpPr>
-        <a:xfrm>
-          <a:off x="0" y="0"/>
-          <a:ext cx="0" cy="0"/>
-          <a:chOff x="0" y="0"/>
-          <a:chExt cx="0" cy="0"/>
-        </a:xfrm>
-      </p:grpSpPr>
-      <p:sp>
-        <p:nvSpPr>
-          <p:cNvPr id="2" name="Titre 1">
-            <a:extLst>
-              <a:ext uri="{FF2B5EF4-FFF2-40B4-BE49-F238E27FC236}">
-                <a16:creationId xmlns:a16="http://schemas.microsoft.com/office/drawing/2014/main" id="{423EE660-1ADE-4ABE-B4BA-4A2412B6523F}"/>
-              </a:ext>
-            </a:extLst>
-          </p:cNvPr>
-          <p:cNvSpPr>
-            <a:spLocks noGrp="1"/>
-          </p:cNvSpPr>
-          <p:nvPr>
-            <p:ph type="title"/>
-          </p:nvPr>
-        </p:nvSpPr>
-        <p:spPr/>
-        <p:txBody>
-          <a:bodyPr>
-            <a:normAutofit/>
-          </a:bodyPr>
-          <a:lstStyle/>
-          <a:p>
-            <a:r>
-              <a:rPr lang="fr-FR" u="sng" dirty="0"/>
-              <a:t>Solutions contre le craquage intelligent :</a:t>
-            </a:r>
-          </a:p>
-        </p:txBody>
-      </p:sp>
-      <p:sp>
-        <p:nvSpPr>
-          <p:cNvPr id="5" name="ZoneTexte 4">
-            <a:extLst>
-              <a:ext uri="{FF2B5EF4-FFF2-40B4-BE49-F238E27FC236}">
-                <a16:creationId xmlns:a16="http://schemas.microsoft.com/office/drawing/2014/main" id="{1A9BF3E6-EC00-4002-8974-66EE867A1F74}"/>
-              </a:ext>
-            </a:extLst>
-          </p:cNvPr>
-          <p:cNvSpPr txBox="1"/>
-          <p:nvPr/>
-        </p:nvSpPr>
-        <p:spPr>
-          <a:xfrm>
-            <a:off x="677331" y="1632633"/>
-            <a:ext cx="6423685" cy="369332"/>
-          </a:xfrm>
-          <a:prstGeom prst="rect">
-            <a:avLst/>
-          </a:prstGeom>
-          <a:ln>
-            <a:solidFill>
-              <a:schemeClr val="bg1"/>
-            </a:solidFill>
-          </a:ln>
-        </p:spPr>
-        <p:style>
-          <a:lnRef idx="2">
-            <a:schemeClr val="accent1"/>
-          </a:lnRef>
-          <a:fillRef idx="1">
-            <a:schemeClr val="lt1"/>
-          </a:fillRef>
-          <a:effectRef idx="0">
-            <a:schemeClr val="accent1"/>
-          </a:effectRef>
-          <a:fontRef idx="minor">
-            <a:schemeClr val="dk1"/>
-          </a:fontRef>
-        </p:style>
-        <p:txBody>
-          <a:bodyPr wrap="square" rtlCol="0">
-            <a:spAutoFit/>
-          </a:bodyPr>
-          <a:lstStyle/>
-          <a:p>
-            <a:pPr marL="285750" indent="-285750">
-              <a:buFontTx/>
-              <a:buChar char="-"/>
-            </a:pPr>
-            <a:r>
-              <a:rPr lang="fr-FR" u="sng" dirty="0"/>
-              <a:t>Méthode rotation RGB :</a:t>
-            </a:r>
-          </a:p>
-        </p:txBody>
-      </p:sp>
-      <mc:AlternateContent xmlns:mc="http://schemas.openxmlformats.org/markup-compatibility/2006" xmlns:a14="http://schemas.microsoft.com/office/drawing/2010/main">
-        <mc:Choice Requires="a14">
-          <p:sp>
-            <p:nvSpPr>
-              <p:cNvPr id="18" name="ZoneTexte 17">
-                <a:extLst>
-                  <a:ext uri="{FF2B5EF4-FFF2-40B4-BE49-F238E27FC236}">
-                    <a16:creationId xmlns:a16="http://schemas.microsoft.com/office/drawing/2014/main" id="{045A691B-6CE1-47F1-8ABE-C43292610631}"/>
-                  </a:ext>
-                </a:extLst>
-              </p:cNvPr>
-              <p:cNvSpPr txBox="1"/>
-              <p:nvPr/>
-            </p:nvSpPr>
-            <p:spPr>
-              <a:xfrm>
-                <a:off x="677330" y="2001965"/>
-                <a:ext cx="8076145" cy="1939249"/>
-              </a:xfrm>
-              <a:prstGeom prst="rect">
-                <a:avLst/>
-              </a:prstGeom>
-              <a:noFill/>
-            </p:spPr>
-            <p:txBody>
-              <a:bodyPr wrap="square">
-                <a:spAutoFit/>
-              </a:bodyPr>
-              <a:lstStyle/>
-              <a:p>
-                <a:r>
-                  <a:rPr lang="fr-FR" sz="1800" b="1" u="sng" dirty="0">
-                    <a:effectLst/>
-                    <a:latin typeface="Calibri" panose="020F0502020204030204" pitchFamily="34" charset="0"/>
-                    <a:ea typeface="Calibri" panose="020F0502020204030204" pitchFamily="34" charset="0"/>
-                    <a:cs typeface="Calibri" panose="020F0502020204030204" pitchFamily="34" charset="0"/>
-                  </a:rPr>
-                  <a:t>Conséquence (mathématiques) :</a:t>
-                </a:r>
-              </a:p>
-              <a:p>
-                <a:endParaRPr lang="fr-FR" sz="1800" u="sng" dirty="0">
-                  <a:effectLst/>
-                  <a:latin typeface="Calibri" panose="020F0502020204030204" pitchFamily="34" charset="0"/>
-                  <a:ea typeface="Calibri" panose="020F0502020204030204" pitchFamily="34" charset="0"/>
-                  <a:cs typeface="Calibri" panose="020F0502020204030204" pitchFamily="34" charset="0"/>
-                </a:endParaRPr>
-              </a:p>
-              <a:p>
-                <a:r>
-                  <a:rPr lang="fr-FR" i="1" u="sng" dirty="0">
-                    <a:latin typeface="Calibri" panose="020F0502020204030204" pitchFamily="34" charset="0"/>
-                    <a:ea typeface="Calibri" panose="020F0502020204030204" pitchFamily="34" charset="0"/>
-                    <a:cs typeface="Calibri" panose="020F0502020204030204" pitchFamily="34" charset="0"/>
-                  </a:rPr>
-                  <a:t>Méthode affine :</a:t>
-                </a:r>
-              </a:p>
-              <a:p>
-                <a:r>
-                  <a:rPr lang="fr-FR" sz="1800" dirty="0">
-                    <a:effectLst/>
-                    <a:latin typeface="Calibri" panose="020F0502020204030204" pitchFamily="34" charset="0"/>
-                    <a:ea typeface="Calibri" panose="020F0502020204030204" pitchFamily="34" charset="0"/>
-                    <a:cs typeface="Calibri" panose="020F0502020204030204" pitchFamily="34" charset="0"/>
-                  </a:rPr>
-                  <a:t>Nombre d’opérations à effectuer = </a:t>
-                </a:r>
-                <a14:m>
-                  <m:oMath xmlns:m="http://schemas.openxmlformats.org/officeDocument/2006/math">
-                    <m:sSup>
-                      <m:sSupPr>
-                        <m:ctrlPr>
-                          <a:rPr lang="fr-FR" sz="1800" i="1">
-                            <a:effectLst/>
-                            <a:latin typeface="Cambria Math" panose="02040503050406030204" pitchFamily="18" charset="0"/>
-                            <a:ea typeface="Times New Roman" panose="02020603050405020304" pitchFamily="18" charset="0"/>
-                            <a:cs typeface="Calibri" panose="020F0502020204030204" pitchFamily="34" charset="0"/>
-                          </a:rPr>
-                        </m:ctrlPr>
-                      </m:sSupPr>
-                      <m:e>
-                        <m:r>
-                          <a:rPr lang="fr-FR" sz="1800" i="1">
-                            <a:effectLst/>
-                            <a:latin typeface="Cambria Math" panose="02040503050406030204" pitchFamily="18" charset="0"/>
-                            <a:ea typeface="Times New Roman" panose="02020603050405020304" pitchFamily="18" charset="0"/>
-                            <a:cs typeface="Calibri" panose="020F0502020204030204" pitchFamily="34" charset="0"/>
-                          </a:rPr>
-                          <m:t>10</m:t>
-                        </m:r>
-                      </m:e>
-                      <m:sup>
-                        <m:r>
-                          <a:rPr lang="fr-FR" sz="1800" i="1">
-                            <a:effectLst/>
-                            <a:latin typeface="Cambria Math" panose="02040503050406030204" pitchFamily="18" charset="0"/>
-                            <a:ea typeface="Times New Roman" panose="02020603050405020304" pitchFamily="18" charset="0"/>
-                            <a:cs typeface="Calibri" panose="020F0502020204030204" pitchFamily="34" charset="0"/>
-                          </a:rPr>
-                          <m:t>24</m:t>
-                        </m:r>
-                      </m:sup>
-                    </m:sSup>
-                    <m:r>
-                      <a:rPr lang="fr-FR" sz="1800" i="1">
-                        <a:effectLst/>
-                        <a:latin typeface="Cambria Math" panose="02040503050406030204" pitchFamily="18" charset="0"/>
-                        <a:ea typeface="Times New Roman" panose="02020603050405020304" pitchFamily="18" charset="0"/>
-                        <a:cs typeface="Calibri" panose="020F0502020204030204" pitchFamily="34" charset="0"/>
-                      </a:rPr>
-                      <m:t> ∗ </m:t>
-                    </m:r>
-                    <m:d>
-                      <m:dPr>
-                        <m:ctrlPr>
-                          <a:rPr lang="fr-FR" sz="1800" i="1">
-                            <a:effectLst/>
-                            <a:latin typeface="Cambria Math" panose="02040503050406030204" pitchFamily="18" charset="0"/>
-                            <a:ea typeface="Times New Roman" panose="02020603050405020304" pitchFamily="18" charset="0"/>
-                            <a:cs typeface="Calibri" panose="020F0502020204030204" pitchFamily="34" charset="0"/>
-                          </a:rPr>
-                        </m:ctrlPr>
-                      </m:dPr>
-                      <m:e>
-                        <m:m>
-                          <m:mPr>
-                            <m:mcs>
-                              <m:mc>
-                                <m:mcPr>
-                                  <m:count m:val="1"/>
-                                  <m:mcJc m:val="center"/>
-                                </m:mcPr>
-                              </m:mc>
-                            </m:mcs>
-                            <m:ctrlPr>
-                              <a:rPr lang="fr-FR" sz="1800" i="1">
-                                <a:effectLst/>
-                                <a:latin typeface="Cambria Math" panose="02040503050406030204" pitchFamily="18" charset="0"/>
-                                <a:ea typeface="Calibri" panose="020F0502020204030204" pitchFamily="34" charset="0"/>
-                                <a:cs typeface="Calibri" panose="020F0502020204030204" pitchFamily="34" charset="0"/>
-                              </a:rPr>
-                            </m:ctrlPr>
-                          </m:mPr>
-                          <m:mr>
-                            <m:e>
-                              <m:r>
-                                <a:rPr lang="fr-FR" sz="1800" i="1">
-                                  <a:effectLst/>
-                                  <a:latin typeface="Cambria Math" panose="02040503050406030204" pitchFamily="18" charset="0"/>
-                                  <a:ea typeface="Calibri" panose="020F0502020204030204" pitchFamily="34" charset="0"/>
-                                  <a:cs typeface="Calibri" panose="020F0502020204030204" pitchFamily="34" charset="0"/>
-                                </a:rPr>
-                                <m:t>24</m:t>
-                              </m:r>
-                            </m:e>
-                          </m:mr>
-                          <m:mr>
-                            <m:e>
-                              <m:r>
-                                <a:rPr lang="fr-FR" sz="1800" i="1">
-                                  <a:effectLst/>
-                                  <a:latin typeface="Cambria Math" panose="02040503050406030204" pitchFamily="18" charset="0"/>
-                                  <a:ea typeface="Calibri" panose="020F0502020204030204" pitchFamily="34" charset="0"/>
-                                  <a:cs typeface="Calibri" panose="020F0502020204030204" pitchFamily="34" charset="0"/>
-                                </a:rPr>
-                                <m:t>8</m:t>
-                              </m:r>
-                            </m:e>
-                          </m:mr>
-                        </m:m>
-                      </m:e>
-                    </m:d>
-                    <m:r>
-                      <a:rPr lang="fr-FR" sz="1800" i="1">
-                        <a:effectLst/>
-                        <a:latin typeface="Cambria Math" panose="02040503050406030204" pitchFamily="18" charset="0"/>
-                        <a:ea typeface="Times New Roman" panose="02020603050405020304" pitchFamily="18" charset="0"/>
-                        <a:cs typeface="Calibri" panose="020F0502020204030204" pitchFamily="34" charset="0"/>
-                      </a:rPr>
-                      <m:t>∗ </m:t>
-                    </m:r>
-                    <m:d>
-                      <m:dPr>
-                        <m:ctrlPr>
-                          <a:rPr lang="fr-FR" sz="1800" i="1">
-                            <a:effectLst/>
-                            <a:latin typeface="Cambria Math" panose="02040503050406030204" pitchFamily="18" charset="0"/>
-                            <a:ea typeface="Times New Roman" panose="02020603050405020304" pitchFamily="18" charset="0"/>
-                            <a:cs typeface="Calibri" panose="020F0502020204030204" pitchFamily="34" charset="0"/>
-                          </a:rPr>
-                        </m:ctrlPr>
-                      </m:dPr>
-                      <m:e>
-                        <m:m>
-                          <m:mPr>
-                            <m:mcs>
-                              <m:mc>
-                                <m:mcPr>
-                                  <m:count m:val="1"/>
-                                  <m:mcJc m:val="center"/>
-                                </m:mcPr>
-                              </m:mc>
-                            </m:mcs>
-                            <m:ctrlPr>
-                              <a:rPr lang="fr-FR" sz="1800" i="1">
-                                <a:effectLst/>
-                                <a:latin typeface="Cambria Math" panose="02040503050406030204" pitchFamily="18" charset="0"/>
-                                <a:ea typeface="Times New Roman" panose="02020603050405020304" pitchFamily="18" charset="0"/>
-                                <a:cs typeface="Calibri" panose="020F0502020204030204" pitchFamily="34" charset="0"/>
-                              </a:rPr>
-                            </m:ctrlPr>
-                          </m:mPr>
-                          <m:mr>
-                            <m:e>
-                              <m:r>
-                                <a:rPr lang="fr-FR" sz="1800" i="1">
-                                  <a:effectLst/>
-                                  <a:latin typeface="Cambria Math" panose="02040503050406030204" pitchFamily="18" charset="0"/>
-                                  <a:ea typeface="Times New Roman" panose="02020603050405020304" pitchFamily="18" charset="0"/>
-                                  <a:cs typeface="Calibri" panose="020F0502020204030204" pitchFamily="34" charset="0"/>
-                                </a:rPr>
-                                <m:t>100</m:t>
-                              </m:r>
-                            </m:e>
-                          </m:mr>
-                          <m:mr>
-                            <m:e>
-                              <m:r>
-                                <a:rPr lang="fr-FR" sz="1800" i="1">
-                                  <a:effectLst/>
-                                  <a:latin typeface="Cambria Math" panose="02040503050406030204" pitchFamily="18" charset="0"/>
-                                  <a:ea typeface="Times New Roman" panose="02020603050405020304" pitchFamily="18" charset="0"/>
-                                  <a:cs typeface="Calibri" panose="020F0502020204030204" pitchFamily="34" charset="0"/>
-                                </a:rPr>
-                                <m:t>4</m:t>
-                              </m:r>
-                            </m:e>
-                          </m:mr>
-                        </m:m>
-                      </m:e>
-                    </m:d>
-                    <m:r>
-                      <a:rPr lang="fr-FR" sz="1800" i="1">
-                        <a:effectLst/>
-                        <a:latin typeface="Cambria Math" panose="02040503050406030204" pitchFamily="18" charset="0"/>
-                        <a:ea typeface="Times New Roman" panose="02020603050405020304" pitchFamily="18" charset="0"/>
-                        <a:cs typeface="Calibri" panose="020F0502020204030204" pitchFamily="34" charset="0"/>
-                      </a:rPr>
-                      <m:t>∗ </m:t>
-                    </m:r>
-                    <m:sSup>
-                      <m:sSupPr>
-                        <m:ctrlPr>
-                          <a:rPr lang="fr-FR" sz="1800" i="1">
-                            <a:effectLst/>
-                            <a:latin typeface="Cambria Math" panose="02040503050406030204" pitchFamily="18" charset="0"/>
-                            <a:ea typeface="Times New Roman" panose="02020603050405020304" pitchFamily="18" charset="0"/>
-                            <a:cs typeface="Calibri" panose="020F0502020204030204" pitchFamily="34" charset="0"/>
-                          </a:rPr>
-                        </m:ctrlPr>
-                      </m:sSupPr>
-                      <m:e>
-                        <m:r>
-                          <a:rPr lang="fr-FR" sz="1800" i="1">
-                            <a:effectLst/>
-                            <a:latin typeface="Cambria Math" panose="02040503050406030204" pitchFamily="18" charset="0"/>
-                            <a:ea typeface="Times New Roman" panose="02020603050405020304" pitchFamily="18" charset="0"/>
-                            <a:cs typeface="Calibri" panose="020F0502020204030204" pitchFamily="34" charset="0"/>
-                          </a:rPr>
-                          <m:t>10</m:t>
-                        </m:r>
-                      </m:e>
-                      <m:sup>
-                        <m:r>
-                          <a:rPr lang="fr-FR" sz="1800" i="1">
-                            <a:effectLst/>
-                            <a:latin typeface="Cambria Math" panose="02040503050406030204" pitchFamily="18" charset="0"/>
-                            <a:ea typeface="Times New Roman" panose="02020603050405020304" pitchFamily="18" charset="0"/>
-                            <a:cs typeface="Calibri" panose="020F0502020204030204" pitchFamily="34" charset="0"/>
-                          </a:rPr>
-                          <m:t>1</m:t>
-                        </m:r>
-                        <m:r>
-                          <a:rPr lang="fr-FR" sz="1800" b="0" i="1" smtClean="0">
-                            <a:effectLst/>
-                            <a:latin typeface="Cambria Math" panose="02040503050406030204" pitchFamily="18" charset="0"/>
-                            <a:ea typeface="Times New Roman" panose="02020603050405020304" pitchFamily="18" charset="0"/>
-                            <a:cs typeface="Calibri" panose="020F0502020204030204" pitchFamily="34" charset="0"/>
-                          </a:rPr>
-                          <m:t>920</m:t>
-                        </m:r>
-                      </m:sup>
-                    </m:sSup>
-                    <m:r>
-                      <a:rPr lang="fr-FR" sz="1800" i="1">
-                        <a:effectLst/>
-                        <a:latin typeface="Cambria Math" panose="02040503050406030204" pitchFamily="18" charset="0"/>
-                        <a:ea typeface="Times New Roman" panose="02020603050405020304" pitchFamily="18" charset="0"/>
-                        <a:cs typeface="Calibri" panose="020F0502020204030204" pitchFamily="34" charset="0"/>
-                      </a:rPr>
-                      <m:t> = 3.</m:t>
-                    </m:r>
-                    <m:sSup>
-                      <m:sSupPr>
-                        <m:ctrlPr>
-                          <a:rPr lang="fr-FR" sz="1800" i="1">
-                            <a:effectLst/>
-                            <a:latin typeface="Cambria Math" panose="02040503050406030204" pitchFamily="18" charset="0"/>
-                            <a:ea typeface="Times New Roman" panose="02020603050405020304" pitchFamily="18" charset="0"/>
-                            <a:cs typeface="Calibri" panose="020F0502020204030204" pitchFamily="34" charset="0"/>
-                          </a:rPr>
-                        </m:ctrlPr>
-                      </m:sSupPr>
-                      <m:e>
-                        <m:r>
-                          <a:rPr lang="fr-FR" sz="1800" i="1">
-                            <a:effectLst/>
-                            <a:latin typeface="Cambria Math" panose="02040503050406030204" pitchFamily="18" charset="0"/>
-                            <a:ea typeface="Times New Roman" panose="02020603050405020304" pitchFamily="18" charset="0"/>
-                            <a:cs typeface="Calibri" panose="020F0502020204030204" pitchFamily="34" charset="0"/>
-                          </a:rPr>
-                          <m:t>10</m:t>
-                        </m:r>
-                      </m:e>
-                      <m:sup>
-                        <m:r>
-                          <a:rPr lang="fr-FR" sz="1800" i="1">
-                            <a:effectLst/>
-                            <a:latin typeface="Cambria Math" panose="02040503050406030204" pitchFamily="18" charset="0"/>
-                            <a:ea typeface="Times New Roman" panose="02020603050405020304" pitchFamily="18" charset="0"/>
-                            <a:cs typeface="Calibri" panose="020F0502020204030204" pitchFamily="34" charset="0"/>
-                          </a:rPr>
-                          <m:t>1956</m:t>
-                        </m:r>
-                      </m:sup>
-                    </m:sSup>
-                  </m:oMath>
-                </a14:m>
-                <a:endParaRPr lang="fr-FR" sz="1800" i="1" dirty="0">
-                  <a:effectLst/>
-                  <a:latin typeface="Cambria Math" panose="02040503050406030204" pitchFamily="18" charset="0"/>
-                  <a:ea typeface="Times New Roman" panose="02020603050405020304" pitchFamily="18" charset="0"/>
-                  <a:cs typeface="Calibri" panose="020F0502020204030204" pitchFamily="34" charset="0"/>
-                </a:endParaRPr>
-              </a:p>
-              <a:p>
-                <a:endParaRPr lang="fr-FR" sz="1800" b="0" i="1" dirty="0">
-                  <a:effectLst/>
-                  <a:latin typeface="Cambria Math" panose="02040503050406030204" pitchFamily="18" charset="0"/>
-                  <a:ea typeface="Times New Roman" panose="02020603050405020304" pitchFamily="18" charset="0"/>
-                  <a:cs typeface="Calibri" panose="020F0502020204030204" pitchFamily="34" charset="0"/>
-                </a:endParaRPr>
-              </a:p>
-              <a:p>
-                <a:pPr/>
-                <a14:m>
-                  <m:oMathPara xmlns:m="http://schemas.openxmlformats.org/officeDocument/2006/math">
-                    <m:oMathParaPr>
-                      <m:jc m:val="centerGroup"/>
-                    </m:oMathParaPr>
-                    <m:oMath xmlns:m="http://schemas.openxmlformats.org/officeDocument/2006/math">
-                      <m:r>
-                        <a:rPr lang="fr-FR" sz="1800" b="0" i="1" smtClean="0">
-                          <a:effectLst/>
-                          <a:latin typeface="Cambria Math" panose="02040503050406030204" pitchFamily="18" charset="0"/>
-                          <a:ea typeface="Times New Roman" panose="02020603050405020304" pitchFamily="18" charset="0"/>
-                          <a:cs typeface="Calibri" panose="020F0502020204030204" pitchFamily="34" charset="0"/>
-                        </a:rPr>
-                        <m:t>&lt;=&gt;</m:t>
-                      </m:r>
-                      <m:r>
-                        <a:rPr lang="fr-FR" sz="1800" i="1" smtClean="0">
-                          <a:effectLst/>
-                          <a:latin typeface="Cambria Math" panose="02040503050406030204" pitchFamily="18" charset="0"/>
-                          <a:ea typeface="Times New Roman" panose="02020603050405020304" pitchFamily="18" charset="0"/>
-                          <a:cs typeface="Calibri" panose="020F0502020204030204" pitchFamily="34" charset="0"/>
-                        </a:rPr>
-                        <m:t>9.</m:t>
-                      </m:r>
-                      <m:sSup>
-                        <m:sSupPr>
-                          <m:ctrlPr>
-                            <a:rPr lang="fr-FR" i="1">
-                              <a:effectLst/>
-                              <a:latin typeface="Cambria Math" panose="02040503050406030204" pitchFamily="18" charset="0"/>
-                              <a:ea typeface="Times New Roman" panose="02020603050405020304" pitchFamily="18" charset="0"/>
-                              <a:cs typeface="Calibri" panose="020F0502020204030204" pitchFamily="34" charset="0"/>
-                            </a:rPr>
-                          </m:ctrlPr>
-                        </m:sSupPr>
-                        <m:e>
-                          <m:r>
-                            <a:rPr lang="fr-FR" sz="1800" i="1">
-                              <a:effectLst/>
-                              <a:latin typeface="Cambria Math" panose="02040503050406030204" pitchFamily="18" charset="0"/>
-                              <a:ea typeface="Times New Roman" panose="02020603050405020304" pitchFamily="18" charset="0"/>
-                              <a:cs typeface="Calibri" panose="020F0502020204030204" pitchFamily="34" charset="0"/>
-                            </a:rPr>
-                            <m:t>10</m:t>
-                          </m:r>
-                        </m:e>
-                        <m:sup>
-                          <m:r>
-                            <a:rPr lang="fr-FR" sz="1800" i="1">
-                              <a:effectLst/>
-                              <a:latin typeface="Cambria Math" panose="02040503050406030204" pitchFamily="18" charset="0"/>
-                              <a:ea typeface="Times New Roman" panose="02020603050405020304" pitchFamily="18" charset="0"/>
-                              <a:cs typeface="Calibri" panose="020F0502020204030204" pitchFamily="34" charset="0"/>
-                            </a:rPr>
-                            <m:t>1924</m:t>
-                          </m:r>
-                        </m:sup>
-                      </m:sSup>
-                      <m:r>
-                        <a:rPr lang="fr-FR" sz="1800" i="1">
-                          <a:effectLst/>
-                          <a:latin typeface="Cambria Math" panose="02040503050406030204" pitchFamily="18" charset="0"/>
-                          <a:ea typeface="Times New Roman" panose="02020603050405020304" pitchFamily="18" charset="0"/>
-                          <a:cs typeface="Calibri" panose="020F0502020204030204" pitchFamily="34" charset="0"/>
-                        </a:rPr>
-                        <m:t> </m:t>
-                      </m:r>
-                      <m:r>
-                        <a:rPr lang="fr-FR" sz="1800" i="1">
-                          <a:effectLst/>
-                          <a:latin typeface="Cambria Math" panose="02040503050406030204" pitchFamily="18" charset="0"/>
-                          <a:ea typeface="Times New Roman" panose="02020603050405020304" pitchFamily="18" charset="0"/>
-                          <a:cs typeface="Calibri" panose="020F0502020204030204" pitchFamily="34" charset="0"/>
-                        </a:rPr>
-                        <m:t>𝑚𝑖𝑙𝑙𝑖𝑎𝑟𝑑𝑠</m:t>
-                      </m:r>
-                      <m:r>
-                        <a:rPr lang="fr-FR" sz="1800" i="1">
-                          <a:effectLst/>
-                          <a:latin typeface="Cambria Math" panose="02040503050406030204" pitchFamily="18" charset="0"/>
-                          <a:ea typeface="Times New Roman" panose="02020603050405020304" pitchFamily="18" charset="0"/>
-                          <a:cs typeface="Calibri" panose="020F0502020204030204" pitchFamily="34" charset="0"/>
-                        </a:rPr>
-                        <m:t> </m:t>
-                      </m:r>
-                      <m:r>
-                        <a:rPr lang="fr-FR" sz="1800" i="1">
-                          <a:effectLst/>
-                          <a:latin typeface="Cambria Math" panose="02040503050406030204" pitchFamily="18" charset="0"/>
-                          <a:ea typeface="Times New Roman" panose="02020603050405020304" pitchFamily="18" charset="0"/>
-                          <a:cs typeface="Calibri" panose="020F0502020204030204" pitchFamily="34" charset="0"/>
-                        </a:rPr>
-                        <m:t>𝑑</m:t>
-                      </m:r>
-                      <m:r>
-                        <a:rPr lang="fr-FR" sz="1800" i="1">
-                          <a:effectLst/>
-                          <a:latin typeface="Cambria Math" panose="02040503050406030204" pitchFamily="18" charset="0"/>
-                          <a:ea typeface="Times New Roman" panose="02020603050405020304" pitchFamily="18" charset="0"/>
-                          <a:cs typeface="Calibri" panose="020F0502020204030204" pitchFamily="34" charset="0"/>
-                        </a:rPr>
-                        <m:t>′</m:t>
-                      </m:r>
-                      <m:r>
-                        <a:rPr lang="fr-FR" sz="1800" i="1">
-                          <a:effectLst/>
-                          <a:latin typeface="Cambria Math" panose="02040503050406030204" pitchFamily="18" charset="0"/>
-                          <a:ea typeface="Times New Roman" panose="02020603050405020304" pitchFamily="18" charset="0"/>
-                          <a:cs typeface="Calibri" panose="020F0502020204030204" pitchFamily="34" charset="0"/>
-                        </a:rPr>
-                        <m:t>𝑎𝑛𝑛</m:t>
-                      </m:r>
-                      <m:r>
-                        <a:rPr lang="fr-FR" sz="1800" i="1">
-                          <a:effectLst/>
-                          <a:latin typeface="Cambria Math" panose="02040503050406030204" pitchFamily="18" charset="0"/>
-                          <a:ea typeface="Times New Roman" panose="02020603050405020304" pitchFamily="18" charset="0"/>
-                          <a:cs typeface="Calibri" panose="020F0502020204030204" pitchFamily="34" charset="0"/>
-                        </a:rPr>
-                        <m:t>é</m:t>
-                      </m:r>
-                      <m:r>
-                        <a:rPr lang="fr-FR" sz="1800" i="1">
-                          <a:effectLst/>
-                          <a:latin typeface="Cambria Math" panose="02040503050406030204" pitchFamily="18" charset="0"/>
-                          <a:ea typeface="Times New Roman" panose="02020603050405020304" pitchFamily="18" charset="0"/>
-                          <a:cs typeface="Calibri" panose="020F0502020204030204" pitchFamily="34" charset="0"/>
-                        </a:rPr>
-                        <m:t>𝑒𝑠</m:t>
-                      </m:r>
-                    </m:oMath>
-                  </m:oMathPara>
-                </a14:m>
-                <a:endParaRPr lang="fr-FR" dirty="0"/>
-              </a:p>
-            </p:txBody>
-          </p:sp>
-        </mc:Choice>
-        <mc:Fallback xmlns="">
-          <p:sp>
-            <p:nvSpPr>
-              <p:cNvPr id="18" name="ZoneTexte 17">
-                <a:extLst>
-                  <a:ext uri="{FF2B5EF4-FFF2-40B4-BE49-F238E27FC236}">
-                    <a16:creationId xmlns:a16="http://schemas.microsoft.com/office/drawing/2014/main" id="{045A691B-6CE1-47F1-8ABE-C43292610631}"/>
-                  </a:ext>
-                </a:extLst>
-              </p:cNvPr>
-              <p:cNvSpPr txBox="1">
-                <a:spLocks noRot="1" noChangeAspect="1" noMove="1" noResize="1" noEditPoints="1" noAdjustHandles="1" noChangeArrowheads="1" noChangeShapeType="1" noTextEdit="1"/>
-              </p:cNvSpPr>
-              <p:nvPr/>
-            </p:nvSpPr>
-            <p:spPr>
-              <a:xfrm>
-                <a:off x="677330" y="2001965"/>
-                <a:ext cx="8076145" cy="1939249"/>
-              </a:xfrm>
-              <a:prstGeom prst="rect">
-                <a:avLst/>
-              </a:prstGeom>
-              <a:blipFill>
-                <a:blip r:embed="rId2"/>
-                <a:stretch>
-                  <a:fillRect l="-604" t="-1567"/>
-                </a:stretch>
-              </a:blipFill>
-            </p:spPr>
-            <p:txBody>
-              <a:bodyPr/>
-              <a:lstStyle/>
-              <a:p>
-                <a:r>
-                  <a:rPr lang="fr-FR">
-                    <a:noFill/>
-                  </a:rPr>
-                  <a:t> </a:t>
-                </a:r>
-              </a:p>
-            </p:txBody>
-          </p:sp>
-        </mc:Fallback>
-      </mc:AlternateContent>
-      <mc:AlternateContent xmlns:mc="http://schemas.openxmlformats.org/markup-compatibility/2006" xmlns:a14="http://schemas.microsoft.com/office/drawing/2010/main">
-        <mc:Choice Requires="a14">
-          <p:sp>
-            <p:nvSpPr>
-              <p:cNvPr id="19" name="ZoneTexte 18">
-                <a:extLst>
-                  <a:ext uri="{FF2B5EF4-FFF2-40B4-BE49-F238E27FC236}">
-                    <a16:creationId xmlns:a16="http://schemas.microsoft.com/office/drawing/2014/main" id="{6EEF86B9-F755-428B-A751-1A8D49E0E9FE}"/>
-                  </a:ext>
-                </a:extLst>
-              </p:cNvPr>
-              <p:cNvSpPr txBox="1"/>
-              <p:nvPr/>
-            </p:nvSpPr>
-            <p:spPr>
-              <a:xfrm>
-                <a:off x="839113" y="4464992"/>
-                <a:ext cx="7914362" cy="1660455"/>
-              </a:xfrm>
-              <a:prstGeom prst="rect">
-                <a:avLst/>
-              </a:prstGeom>
-              <a:noFill/>
-            </p:spPr>
-            <p:txBody>
-              <a:bodyPr wrap="square">
-                <a:spAutoFit/>
-              </a:bodyPr>
-              <a:lstStyle/>
-              <a:p>
-                <a:r>
-                  <a:rPr lang="fr-FR" i="1" u="sng" dirty="0">
-                    <a:latin typeface="Calibri" panose="020F0502020204030204" pitchFamily="34" charset="0"/>
-                    <a:ea typeface="Calibri" panose="020F0502020204030204" pitchFamily="34" charset="0"/>
-                    <a:cs typeface="Calibri" panose="020F0502020204030204" pitchFamily="34" charset="0"/>
-                  </a:rPr>
-                  <a:t>Méthode affine + Rotation RGB :</a:t>
-                </a:r>
-              </a:p>
-              <a:p>
-                <a:endParaRPr lang="fr-FR" sz="1800" dirty="0">
-                  <a:effectLst/>
-                  <a:latin typeface="Calibri" panose="020F0502020204030204" pitchFamily="34" charset="0"/>
-                  <a:ea typeface="Calibri" panose="020F0502020204030204" pitchFamily="34" charset="0"/>
-                  <a:cs typeface="Calibri" panose="020F0502020204030204" pitchFamily="34" charset="0"/>
-                </a:endParaRPr>
-              </a:p>
-              <a:p>
-                <a:r>
-                  <a:rPr lang="fr-FR" sz="1800" dirty="0">
-                    <a:effectLst/>
-                    <a:latin typeface="Calibri" panose="020F0502020204030204" pitchFamily="34" charset="0"/>
-                    <a:ea typeface="Calibri" panose="020F0502020204030204" pitchFamily="34" charset="0"/>
-                    <a:cs typeface="Calibri" panose="020F0502020204030204" pitchFamily="34" charset="0"/>
-                  </a:rPr>
-                  <a:t>Nombre d’opérations à effectuer = </a:t>
-                </a:r>
-                <a14:m>
-                  <m:oMath xmlns:m="http://schemas.openxmlformats.org/officeDocument/2006/math">
-                    <m:sSup>
-                      <m:sSupPr>
-                        <m:ctrlPr>
-                          <a:rPr lang="fr-FR" sz="1800" i="1">
-                            <a:effectLst/>
-                            <a:latin typeface="Cambria Math" panose="02040503050406030204" pitchFamily="18" charset="0"/>
-                            <a:ea typeface="Times New Roman" panose="02020603050405020304" pitchFamily="18" charset="0"/>
-                            <a:cs typeface="Calibri" panose="020F0502020204030204" pitchFamily="34" charset="0"/>
-                          </a:rPr>
-                        </m:ctrlPr>
-                      </m:sSupPr>
-                      <m:e>
-                        <m:r>
-                          <a:rPr lang="fr-FR" sz="1800" i="1">
-                            <a:effectLst/>
-                            <a:latin typeface="Cambria Math" panose="02040503050406030204" pitchFamily="18" charset="0"/>
-                            <a:ea typeface="Times New Roman" panose="02020603050405020304" pitchFamily="18" charset="0"/>
-                            <a:cs typeface="Calibri" panose="020F0502020204030204" pitchFamily="34" charset="0"/>
-                          </a:rPr>
-                          <m:t>10</m:t>
-                        </m:r>
-                      </m:e>
-                      <m:sup>
-                        <m:r>
-                          <a:rPr lang="fr-FR" sz="1800" i="1">
-                            <a:effectLst/>
-                            <a:latin typeface="Cambria Math" panose="02040503050406030204" pitchFamily="18" charset="0"/>
-                            <a:ea typeface="Times New Roman" panose="02020603050405020304" pitchFamily="18" charset="0"/>
-                            <a:cs typeface="Calibri" panose="020F0502020204030204" pitchFamily="34" charset="0"/>
-                          </a:rPr>
-                          <m:t>24</m:t>
-                        </m:r>
-                      </m:sup>
-                    </m:sSup>
-                    <m:r>
-                      <a:rPr lang="fr-FR" sz="1800" i="1">
-                        <a:effectLst/>
-                        <a:latin typeface="Cambria Math" panose="02040503050406030204" pitchFamily="18" charset="0"/>
-                        <a:ea typeface="Times New Roman" panose="02020603050405020304" pitchFamily="18" charset="0"/>
-                        <a:cs typeface="Calibri" panose="020F0502020204030204" pitchFamily="34" charset="0"/>
-                      </a:rPr>
-                      <m:t> ∗ </m:t>
-                    </m:r>
-                    <m:d>
-                      <m:dPr>
-                        <m:ctrlPr>
-                          <a:rPr lang="fr-FR" sz="1800" i="1">
-                            <a:effectLst/>
-                            <a:latin typeface="Cambria Math" panose="02040503050406030204" pitchFamily="18" charset="0"/>
-                            <a:ea typeface="Times New Roman" panose="02020603050405020304" pitchFamily="18" charset="0"/>
-                            <a:cs typeface="Calibri" panose="020F0502020204030204" pitchFamily="34" charset="0"/>
-                          </a:rPr>
-                        </m:ctrlPr>
-                      </m:dPr>
-                      <m:e>
-                        <m:m>
-                          <m:mPr>
-                            <m:mcs>
-                              <m:mc>
-                                <m:mcPr>
-                                  <m:count m:val="1"/>
-                                  <m:mcJc m:val="center"/>
-                                </m:mcPr>
-                              </m:mc>
-                            </m:mcs>
-                            <m:ctrlPr>
-                              <a:rPr lang="fr-FR" sz="1800" i="1">
-                                <a:effectLst/>
-                                <a:latin typeface="Cambria Math" panose="02040503050406030204" pitchFamily="18" charset="0"/>
-                                <a:ea typeface="Calibri" panose="020F0502020204030204" pitchFamily="34" charset="0"/>
-                                <a:cs typeface="Calibri" panose="020F0502020204030204" pitchFamily="34" charset="0"/>
-                              </a:rPr>
-                            </m:ctrlPr>
-                          </m:mPr>
-                          <m:mr>
-                            <m:e>
-                              <m:r>
-                                <a:rPr lang="fr-FR" sz="1800" i="1">
-                                  <a:effectLst/>
-                                  <a:latin typeface="Cambria Math" panose="02040503050406030204" pitchFamily="18" charset="0"/>
-                                  <a:ea typeface="Calibri" panose="020F0502020204030204" pitchFamily="34" charset="0"/>
-                                  <a:cs typeface="Calibri" panose="020F0502020204030204" pitchFamily="34" charset="0"/>
-                                </a:rPr>
-                                <m:t>24</m:t>
-                              </m:r>
-                            </m:e>
-                          </m:mr>
-                          <m:mr>
-                            <m:e>
-                              <m:r>
-                                <a:rPr lang="fr-FR" sz="1800" b="0" i="1" smtClean="0">
-                                  <a:solidFill>
-                                    <a:srgbClr val="FF0000"/>
-                                  </a:solidFill>
-                                  <a:effectLst/>
-                                  <a:latin typeface="Cambria Math" panose="02040503050406030204" pitchFamily="18" charset="0"/>
-                                  <a:ea typeface="Calibri" panose="020F0502020204030204" pitchFamily="34" charset="0"/>
-                                  <a:cs typeface="Calibri" panose="020F0502020204030204" pitchFamily="34" charset="0"/>
-                                </a:rPr>
-                                <m:t>12</m:t>
-                              </m:r>
-                            </m:e>
-                          </m:mr>
-                        </m:m>
-                      </m:e>
-                    </m:d>
-                    <m:r>
-                      <a:rPr lang="fr-FR" sz="1800" i="1">
-                        <a:effectLst/>
-                        <a:latin typeface="Cambria Math" panose="02040503050406030204" pitchFamily="18" charset="0"/>
-                        <a:ea typeface="Times New Roman" panose="02020603050405020304" pitchFamily="18" charset="0"/>
-                        <a:cs typeface="Calibri" panose="020F0502020204030204" pitchFamily="34" charset="0"/>
-                      </a:rPr>
-                      <m:t>∗ </m:t>
-                    </m:r>
-                    <m:d>
-                      <m:dPr>
-                        <m:ctrlPr>
-                          <a:rPr lang="fr-FR" sz="1800" i="1">
-                            <a:effectLst/>
-                            <a:latin typeface="Cambria Math" panose="02040503050406030204" pitchFamily="18" charset="0"/>
-                            <a:ea typeface="Times New Roman" panose="02020603050405020304" pitchFamily="18" charset="0"/>
-                            <a:cs typeface="Calibri" panose="020F0502020204030204" pitchFamily="34" charset="0"/>
-                          </a:rPr>
-                        </m:ctrlPr>
-                      </m:dPr>
-                      <m:e>
-                        <m:m>
-                          <m:mPr>
-                            <m:mcs>
-                              <m:mc>
-                                <m:mcPr>
-                                  <m:count m:val="1"/>
-                                  <m:mcJc m:val="center"/>
-                                </m:mcPr>
-                              </m:mc>
-                            </m:mcs>
-                            <m:ctrlPr>
-                              <a:rPr lang="fr-FR" sz="1800" i="1">
-                                <a:effectLst/>
-                                <a:latin typeface="Cambria Math" panose="02040503050406030204" pitchFamily="18" charset="0"/>
-                                <a:ea typeface="Times New Roman" panose="02020603050405020304" pitchFamily="18" charset="0"/>
-                                <a:cs typeface="Calibri" panose="020F0502020204030204" pitchFamily="34" charset="0"/>
-                              </a:rPr>
-                            </m:ctrlPr>
-                          </m:mPr>
-                          <m:mr>
-                            <m:e>
-                              <m:r>
-                                <a:rPr lang="fr-FR" sz="1800" i="1">
-                                  <a:effectLst/>
-                                  <a:latin typeface="Cambria Math" panose="02040503050406030204" pitchFamily="18" charset="0"/>
-                                  <a:ea typeface="Times New Roman" panose="02020603050405020304" pitchFamily="18" charset="0"/>
-                                  <a:cs typeface="Calibri" panose="020F0502020204030204" pitchFamily="34" charset="0"/>
-                                </a:rPr>
-                                <m:t>100</m:t>
-                              </m:r>
-                            </m:e>
-                          </m:mr>
-                          <m:mr>
-                            <m:e>
-                              <m:r>
-                                <a:rPr lang="fr-FR" sz="1800" i="1">
-                                  <a:effectLst/>
-                                  <a:latin typeface="Cambria Math" panose="02040503050406030204" pitchFamily="18" charset="0"/>
-                                  <a:ea typeface="Times New Roman" panose="02020603050405020304" pitchFamily="18" charset="0"/>
-                                  <a:cs typeface="Calibri" panose="020F0502020204030204" pitchFamily="34" charset="0"/>
-                                </a:rPr>
-                                <m:t>4</m:t>
-                              </m:r>
-                            </m:e>
-                          </m:mr>
-                        </m:m>
-                      </m:e>
-                    </m:d>
-                    <m:r>
-                      <a:rPr lang="fr-FR" sz="1800" i="1">
-                        <a:effectLst/>
-                        <a:latin typeface="Cambria Math" panose="02040503050406030204" pitchFamily="18" charset="0"/>
-                        <a:ea typeface="Times New Roman" panose="02020603050405020304" pitchFamily="18" charset="0"/>
-                        <a:cs typeface="Calibri" panose="020F0502020204030204" pitchFamily="34" charset="0"/>
-                      </a:rPr>
-                      <m:t>∗ </m:t>
-                    </m:r>
-                    <m:sSup>
-                      <m:sSupPr>
-                        <m:ctrlPr>
-                          <a:rPr lang="fr-FR" sz="1800" i="1">
-                            <a:effectLst/>
-                            <a:latin typeface="Cambria Math" panose="02040503050406030204" pitchFamily="18" charset="0"/>
-                            <a:ea typeface="Times New Roman" panose="02020603050405020304" pitchFamily="18" charset="0"/>
-                            <a:cs typeface="Calibri" panose="020F0502020204030204" pitchFamily="34" charset="0"/>
-                          </a:rPr>
-                        </m:ctrlPr>
-                      </m:sSupPr>
-                      <m:e>
-                        <m:r>
-                          <a:rPr lang="fr-FR" sz="1800" i="1">
-                            <a:effectLst/>
-                            <a:latin typeface="Cambria Math" panose="02040503050406030204" pitchFamily="18" charset="0"/>
-                            <a:ea typeface="Times New Roman" panose="02020603050405020304" pitchFamily="18" charset="0"/>
-                            <a:cs typeface="Calibri" panose="020F0502020204030204" pitchFamily="34" charset="0"/>
-                          </a:rPr>
-                          <m:t>10</m:t>
-                        </m:r>
-                      </m:e>
-                      <m:sup>
-                        <m:r>
-                          <a:rPr lang="fr-FR" sz="1800" i="1">
-                            <a:effectLst/>
-                            <a:latin typeface="Cambria Math" panose="02040503050406030204" pitchFamily="18" charset="0"/>
-                            <a:ea typeface="Times New Roman" panose="02020603050405020304" pitchFamily="18" charset="0"/>
-                            <a:cs typeface="Calibri" panose="020F0502020204030204" pitchFamily="34" charset="0"/>
-                          </a:rPr>
-                          <m:t>1</m:t>
-                        </m:r>
-                        <m:r>
-                          <a:rPr lang="fr-FR" sz="1800" b="0" i="1" smtClean="0">
-                            <a:effectLst/>
-                            <a:latin typeface="Cambria Math" panose="02040503050406030204" pitchFamily="18" charset="0"/>
-                            <a:ea typeface="Times New Roman" panose="02020603050405020304" pitchFamily="18" charset="0"/>
-                            <a:cs typeface="Calibri" panose="020F0502020204030204" pitchFamily="34" charset="0"/>
-                          </a:rPr>
-                          <m:t>920</m:t>
-                        </m:r>
-                      </m:sup>
-                    </m:sSup>
-                    <m:r>
-                      <a:rPr lang="fr-FR" sz="1800" i="1">
-                        <a:effectLst/>
-                        <a:latin typeface="Cambria Math" panose="02040503050406030204" pitchFamily="18" charset="0"/>
-                        <a:ea typeface="Times New Roman" panose="02020603050405020304" pitchFamily="18" charset="0"/>
-                        <a:cs typeface="Calibri" panose="020F0502020204030204" pitchFamily="34" charset="0"/>
-                      </a:rPr>
-                      <m:t> =</m:t>
-                    </m:r>
-                    <m:r>
-                      <a:rPr lang="fr-FR" sz="1800" b="0" i="1" smtClean="0">
-                        <a:solidFill>
-                          <a:srgbClr val="FF0000"/>
-                        </a:solidFill>
-                        <a:effectLst/>
-                        <a:latin typeface="Cambria Math" panose="02040503050406030204" pitchFamily="18" charset="0"/>
-                        <a:ea typeface="Times New Roman" panose="02020603050405020304" pitchFamily="18" charset="0"/>
-                        <a:cs typeface="Calibri" panose="020F0502020204030204" pitchFamily="34" charset="0"/>
-                      </a:rPr>
-                      <m:t>12</m:t>
-                    </m:r>
-                    <m:r>
-                      <a:rPr lang="fr-FR" sz="1800" i="1">
-                        <a:solidFill>
-                          <a:srgbClr val="FF0000"/>
-                        </a:solidFill>
-                        <a:effectLst/>
-                        <a:latin typeface="Cambria Math" panose="02040503050406030204" pitchFamily="18" charset="0"/>
-                        <a:ea typeface="Times New Roman" panose="02020603050405020304" pitchFamily="18" charset="0"/>
-                        <a:cs typeface="Calibri" panose="020F0502020204030204" pitchFamily="34" charset="0"/>
-                      </a:rPr>
-                      <m:t>.</m:t>
-                    </m:r>
-                    <m:sSup>
-                      <m:sSupPr>
-                        <m:ctrlPr>
-                          <a:rPr lang="fr-FR" sz="1800" i="1">
-                            <a:solidFill>
-                              <a:srgbClr val="FF0000"/>
-                            </a:solidFill>
-                            <a:effectLst/>
-                            <a:latin typeface="Cambria Math" panose="02040503050406030204" pitchFamily="18" charset="0"/>
-                            <a:ea typeface="Times New Roman" panose="02020603050405020304" pitchFamily="18" charset="0"/>
-                            <a:cs typeface="Calibri" panose="020F0502020204030204" pitchFamily="34" charset="0"/>
-                          </a:rPr>
-                        </m:ctrlPr>
-                      </m:sSupPr>
-                      <m:e>
-                        <m:r>
-                          <a:rPr lang="fr-FR" sz="1800" i="1">
-                            <a:solidFill>
-                              <a:srgbClr val="FF0000"/>
-                            </a:solidFill>
-                            <a:effectLst/>
-                            <a:latin typeface="Cambria Math" panose="02040503050406030204" pitchFamily="18" charset="0"/>
-                            <a:ea typeface="Times New Roman" panose="02020603050405020304" pitchFamily="18" charset="0"/>
-                            <a:cs typeface="Calibri" panose="020F0502020204030204" pitchFamily="34" charset="0"/>
-                          </a:rPr>
-                          <m:t>10</m:t>
-                        </m:r>
-                      </m:e>
-                      <m:sup>
-                        <m:r>
-                          <a:rPr lang="fr-FR" sz="1800" i="1">
-                            <a:solidFill>
-                              <a:srgbClr val="FF0000"/>
-                            </a:solidFill>
-                            <a:effectLst/>
-                            <a:latin typeface="Cambria Math" panose="02040503050406030204" pitchFamily="18" charset="0"/>
-                            <a:ea typeface="Times New Roman" panose="02020603050405020304" pitchFamily="18" charset="0"/>
-                            <a:cs typeface="Calibri" panose="020F0502020204030204" pitchFamily="34" charset="0"/>
-                          </a:rPr>
-                          <m:t>1</m:t>
-                        </m:r>
-                        <m:r>
-                          <a:rPr lang="fr-FR" sz="1800" b="0" i="1" smtClean="0">
-                            <a:solidFill>
-                              <a:srgbClr val="FF0000"/>
-                            </a:solidFill>
-                            <a:effectLst/>
-                            <a:latin typeface="Cambria Math" panose="02040503050406030204" pitchFamily="18" charset="0"/>
-                            <a:ea typeface="Times New Roman" panose="02020603050405020304" pitchFamily="18" charset="0"/>
-                            <a:cs typeface="Calibri" panose="020F0502020204030204" pitchFamily="34" charset="0"/>
-                          </a:rPr>
-                          <m:t>956</m:t>
-                        </m:r>
-                      </m:sup>
-                    </m:sSup>
-                  </m:oMath>
-                </a14:m>
-                <a:endParaRPr lang="fr-FR" sz="1800" i="1" dirty="0">
-                  <a:effectLst/>
-                  <a:latin typeface="Cambria Math" panose="02040503050406030204" pitchFamily="18" charset="0"/>
-                  <a:ea typeface="Times New Roman" panose="02020603050405020304" pitchFamily="18" charset="0"/>
-                  <a:cs typeface="Calibri" panose="020F0502020204030204" pitchFamily="34" charset="0"/>
-                </a:endParaRPr>
-              </a:p>
-              <a:p>
-                <a:endParaRPr lang="fr-FR" sz="1800" b="0" i="1" dirty="0">
-                  <a:effectLst/>
-                  <a:latin typeface="Cambria Math" panose="02040503050406030204" pitchFamily="18" charset="0"/>
-                  <a:ea typeface="Times New Roman" panose="02020603050405020304" pitchFamily="18" charset="0"/>
-                  <a:cs typeface="Calibri" panose="020F0502020204030204" pitchFamily="34" charset="0"/>
-                </a:endParaRPr>
-              </a:p>
-              <a:p>
-                <a:pPr/>
-                <a14:m>
-                  <m:oMathPara xmlns:m="http://schemas.openxmlformats.org/officeDocument/2006/math">
-                    <m:oMathParaPr>
-                      <m:jc m:val="centerGroup"/>
-                    </m:oMathParaPr>
-                    <m:oMath xmlns:m="http://schemas.openxmlformats.org/officeDocument/2006/math">
-                      <m:r>
-                        <a:rPr lang="fr-FR" sz="1800" b="0" i="1" smtClean="0">
-                          <a:effectLst/>
-                          <a:latin typeface="Cambria Math" panose="02040503050406030204" pitchFamily="18" charset="0"/>
-                          <a:ea typeface="Times New Roman" panose="02020603050405020304" pitchFamily="18" charset="0"/>
-                          <a:cs typeface="Calibri" panose="020F0502020204030204" pitchFamily="34" charset="0"/>
-                        </a:rPr>
-                        <m:t>&lt;=&gt;  </m:t>
-                      </m:r>
-                      <m:r>
-                        <a:rPr lang="fr-FR" sz="1800" b="0" i="1" smtClean="0">
-                          <a:solidFill>
-                            <a:srgbClr val="FF0000"/>
-                          </a:solidFill>
-                          <a:effectLst/>
-                          <a:latin typeface="Cambria Math" panose="02040503050406030204" pitchFamily="18" charset="0"/>
-                          <a:ea typeface="Times New Roman" panose="02020603050405020304" pitchFamily="18" charset="0"/>
-                          <a:cs typeface="Calibri" panose="020F0502020204030204" pitchFamily="34" charset="0"/>
-                        </a:rPr>
-                        <m:t>36</m:t>
-                      </m:r>
-                      <m:r>
-                        <a:rPr lang="fr-FR" sz="1800" i="1" smtClean="0">
-                          <a:solidFill>
-                            <a:srgbClr val="FF0000"/>
-                          </a:solidFill>
-                          <a:effectLst/>
-                          <a:latin typeface="Cambria Math" panose="02040503050406030204" pitchFamily="18" charset="0"/>
-                          <a:ea typeface="Times New Roman" panose="02020603050405020304" pitchFamily="18" charset="0"/>
-                          <a:cs typeface="Calibri" panose="020F0502020204030204" pitchFamily="34" charset="0"/>
-                        </a:rPr>
-                        <m:t>.</m:t>
-                      </m:r>
-                      <m:sSup>
-                        <m:sSupPr>
-                          <m:ctrlPr>
-                            <a:rPr lang="fr-FR" i="1">
-                              <a:solidFill>
-                                <a:srgbClr val="FF0000"/>
-                              </a:solidFill>
-                              <a:effectLst/>
-                              <a:latin typeface="Cambria Math" panose="02040503050406030204" pitchFamily="18" charset="0"/>
-                              <a:ea typeface="Times New Roman" panose="02020603050405020304" pitchFamily="18" charset="0"/>
-                              <a:cs typeface="Calibri" panose="020F0502020204030204" pitchFamily="34" charset="0"/>
-                            </a:rPr>
-                          </m:ctrlPr>
-                        </m:sSupPr>
-                        <m:e>
-                          <m:r>
-                            <a:rPr lang="fr-FR" sz="1800" i="1">
-                              <a:solidFill>
-                                <a:srgbClr val="FF0000"/>
-                              </a:solidFill>
-                              <a:effectLst/>
-                              <a:latin typeface="Cambria Math" panose="02040503050406030204" pitchFamily="18" charset="0"/>
-                              <a:ea typeface="Times New Roman" panose="02020603050405020304" pitchFamily="18" charset="0"/>
-                              <a:cs typeface="Calibri" panose="020F0502020204030204" pitchFamily="34" charset="0"/>
-                            </a:rPr>
-                            <m:t>10</m:t>
-                          </m:r>
-                        </m:e>
-                        <m:sup>
-                          <m:r>
-                            <a:rPr lang="fr-FR" sz="1800" i="1">
-                              <a:solidFill>
-                                <a:srgbClr val="FF0000"/>
-                              </a:solidFill>
-                              <a:effectLst/>
-                              <a:latin typeface="Cambria Math" panose="02040503050406030204" pitchFamily="18" charset="0"/>
-                              <a:ea typeface="Times New Roman" panose="02020603050405020304" pitchFamily="18" charset="0"/>
-                              <a:cs typeface="Calibri" panose="020F0502020204030204" pitchFamily="34" charset="0"/>
-                            </a:rPr>
-                            <m:t>1</m:t>
-                          </m:r>
-                          <m:r>
-                            <a:rPr lang="fr-FR" sz="1800" b="0" i="1" smtClean="0">
-                              <a:solidFill>
-                                <a:srgbClr val="FF0000"/>
-                              </a:solidFill>
-                              <a:effectLst/>
-                              <a:latin typeface="Cambria Math" panose="02040503050406030204" pitchFamily="18" charset="0"/>
-                              <a:ea typeface="Times New Roman" panose="02020603050405020304" pitchFamily="18" charset="0"/>
-                              <a:cs typeface="Calibri" panose="020F0502020204030204" pitchFamily="34" charset="0"/>
-                            </a:rPr>
-                            <m:t>924</m:t>
-                          </m:r>
-                        </m:sup>
-                      </m:sSup>
-                      <m:r>
-                        <a:rPr lang="fr-FR" sz="1800" i="1">
-                          <a:solidFill>
-                            <a:srgbClr val="FF0000"/>
-                          </a:solidFill>
-                          <a:effectLst/>
-                          <a:latin typeface="Cambria Math" panose="02040503050406030204" pitchFamily="18" charset="0"/>
-                          <a:ea typeface="Times New Roman" panose="02020603050405020304" pitchFamily="18" charset="0"/>
-                          <a:cs typeface="Calibri" panose="020F0502020204030204" pitchFamily="34" charset="0"/>
-                        </a:rPr>
-                        <m:t> </m:t>
-                      </m:r>
-                      <m:r>
-                        <a:rPr lang="fr-FR" sz="1800" i="1">
-                          <a:solidFill>
-                            <a:srgbClr val="FF0000"/>
-                          </a:solidFill>
-                          <a:effectLst/>
-                          <a:latin typeface="Cambria Math" panose="02040503050406030204" pitchFamily="18" charset="0"/>
-                          <a:ea typeface="Times New Roman" panose="02020603050405020304" pitchFamily="18" charset="0"/>
-                          <a:cs typeface="Calibri" panose="020F0502020204030204" pitchFamily="34" charset="0"/>
-                        </a:rPr>
-                        <m:t>𝑚𝑖𝑙𝑙𝑖𝑎𝑟𝑑𝑠</m:t>
-                      </m:r>
-                      <m:r>
-                        <a:rPr lang="fr-FR" sz="1800" i="1">
-                          <a:solidFill>
-                            <a:srgbClr val="FF0000"/>
-                          </a:solidFill>
-                          <a:effectLst/>
-                          <a:latin typeface="Cambria Math" panose="02040503050406030204" pitchFamily="18" charset="0"/>
-                          <a:ea typeface="Times New Roman" panose="02020603050405020304" pitchFamily="18" charset="0"/>
-                          <a:cs typeface="Calibri" panose="020F0502020204030204" pitchFamily="34" charset="0"/>
-                        </a:rPr>
-                        <m:t> </m:t>
-                      </m:r>
-                      <m:r>
-                        <a:rPr lang="fr-FR" sz="1800" i="1">
-                          <a:solidFill>
-                            <a:srgbClr val="FF0000"/>
-                          </a:solidFill>
-                          <a:effectLst/>
-                          <a:latin typeface="Cambria Math" panose="02040503050406030204" pitchFamily="18" charset="0"/>
-                          <a:ea typeface="Times New Roman" panose="02020603050405020304" pitchFamily="18" charset="0"/>
-                          <a:cs typeface="Calibri" panose="020F0502020204030204" pitchFamily="34" charset="0"/>
-                        </a:rPr>
-                        <m:t>𝑑</m:t>
-                      </m:r>
-                      <m:r>
-                        <a:rPr lang="fr-FR" sz="1800" i="1">
-                          <a:solidFill>
-                            <a:srgbClr val="FF0000"/>
-                          </a:solidFill>
-                          <a:effectLst/>
-                          <a:latin typeface="Cambria Math" panose="02040503050406030204" pitchFamily="18" charset="0"/>
-                          <a:ea typeface="Times New Roman" panose="02020603050405020304" pitchFamily="18" charset="0"/>
-                          <a:cs typeface="Calibri" panose="020F0502020204030204" pitchFamily="34" charset="0"/>
-                        </a:rPr>
-                        <m:t>′</m:t>
-                      </m:r>
-                      <m:r>
-                        <a:rPr lang="fr-FR" sz="1800" i="1">
-                          <a:solidFill>
-                            <a:srgbClr val="FF0000"/>
-                          </a:solidFill>
-                          <a:effectLst/>
-                          <a:latin typeface="Cambria Math" panose="02040503050406030204" pitchFamily="18" charset="0"/>
-                          <a:ea typeface="Times New Roman" panose="02020603050405020304" pitchFamily="18" charset="0"/>
-                          <a:cs typeface="Calibri" panose="020F0502020204030204" pitchFamily="34" charset="0"/>
-                        </a:rPr>
-                        <m:t>𝑎𝑛𝑛</m:t>
-                      </m:r>
-                      <m:r>
-                        <a:rPr lang="fr-FR" sz="1800" i="1">
-                          <a:solidFill>
-                            <a:srgbClr val="FF0000"/>
-                          </a:solidFill>
-                          <a:effectLst/>
-                          <a:latin typeface="Cambria Math" panose="02040503050406030204" pitchFamily="18" charset="0"/>
-                          <a:ea typeface="Times New Roman" panose="02020603050405020304" pitchFamily="18" charset="0"/>
-                          <a:cs typeface="Calibri" panose="020F0502020204030204" pitchFamily="34" charset="0"/>
-                        </a:rPr>
-                        <m:t>é</m:t>
-                      </m:r>
-                      <m:r>
-                        <a:rPr lang="fr-FR" sz="1800" i="1">
-                          <a:solidFill>
-                            <a:srgbClr val="FF0000"/>
-                          </a:solidFill>
-                          <a:effectLst/>
-                          <a:latin typeface="Cambria Math" panose="02040503050406030204" pitchFamily="18" charset="0"/>
-                          <a:ea typeface="Times New Roman" panose="02020603050405020304" pitchFamily="18" charset="0"/>
-                          <a:cs typeface="Calibri" panose="020F0502020204030204" pitchFamily="34" charset="0"/>
-                        </a:rPr>
-                        <m:t>𝑒𝑠</m:t>
-                      </m:r>
-                    </m:oMath>
-                  </m:oMathPara>
-                </a14:m>
-                <a:endParaRPr lang="fr-FR" dirty="0">
-                  <a:solidFill>
-                    <a:srgbClr val="FF0000"/>
-                  </a:solidFill>
-                </a:endParaRPr>
-              </a:p>
-            </p:txBody>
-          </p:sp>
-        </mc:Choice>
-        <mc:Fallback xmlns="">
-          <p:sp>
-            <p:nvSpPr>
-              <p:cNvPr id="19" name="ZoneTexte 18">
-                <a:extLst>
-                  <a:ext uri="{FF2B5EF4-FFF2-40B4-BE49-F238E27FC236}">
-                    <a16:creationId xmlns:a16="http://schemas.microsoft.com/office/drawing/2014/main" id="{6EEF86B9-F755-428B-A751-1A8D49E0E9FE}"/>
-                  </a:ext>
-                </a:extLst>
-              </p:cNvPr>
-              <p:cNvSpPr txBox="1">
-                <a:spLocks noRot="1" noChangeAspect="1" noMove="1" noResize="1" noEditPoints="1" noAdjustHandles="1" noChangeArrowheads="1" noChangeShapeType="1" noTextEdit="1"/>
-              </p:cNvSpPr>
-              <p:nvPr/>
-            </p:nvSpPr>
-            <p:spPr>
-              <a:xfrm>
-                <a:off x="839113" y="4464992"/>
-                <a:ext cx="7914362" cy="1660455"/>
-              </a:xfrm>
-              <a:prstGeom prst="rect">
-                <a:avLst/>
-              </a:prstGeom>
-              <a:blipFill>
-                <a:blip r:embed="rId3"/>
-                <a:stretch>
-                  <a:fillRect l="-693" t="-1832"/>
-                </a:stretch>
-              </a:blipFill>
-            </p:spPr>
-            <p:txBody>
-              <a:bodyPr/>
-              <a:lstStyle/>
-              <a:p>
-                <a:r>
-                  <a:rPr lang="fr-FR">
-                    <a:noFill/>
-                  </a:rPr>
-                  <a:t> </a:t>
-                </a:r>
-              </a:p>
-            </p:txBody>
-          </p:sp>
-        </mc:Fallback>
-      </mc:AlternateContent>
-      <p:cxnSp>
-        <p:nvCxnSpPr>
-          <p:cNvPr id="6" name="Connecteur : en angle 5">
-            <a:extLst>
-              <a:ext uri="{FF2B5EF4-FFF2-40B4-BE49-F238E27FC236}">
-                <a16:creationId xmlns:a16="http://schemas.microsoft.com/office/drawing/2014/main" id="{39FE154B-A7E1-4529-8BE8-504609060087}"/>
-              </a:ext>
-            </a:extLst>
-          </p:cNvPr>
-          <p:cNvCxnSpPr>
-            <a:cxnSpLocks/>
-            <a:stCxn id="18" idx="3"/>
-            <a:endCxn id="19" idx="3"/>
-          </p:cNvCxnSpPr>
-          <p:nvPr/>
-        </p:nvCxnSpPr>
-        <p:spPr>
-          <a:xfrm>
-            <a:off x="8753475" y="2971590"/>
-            <a:ext cx="12700" cy="2323630"/>
-          </a:xfrm>
-          <a:prstGeom prst="bentConnector3">
-            <a:avLst>
-              <a:gd name="adj1" fmla="val 1800000"/>
-            </a:avLst>
-          </a:prstGeom>
-          <a:ln>
-            <a:headEnd type="triangle"/>
-            <a:tailEnd type="triangle"/>
-          </a:ln>
-        </p:spPr>
-        <p:style>
-          <a:lnRef idx="1">
-            <a:schemeClr val="accent6"/>
-          </a:lnRef>
-          <a:fillRef idx="0">
-            <a:schemeClr val="accent6"/>
-          </a:fillRef>
-          <a:effectRef idx="0">
-            <a:schemeClr val="accent6"/>
-          </a:effectRef>
-          <a:fontRef idx="minor">
-            <a:schemeClr val="tx1"/>
-          </a:fontRef>
-        </p:style>
-      </p:cxnSp>
-      <p:sp>
-        <p:nvSpPr>
-          <p:cNvPr id="9" name="ZoneTexte 8">
-            <a:extLst>
-              <a:ext uri="{FF2B5EF4-FFF2-40B4-BE49-F238E27FC236}">
-                <a16:creationId xmlns:a16="http://schemas.microsoft.com/office/drawing/2014/main" id="{91BFAAED-8037-4833-871D-3F1389A6E991}"/>
-              </a:ext>
-            </a:extLst>
-          </p:cNvPr>
-          <p:cNvSpPr txBox="1"/>
-          <p:nvPr/>
-        </p:nvSpPr>
-        <p:spPr>
-          <a:xfrm>
-            <a:off x="9029700" y="3948739"/>
-            <a:ext cx="3015569" cy="369332"/>
-          </a:xfrm>
-          <a:prstGeom prst="rect">
-            <a:avLst/>
-          </a:prstGeom>
-          <a:noFill/>
-        </p:spPr>
-        <p:txBody>
-          <a:bodyPr wrap="none" rtlCol="0">
-            <a:spAutoFit/>
-          </a:bodyPr>
-          <a:lstStyle/>
-          <a:p>
-            <a:r>
-              <a:rPr lang="fr-FR" b="1" u="sng" dirty="0"/>
-              <a:t>Equivalent à cette échelle</a:t>
-            </a:r>
-          </a:p>
-        </p:txBody>
-      </p:sp>
-      <p:sp>
-        <p:nvSpPr>
-          <p:cNvPr id="11" name="Rectangle : coins arrondis 10">
-            <a:extLst>
-              <a:ext uri="{FF2B5EF4-FFF2-40B4-BE49-F238E27FC236}">
-                <a16:creationId xmlns:a16="http://schemas.microsoft.com/office/drawing/2014/main" id="{A438B2E9-3AB2-4DC9-8897-0C570CDE8744}"/>
-              </a:ext>
-            </a:extLst>
-          </p:cNvPr>
-          <p:cNvSpPr/>
-          <p:nvPr/>
-        </p:nvSpPr>
-        <p:spPr>
-          <a:xfrm>
-            <a:off x="3606800" y="5724525"/>
-            <a:ext cx="3070225" cy="400922"/>
-          </a:xfrm>
-          <a:prstGeom prst="roundRect">
-            <a:avLst/>
-          </a:prstGeom>
-          <a:noFill/>
-        </p:spPr>
-        <p:style>
-          <a:lnRef idx="2">
-            <a:schemeClr val="accent1">
-              <a:shade val="50000"/>
-            </a:schemeClr>
-          </a:lnRef>
-          <a:fillRef idx="1">
-            <a:schemeClr val="accent1"/>
-          </a:fillRef>
-          <a:effectRef idx="0">
-            <a:schemeClr val="accent1"/>
-          </a:effectRef>
-          <a:fontRef idx="minor">
-            <a:schemeClr val="lt1"/>
-          </a:fontRef>
-        </p:style>
-        <p:txBody>
-          <a:bodyPr rtlCol="0" anchor="ctr"/>
-          <a:lstStyle/>
-          <a:p>
-            <a:pPr algn="ctr"/>
-            <a:endParaRPr lang="fr-FR"/>
-          </a:p>
-        </p:txBody>
-      </p:sp>
-    </p:spTree>
-    <p:extLst>
-      <p:ext uri="{BB962C8B-B14F-4D97-AF65-F5344CB8AC3E}">
-        <p14:creationId xmlns:p14="http://schemas.microsoft.com/office/powerpoint/2010/main" val="458234372"/>
-      </p:ext>
-    </p:extLst>
-  </p:cSld>
-  <p:clrMapOvr>
-    <a:masterClrMapping/>
-  </p:clrMapOvr>
-</p:sld>
-</file>
-
-<file path=ppt/slides/slide23.xml><?xml version="1.0" encoding="utf-8"?>
-<p:sld xmlns:a="http://schemas.openxmlformats.org/drawingml/2006/main" xmlns:r="http://schemas.openxmlformats.org/officeDocument/2006/relationships" xmlns:p="http://schemas.openxmlformats.org/presentationml/2006/main">
-  <p:cSld>
-    <p:spTree>
-      <p:nvGrpSpPr>
-        <p:cNvPr id="1" name=""/>
-        <p:cNvGrpSpPr/>
-        <p:nvPr/>
-      </p:nvGrpSpPr>
-      <p:grpSpPr>
-        <a:xfrm>
-          <a:off x="0" y="0"/>
-          <a:ext cx="0" cy="0"/>
-          <a:chOff x="0" y="0"/>
-          <a:chExt cx="0" cy="0"/>
-        </a:xfrm>
-      </p:grpSpPr>
-      <p:sp>
-        <p:nvSpPr>
-          <p:cNvPr id="2" name="Titre 1">
-            <a:extLst>
-              <a:ext uri="{FF2B5EF4-FFF2-40B4-BE49-F238E27FC236}">
-                <a16:creationId xmlns:a16="http://schemas.microsoft.com/office/drawing/2014/main" id="{423EE660-1ADE-4ABE-B4BA-4A2412B6523F}"/>
-              </a:ext>
-            </a:extLst>
-          </p:cNvPr>
-          <p:cNvSpPr>
-            <a:spLocks noGrp="1"/>
-          </p:cNvSpPr>
-          <p:nvPr>
-            <p:ph type="title"/>
-          </p:nvPr>
-        </p:nvSpPr>
-        <p:spPr/>
-        <p:txBody>
-          <a:bodyPr>
-            <a:normAutofit/>
-          </a:bodyPr>
-          <a:lstStyle/>
-          <a:p>
-            <a:r>
-              <a:rPr lang="fr-FR" u="sng" dirty="0"/>
-              <a:t>Solutions contre le craquage intelligent :</a:t>
-            </a:r>
-          </a:p>
-        </p:txBody>
-      </p:sp>
-      <p:sp>
-        <p:nvSpPr>
-          <p:cNvPr id="5" name="ZoneTexte 4">
-            <a:extLst>
-              <a:ext uri="{FF2B5EF4-FFF2-40B4-BE49-F238E27FC236}">
-                <a16:creationId xmlns:a16="http://schemas.microsoft.com/office/drawing/2014/main" id="{1A9BF3E6-EC00-4002-8974-66EE867A1F74}"/>
-              </a:ext>
-            </a:extLst>
-          </p:cNvPr>
-          <p:cNvSpPr txBox="1"/>
-          <p:nvPr/>
-        </p:nvSpPr>
-        <p:spPr>
-          <a:xfrm>
-            <a:off x="677331" y="1632633"/>
-            <a:ext cx="6423685" cy="369332"/>
-          </a:xfrm>
-          <a:prstGeom prst="rect">
-            <a:avLst/>
-          </a:prstGeom>
-          <a:ln>
-            <a:solidFill>
-              <a:schemeClr val="bg1"/>
-            </a:solidFill>
-          </a:ln>
-        </p:spPr>
-        <p:style>
-          <a:lnRef idx="2">
-            <a:schemeClr val="accent1"/>
-          </a:lnRef>
-          <a:fillRef idx="1">
-            <a:schemeClr val="lt1"/>
-          </a:fillRef>
-          <a:effectRef idx="0">
-            <a:schemeClr val="accent1"/>
-          </a:effectRef>
-          <a:fontRef idx="minor">
-            <a:schemeClr val="dk1"/>
-          </a:fontRef>
-        </p:style>
-        <p:txBody>
-          <a:bodyPr wrap="square" rtlCol="0">
-            <a:spAutoFit/>
-          </a:bodyPr>
-          <a:lstStyle/>
-          <a:p>
-            <a:pPr marL="285750" indent="-285750">
-              <a:buFontTx/>
-              <a:buChar char="-"/>
-            </a:pPr>
-            <a:r>
-              <a:rPr lang="fr-FR" u="sng" dirty="0"/>
               <a:t>Méthode Rotation RGB :</a:t>
             </a:r>
           </a:p>
@@ -20652,7 +18451,7 @@
 </p:sld>
 </file>
 
-<file path=ppt/slides/slide24.xml><?xml version="1.0" encoding="utf-8"?>
+<file path=ppt/slides/slide21.xml><?xml version="1.0" encoding="utf-8"?>
 <p:sld xmlns:a="http://schemas.openxmlformats.org/drawingml/2006/main" xmlns:r="http://schemas.openxmlformats.org/officeDocument/2006/relationships" xmlns:p="http://schemas.openxmlformats.org/presentationml/2006/main">
   <p:cSld>
     <p:spTree>
@@ -21012,6 +18811,36 @@
     <p:extLst>
       <p:ext uri="{BB962C8B-B14F-4D97-AF65-F5344CB8AC3E}">
         <p14:creationId xmlns:p14="http://schemas.microsoft.com/office/powerpoint/2010/main" val="1993876793"/>
+      </p:ext>
+    </p:extLst>
+  </p:cSld>
+  <p:clrMapOvr>
+    <a:masterClrMapping/>
+  </p:clrMapOvr>
+</p:sld>
+</file>
+
+<file path=ppt/slides/slide22.xml><?xml version="1.0" encoding="utf-8"?>
+<p:sld xmlns:a="http://schemas.openxmlformats.org/drawingml/2006/main" xmlns:r="http://schemas.openxmlformats.org/officeDocument/2006/relationships" xmlns:p="http://schemas.openxmlformats.org/presentationml/2006/main">
+  <p:cSld>
+    <p:spTree>
+      <p:nvGrpSpPr>
+        <p:cNvPr id="1" name=""/>
+        <p:cNvGrpSpPr/>
+        <p:nvPr/>
+      </p:nvGrpSpPr>
+      <p:grpSpPr>
+        <a:xfrm>
+          <a:off x="0" y="0"/>
+          <a:ext cx="0" cy="0"/>
+          <a:chOff x="0" y="0"/>
+          <a:chExt cx="0" cy="0"/>
+        </a:xfrm>
+      </p:grpSpPr>
+    </p:spTree>
+    <p:extLst>
+      <p:ext uri="{BB962C8B-B14F-4D97-AF65-F5344CB8AC3E}">
+        <p14:creationId xmlns:p14="http://schemas.microsoft.com/office/powerpoint/2010/main" val="662275370"/>
       </p:ext>
     </p:extLst>
   </p:cSld>
@@ -22717,7 +20546,7 @@
         </p:nvSpPr>
         <p:spPr>
           <a:xfrm>
-            <a:off x="677332" y="2183846"/>
+            <a:off x="677333" y="2287063"/>
             <a:ext cx="9479922" cy="4524315"/>
           </a:xfrm>
           <a:prstGeom prst="rect">
@@ -22755,7 +20584,7 @@
             <a:r>
               <a:rPr lang="fr-FR" dirty="0">
                 <a:solidFill>
-                  <a:schemeClr val="accent3"/>
+                  <a:srgbClr val="FFC000"/>
                 </a:solidFill>
               </a:rPr>
               <a:t>9</a:t>
@@ -22767,7 +20596,7 @@
             <a:r>
               <a:rPr lang="fr-FR" dirty="0">
                 <a:solidFill>
-                  <a:schemeClr val="accent3"/>
+                  <a:srgbClr val="92D050"/>
                 </a:solidFill>
               </a:rPr>
               <a:t>4</a:t>
@@ -22779,7 +20608,7 @@
             <a:r>
               <a:rPr lang="fr-FR" dirty="0">
                 <a:solidFill>
-                  <a:schemeClr val="accent3"/>
+                  <a:srgbClr val="7030A0"/>
                 </a:solidFill>
               </a:rPr>
               <a:t>6</a:t>
@@ -22791,7 +20620,7 @@
             <a:r>
               <a:rPr lang="fr-FR" dirty="0">
                 <a:solidFill>
-                  <a:schemeClr val="accent3"/>
+                  <a:srgbClr val="C00000"/>
                 </a:solidFill>
               </a:rPr>
               <a:t>7</a:t>
@@ -22803,7 +20632,7 @@
             <a:r>
               <a:rPr lang="fr-FR" dirty="0">
                 <a:solidFill>
-                  <a:schemeClr val="accent3"/>
+                  <a:srgbClr val="00B050"/>
                 </a:solidFill>
               </a:rPr>
               <a:t>5</a:t>
@@ -22815,7 +20644,7 @@
             <a:r>
               <a:rPr lang="fr-FR" dirty="0">
                 <a:solidFill>
-                  <a:schemeClr val="accent3"/>
+                  <a:srgbClr val="002060"/>
                 </a:solidFill>
               </a:rPr>
               <a:t>3</a:t>
@@ -22827,7 +20656,7 @@
             <a:r>
               <a:rPr lang="fr-FR" dirty="0">
                 <a:solidFill>
-                  <a:schemeClr val="accent3"/>
+                  <a:srgbClr val="FF0000"/>
                 </a:solidFill>
               </a:rPr>
               <a:t>6</a:t>
@@ -22839,7 +20668,7 @@
             <a:r>
               <a:rPr lang="fr-FR" dirty="0">
                 <a:solidFill>
-                  <a:schemeClr val="accent3"/>
+                  <a:srgbClr val="00B0F0"/>
                 </a:solidFill>
               </a:rPr>
               <a:t>4</a:t>
@@ -22870,7 +20699,15 @@
                   <a:srgbClr val="FF0000"/>
                 </a:solidFill>
               </a:rPr>
-              <a:t> 03</a:t>
+              <a:t> </a:t>
+            </a:r>
+            <a:r>
+              <a:rPr lang="fr-FR" dirty="0">
+                <a:solidFill>
+                  <a:srgbClr val="FFC000"/>
+                </a:solidFill>
+              </a:rPr>
+              <a:t>03</a:t>
             </a:r>
             <a:r>
               <a:rPr lang="fr-FR" dirty="0">
@@ -22886,7 +20723,15 @@
                   <a:srgbClr val="FF0000"/>
                 </a:solidFill>
               </a:rPr>
-              <a:t> 20</a:t>
+              <a:t> </a:t>
+            </a:r>
+            <a:r>
+              <a:rPr lang="fr-FR" dirty="0">
+                <a:solidFill>
+                  <a:srgbClr val="92D050"/>
+                </a:solidFill>
+              </a:rPr>
+              <a:t>20</a:t>
             </a:r>
             <a:r>
               <a:rPr lang="fr-FR" dirty="0">
@@ -22902,7 +20747,15 @@
                   <a:srgbClr val="FF0000"/>
                 </a:solidFill>
               </a:rPr>
-              <a:t> 21</a:t>
+              <a:t> </a:t>
+            </a:r>
+            <a:r>
+              <a:rPr lang="fr-FR" dirty="0">
+                <a:solidFill>
+                  <a:srgbClr val="7030A0"/>
+                </a:solidFill>
+              </a:rPr>
+              <a:t>21</a:t>
             </a:r>
             <a:r>
               <a:rPr lang="fr-FR" dirty="0">
@@ -22918,7 +20771,15 @@
                   <a:srgbClr val="FF0000"/>
                 </a:solidFill>
               </a:rPr>
-              <a:t> 12</a:t>
+              <a:t> </a:t>
+            </a:r>
+            <a:r>
+              <a:rPr lang="fr-FR" dirty="0">
+                <a:solidFill>
+                  <a:srgbClr val="00B0F0"/>
+                </a:solidFill>
+              </a:rPr>
+              <a:t>12</a:t>
             </a:r>
             <a:r>
               <a:rPr lang="fr-FR" dirty="0">
@@ -22934,7 +20795,15 @@
                   <a:srgbClr val="FF0000"/>
                 </a:solidFill>
               </a:rPr>
-              <a:t> 58</a:t>
+              <a:t> </a:t>
+            </a:r>
+            <a:r>
+              <a:rPr lang="fr-FR" dirty="0">
+                <a:solidFill>
+                  <a:srgbClr val="002060"/>
+                </a:solidFill>
+              </a:rPr>
+              <a:t>58</a:t>
             </a:r>
             <a:r>
               <a:rPr lang="fr-FR" dirty="0">
@@ -22950,7 +20819,15 @@
                   <a:srgbClr val="FF0000"/>
                 </a:solidFill>
               </a:rPr>
-              <a:t> 24</a:t>
+              <a:t> </a:t>
+            </a:r>
+            <a:r>
+              <a:rPr lang="fr-FR" dirty="0">
+                <a:solidFill>
+                  <a:srgbClr val="C00000"/>
+                </a:solidFill>
+              </a:rPr>
+              <a:t>24</a:t>
             </a:r>
             <a:r>
               <a:rPr lang="fr-FR" dirty="0">
@@ -22966,7 +20843,15 @@
                   <a:srgbClr val="FF0000"/>
                 </a:solidFill>
               </a:rPr>
-              <a:t> 25</a:t>
+              <a:t> </a:t>
+            </a:r>
+            <a:r>
+              <a:rPr lang="fr-FR" dirty="0">
+                <a:solidFill>
+                  <a:srgbClr val="00B050"/>
+                </a:solidFill>
+              </a:rPr>
+              <a:t>25</a:t>
             </a:r>
             <a:r>
               <a:rPr lang="fr-FR" dirty="0"/>
@@ -23182,6 +21067,104 @@
           </a:p>
           <a:p>
             <a:endParaRPr lang="fr-FR" dirty="0"/>
+          </a:p>
+        </p:txBody>
+      </p:sp>
+      <p:sp>
+        <p:nvSpPr>
+          <p:cNvPr id="9" name="Flèche : droite à entaille 8">
+            <a:extLst>
+              <a:ext uri="{FF2B5EF4-FFF2-40B4-BE49-F238E27FC236}">
+                <a16:creationId xmlns:a16="http://schemas.microsoft.com/office/drawing/2014/main" id="{E562857C-873E-416F-A658-09F78D324764}"/>
+              </a:ext>
+            </a:extLst>
+          </p:cNvPr>
+          <p:cNvSpPr/>
+          <p:nvPr/>
+        </p:nvSpPr>
+        <p:spPr>
+          <a:xfrm>
+            <a:off x="2643448" y="1926378"/>
+            <a:ext cx="4106488" cy="436274"/>
+          </a:xfrm>
+          <a:prstGeom prst="notchedRightArrow">
+            <a:avLst/>
+          </a:prstGeom>
+        </p:spPr>
+        <p:style>
+          <a:lnRef idx="2">
+            <a:schemeClr val="accent1">
+              <a:shade val="50000"/>
+            </a:schemeClr>
+          </a:lnRef>
+          <a:fillRef idx="1">
+            <a:schemeClr val="accent1"/>
+          </a:fillRef>
+          <a:effectRef idx="0">
+            <a:schemeClr val="accent1"/>
+          </a:effectRef>
+          <a:fontRef idx="minor">
+            <a:schemeClr val="lt1"/>
+          </a:fontRef>
+        </p:style>
+        <p:txBody>
+          <a:bodyPr rtlCol="0" anchor="ctr"/>
+          <a:lstStyle/>
+          <a:p>
+            <a:pPr algn="ctr"/>
+            <a:r>
+              <a:rPr lang="fr-FR" dirty="0"/>
+              <a:t>16 premiers coefficients</a:t>
+            </a:r>
+          </a:p>
+        </p:txBody>
+      </p:sp>
+      <p:sp>
+        <p:nvSpPr>
+          <p:cNvPr id="11" name="Flèche : droite à entaille 10">
+            <a:extLst>
+              <a:ext uri="{FF2B5EF4-FFF2-40B4-BE49-F238E27FC236}">
+                <a16:creationId xmlns:a16="http://schemas.microsoft.com/office/drawing/2014/main" id="{15E3FC0D-0D35-4A9B-8E00-B01D8A04E717}"/>
+              </a:ext>
+            </a:extLst>
+          </p:cNvPr>
+          <p:cNvSpPr/>
+          <p:nvPr/>
+        </p:nvSpPr>
+        <p:spPr>
+          <a:xfrm>
+            <a:off x="7035339" y="1926378"/>
+            <a:ext cx="2823556" cy="436274"/>
+          </a:xfrm>
+          <a:prstGeom prst="notchedRightArrow">
+            <a:avLst/>
+          </a:prstGeom>
+        </p:spPr>
+        <p:style>
+          <a:lnRef idx="2">
+            <a:schemeClr val="accent1">
+              <a:shade val="50000"/>
+            </a:schemeClr>
+          </a:lnRef>
+          <a:fillRef idx="1">
+            <a:schemeClr val="accent1"/>
+          </a:fillRef>
+          <a:effectRef idx="0">
+            <a:schemeClr val="accent1"/>
+          </a:effectRef>
+          <a:fontRef idx="minor">
+            <a:schemeClr val="lt1"/>
+          </a:fontRef>
+        </p:style>
+        <p:txBody>
+          <a:bodyPr rtlCol="0" anchor="ctr"/>
+          <a:lstStyle/>
+          <a:p>
+            <a:pPr algn="ctr"/>
+            <a:r>
+              <a:rPr lang="fr-FR" dirty="0"/>
+              <a:t>Date / heures</a:t>
+            </a:r>
           </a:p>
         </p:txBody>
       </p:sp>
@@ -23343,7 +21326,7 @@
             </a:r>
             <a:r>
               <a:rPr lang="fr-FR" dirty="0"/>
-              <a:t> Sur une image 3x3 :</a:t>
+              <a:t> Sur une image 5x7 :</a:t>
             </a:r>
           </a:p>
           <a:p>
@@ -23402,51 +21385,1372 @@
           <p:nvPr>
             <p:extLst>
               <p:ext uri="{D42A27DB-BD31-4B8C-83A1-F6EECF244321}">
-                <p14:modId xmlns:p14="http://schemas.microsoft.com/office/powerpoint/2010/main" val="3512816710"/>
+                <p14:modId xmlns:p14="http://schemas.microsoft.com/office/powerpoint/2010/main" val="3225896878"/>
               </p:ext>
             </p:extLst>
           </p:nvPr>
         </p:nvGraphicFramePr>
         <p:xfrm>
-          <a:off x="5422232" y="2622567"/>
-          <a:ext cx="2160000" cy="2160000"/>
+          <a:off x="4219397" y="2863128"/>
+          <a:ext cx="4160219" cy="3008290"/>
         </p:xfrm>
         <a:graphic>
           <a:graphicData uri="http://schemas.openxmlformats.org/drawingml/2006/table">
             <a:tbl>
               <a:tblPr firstRow="1" bandRow="1">
+                <a:solidFill>
+                  <a:srgbClr val="003399"/>
+                </a:solidFill>
                 <a:tableStyleId>{5C22544A-7EE6-4342-B048-85BDC9FD1C3A}</a:tableStyleId>
               </a:tblPr>
               <a:tblGrid>
-                <a:gridCol w="720000">
+                <a:gridCol w="594317">
+                  <a:extLst>
+                    <a:ext uri="{9D8B030D-6E8A-4147-A177-3AD203B41FA5}">
+                      <a16:colId xmlns:a16="http://schemas.microsoft.com/office/drawing/2014/main" val="1754285302"/>
+                    </a:ext>
+                  </a:extLst>
+                </a:gridCol>
+                <a:gridCol w="594317">
+                  <a:extLst>
+                    <a:ext uri="{9D8B030D-6E8A-4147-A177-3AD203B41FA5}">
+                      <a16:colId xmlns:a16="http://schemas.microsoft.com/office/drawing/2014/main" val="1193509867"/>
+                    </a:ext>
+                  </a:extLst>
+                </a:gridCol>
+                <a:gridCol w="594317">
+                  <a:extLst>
+                    <a:ext uri="{9D8B030D-6E8A-4147-A177-3AD203B41FA5}">
+                      <a16:colId xmlns:a16="http://schemas.microsoft.com/office/drawing/2014/main" val="1522603349"/>
+                    </a:ext>
+                  </a:extLst>
+                </a:gridCol>
+                <a:gridCol w="594317">
                   <a:extLst>
                     <a:ext uri="{9D8B030D-6E8A-4147-A177-3AD203B41FA5}">
                       <a16:colId xmlns:a16="http://schemas.microsoft.com/office/drawing/2014/main" val="665963204"/>
                     </a:ext>
                   </a:extLst>
                 </a:gridCol>
-                <a:gridCol w="720000">
+                <a:gridCol w="594317">
                   <a:extLst>
                     <a:ext uri="{9D8B030D-6E8A-4147-A177-3AD203B41FA5}">
                       <a16:colId xmlns:a16="http://schemas.microsoft.com/office/drawing/2014/main" val="3737866013"/>
                     </a:ext>
                   </a:extLst>
                 </a:gridCol>
-                <a:gridCol w="720000">
+                <a:gridCol w="594317">
                   <a:extLst>
                     <a:ext uri="{9D8B030D-6E8A-4147-A177-3AD203B41FA5}">
                       <a16:colId xmlns:a16="http://schemas.microsoft.com/office/drawing/2014/main" val="1665095605"/>
                     </a:ext>
                   </a:extLst>
                 </a:gridCol>
+                <a:gridCol w="594317">
+                  <a:extLst>
+                    <a:ext uri="{9D8B030D-6E8A-4147-A177-3AD203B41FA5}">
+                      <a16:colId xmlns:a16="http://schemas.microsoft.com/office/drawing/2014/main" val="840586216"/>
+                    </a:ext>
+                  </a:extLst>
+                </a:gridCol>
               </a:tblGrid>
-              <a:tr h="720000">
+              <a:tr h="601658">
                 <a:tc>
                   <a:txBody>
                     <a:bodyPr/>
                     <a:lstStyle/>
                     <a:p>
                       <a:pPr algn="l"/>
+                      <a:endParaRPr lang="fr-FR" sz="2600" dirty="0">
+                        <a:solidFill>
+                          <a:schemeClr val="tx1"/>
+                        </a:solidFill>
+                      </a:endParaRPr>
+                    </a:p>
+                  </a:txBody>
+                  <a:tcPr marL="132187" marR="132187" marT="66093" marB="66093">
+                    <a:lnL w="12700" cap="flat" cmpd="sng" algn="ctr">
+                      <a:solidFill>
+                        <a:schemeClr val="tx1"/>
+                      </a:solidFill>
+                      <a:prstDash val="solid"/>
+                      <a:round/>
+                      <a:headEnd type="none" w="med" len="med"/>
+                      <a:tailEnd type="none" w="med" len="med"/>
+                    </a:lnL>
+                    <a:lnR w="12700" cap="flat" cmpd="sng" algn="ctr">
+                      <a:solidFill>
+                        <a:schemeClr val="tx1"/>
+                      </a:solidFill>
+                      <a:prstDash val="solid"/>
+                      <a:round/>
+                      <a:headEnd type="none" w="med" len="med"/>
+                      <a:tailEnd type="none" w="med" len="med"/>
+                    </a:lnR>
+                    <a:lnT w="12700" cap="flat" cmpd="sng" algn="ctr">
+                      <a:solidFill>
+                        <a:schemeClr val="tx1"/>
+                      </a:solidFill>
+                      <a:prstDash val="solid"/>
+                      <a:round/>
+                      <a:headEnd type="none" w="med" len="med"/>
+                      <a:tailEnd type="none" w="med" len="med"/>
+                    </a:lnT>
+                    <a:lnB w="12700" cap="flat" cmpd="sng" algn="ctr">
+                      <a:solidFill>
+                        <a:schemeClr val="tx1"/>
+                      </a:solidFill>
+                      <a:prstDash val="solid"/>
+                      <a:round/>
+                      <a:headEnd type="none" w="med" len="med"/>
+                      <a:tailEnd type="none" w="med" len="med"/>
+                    </a:lnB>
+                    <a:solidFill>
+                      <a:srgbClr val="336699"/>
+                    </a:solidFill>
+                  </a:tcPr>
+                </a:tc>
+                <a:tc>
+                  <a:txBody>
+                    <a:bodyPr/>
+                    <a:lstStyle/>
+                    <a:p>
+                      <a:pPr algn="l"/>
+                      <a:endParaRPr lang="fr-FR" sz="2600" dirty="0"/>
+                    </a:p>
+                  </a:txBody>
+                  <a:tcPr marL="132187" marR="132187" marT="66093" marB="66093">
+                    <a:lnL w="12700" cap="flat" cmpd="sng" algn="ctr">
+                      <a:solidFill>
+                        <a:schemeClr val="tx1"/>
+                      </a:solidFill>
+                      <a:prstDash val="solid"/>
+                      <a:round/>
+                      <a:headEnd type="none" w="med" len="med"/>
+                      <a:tailEnd type="none" w="med" len="med"/>
+                    </a:lnL>
+                    <a:lnR w="12700" cap="flat" cmpd="sng" algn="ctr">
+                      <a:solidFill>
+                        <a:schemeClr val="tx1"/>
+                      </a:solidFill>
+                      <a:prstDash val="solid"/>
+                      <a:round/>
+                      <a:headEnd type="none" w="med" len="med"/>
+                      <a:tailEnd type="none" w="med" len="med"/>
+                    </a:lnR>
+                    <a:lnT w="12700" cap="flat" cmpd="sng" algn="ctr">
+                      <a:solidFill>
+                        <a:schemeClr val="tx1"/>
+                      </a:solidFill>
+                      <a:prstDash val="solid"/>
+                      <a:round/>
+                      <a:headEnd type="none" w="med" len="med"/>
+                      <a:tailEnd type="none" w="med" len="med"/>
+                    </a:lnT>
+                    <a:lnB w="12700" cap="flat" cmpd="sng" algn="ctr">
+                      <a:solidFill>
+                        <a:schemeClr val="tx1"/>
+                      </a:solidFill>
+                      <a:prstDash val="solid"/>
+                      <a:round/>
+                      <a:headEnd type="none" w="med" len="med"/>
+                      <a:tailEnd type="none" w="med" len="med"/>
+                    </a:lnB>
+                    <a:solidFill>
+                      <a:srgbClr val="0099CC"/>
+                    </a:solidFill>
+                  </a:tcPr>
+                </a:tc>
+                <a:tc>
+                  <a:txBody>
+                    <a:bodyPr/>
+                    <a:lstStyle/>
+                    <a:p>
+                      <a:pPr algn="l"/>
+                      <a:endParaRPr lang="fr-FR" sz="2600" dirty="0"/>
+                    </a:p>
+                  </a:txBody>
+                  <a:tcPr marL="132187" marR="132187" marT="66093" marB="66093">
+                    <a:lnL w="12700" cap="flat" cmpd="sng" algn="ctr">
+                      <a:solidFill>
+                        <a:schemeClr val="tx1"/>
+                      </a:solidFill>
+                      <a:prstDash val="solid"/>
+                      <a:round/>
+                      <a:headEnd type="none" w="med" len="med"/>
+                      <a:tailEnd type="none" w="med" len="med"/>
+                    </a:lnL>
+                    <a:lnR w="12700" cap="flat" cmpd="sng" algn="ctr">
+                      <a:solidFill>
+                        <a:schemeClr val="tx1"/>
+                      </a:solidFill>
+                      <a:prstDash val="solid"/>
+                      <a:round/>
+                      <a:headEnd type="none" w="med" len="med"/>
+                      <a:tailEnd type="none" w="med" len="med"/>
+                    </a:lnR>
+                    <a:lnT w="12700" cap="flat" cmpd="sng" algn="ctr">
+                      <a:solidFill>
+                        <a:schemeClr val="tx1"/>
+                      </a:solidFill>
+                      <a:prstDash val="solid"/>
+                      <a:round/>
+                      <a:headEnd type="none" w="med" len="med"/>
+                      <a:tailEnd type="none" w="med" len="med"/>
+                    </a:lnT>
+                    <a:lnB w="12700" cap="flat" cmpd="sng" algn="ctr">
+                      <a:solidFill>
+                        <a:schemeClr val="tx1"/>
+                      </a:solidFill>
+                      <a:prstDash val="solid"/>
+                      <a:round/>
+                      <a:headEnd type="none" w="med" len="med"/>
+                      <a:tailEnd type="none" w="med" len="med"/>
+                    </a:lnB>
+                    <a:solidFill>
+                      <a:srgbClr val="00CCFF"/>
+                    </a:solidFill>
+                  </a:tcPr>
+                </a:tc>
+                <a:tc>
+                  <a:txBody>
+                    <a:bodyPr/>
+                    <a:lstStyle/>
+                    <a:p>
+                      <a:pPr algn="l"/>
+                      <a:endParaRPr lang="fr-FR" sz="2600" dirty="0"/>
+                    </a:p>
+                  </a:txBody>
+                  <a:tcPr marL="132187" marR="132187" marT="66093" marB="66093">
+                    <a:lnL w="12700" cap="flat" cmpd="sng" algn="ctr">
+                      <a:solidFill>
+                        <a:schemeClr val="tx1"/>
+                      </a:solidFill>
+                      <a:prstDash val="solid"/>
+                      <a:round/>
+                      <a:headEnd type="none" w="med" len="med"/>
+                      <a:tailEnd type="none" w="med" len="med"/>
+                    </a:lnL>
+                    <a:lnR w="12700" cap="flat" cmpd="sng" algn="ctr">
+                      <a:solidFill>
+                        <a:schemeClr val="tx1"/>
+                      </a:solidFill>
+                      <a:prstDash val="solid"/>
+                      <a:round/>
+                      <a:headEnd type="none" w="med" len="med"/>
+                      <a:tailEnd type="none" w="med" len="med"/>
+                    </a:lnR>
+                    <a:lnT w="12700" cap="flat" cmpd="sng" algn="ctr">
+                      <a:solidFill>
+                        <a:schemeClr val="tx1"/>
+                      </a:solidFill>
+                      <a:prstDash val="solid"/>
+                      <a:round/>
+                      <a:headEnd type="none" w="med" len="med"/>
+                      <a:tailEnd type="none" w="med" len="med"/>
+                    </a:lnT>
+                    <a:lnB w="12700" cap="flat" cmpd="sng" algn="ctr">
+                      <a:solidFill>
+                        <a:schemeClr val="tx1"/>
+                      </a:solidFill>
+                      <a:prstDash val="solid"/>
+                      <a:round/>
+                      <a:headEnd type="none" w="med" len="med"/>
+                      <a:tailEnd type="none" w="med" len="med"/>
+                    </a:lnB>
+                    <a:solidFill>
+                      <a:srgbClr val="33CCFF"/>
+                    </a:solidFill>
+                  </a:tcPr>
+                </a:tc>
+                <a:tc>
+                  <a:txBody>
+                    <a:bodyPr/>
+                    <a:lstStyle/>
+                    <a:p>
+                      <a:endParaRPr lang="fr-FR" sz="2600" dirty="0"/>
+                    </a:p>
+                  </a:txBody>
+                  <a:tcPr marL="132187" marR="132187" marT="66093" marB="66093">
+                    <a:lnL w="12700" cap="flat" cmpd="sng" algn="ctr">
+                      <a:solidFill>
+                        <a:schemeClr val="tx1"/>
+                      </a:solidFill>
+                      <a:prstDash val="solid"/>
+                      <a:round/>
+                      <a:headEnd type="none" w="med" len="med"/>
+                      <a:tailEnd type="none" w="med" len="med"/>
+                    </a:lnL>
+                    <a:lnR w="12700" cap="flat" cmpd="sng" algn="ctr">
+                      <a:solidFill>
+                        <a:schemeClr val="tx1"/>
+                      </a:solidFill>
+                      <a:prstDash val="solid"/>
+                      <a:round/>
+                      <a:headEnd type="none" w="med" len="med"/>
+                      <a:tailEnd type="none" w="med" len="med"/>
+                    </a:lnR>
+                    <a:lnT w="12700" cap="flat" cmpd="sng" algn="ctr">
+                      <a:solidFill>
+                        <a:schemeClr val="tx1"/>
+                      </a:solidFill>
+                      <a:prstDash val="solid"/>
+                      <a:round/>
+                      <a:headEnd type="none" w="med" len="med"/>
+                      <a:tailEnd type="none" w="med" len="med"/>
+                    </a:lnT>
+                    <a:lnB w="12700" cap="flat" cmpd="sng" algn="ctr">
+                      <a:solidFill>
+                        <a:schemeClr val="tx1"/>
+                      </a:solidFill>
+                      <a:prstDash val="solid"/>
+                      <a:round/>
+                      <a:headEnd type="none" w="med" len="med"/>
+                      <a:tailEnd type="none" w="med" len="med"/>
+                    </a:lnB>
+                    <a:solidFill>
+                      <a:srgbClr val="66CCFF"/>
+                    </a:solidFill>
+                  </a:tcPr>
+                </a:tc>
+                <a:tc>
+                  <a:txBody>
+                    <a:bodyPr/>
+                    <a:lstStyle/>
+                    <a:p>
+                      <a:endParaRPr lang="fr-FR" sz="2600" dirty="0"/>
+                    </a:p>
+                  </a:txBody>
+                  <a:tcPr marL="132187" marR="132187" marT="66093" marB="66093">
+                    <a:lnL w="12700" cap="flat" cmpd="sng" algn="ctr">
+                      <a:solidFill>
+                        <a:schemeClr val="tx1"/>
+                      </a:solidFill>
+                      <a:prstDash val="solid"/>
+                      <a:round/>
+                      <a:headEnd type="none" w="med" len="med"/>
+                      <a:tailEnd type="none" w="med" len="med"/>
+                    </a:lnL>
+                    <a:lnR w="12700" cap="flat" cmpd="sng" algn="ctr">
+                      <a:solidFill>
+                        <a:schemeClr val="tx1"/>
+                      </a:solidFill>
+                      <a:prstDash val="solid"/>
+                      <a:round/>
+                      <a:headEnd type="none" w="med" len="med"/>
+                      <a:tailEnd type="none" w="med" len="med"/>
+                    </a:lnR>
+                    <a:lnT w="12700" cap="flat" cmpd="sng" algn="ctr">
+                      <a:solidFill>
+                        <a:schemeClr val="tx1"/>
+                      </a:solidFill>
+                      <a:prstDash val="solid"/>
+                      <a:round/>
+                      <a:headEnd type="none" w="med" len="med"/>
+                      <a:tailEnd type="none" w="med" len="med"/>
+                    </a:lnT>
+                    <a:lnB w="12700" cap="flat" cmpd="sng" algn="ctr">
+                      <a:solidFill>
+                        <a:schemeClr val="tx1"/>
+                      </a:solidFill>
+                      <a:prstDash val="solid"/>
+                      <a:round/>
+                      <a:headEnd type="none" w="med" len="med"/>
+                      <a:tailEnd type="none" w="med" len="med"/>
+                    </a:lnB>
+                    <a:solidFill>
+                      <a:srgbClr val="CCECFF"/>
+                    </a:solidFill>
+                  </a:tcPr>
+                </a:tc>
+                <a:tc>
+                  <a:txBody>
+                    <a:bodyPr/>
+                    <a:lstStyle/>
+                    <a:p>
+                      <a:endParaRPr lang="fr-FR" sz="2600" dirty="0"/>
+                    </a:p>
+                  </a:txBody>
+                  <a:tcPr marL="132187" marR="132187" marT="66093" marB="66093">
+                    <a:lnL w="12700" cap="flat" cmpd="sng" algn="ctr">
+                      <a:solidFill>
+                        <a:schemeClr val="tx1"/>
+                      </a:solidFill>
+                      <a:prstDash val="solid"/>
+                      <a:round/>
+                      <a:headEnd type="none" w="med" len="med"/>
+                      <a:tailEnd type="none" w="med" len="med"/>
+                    </a:lnL>
+                    <a:lnR w="12700" cap="flat" cmpd="sng" algn="ctr">
+                      <a:solidFill>
+                        <a:schemeClr val="tx1"/>
+                      </a:solidFill>
+                      <a:prstDash val="solid"/>
+                      <a:round/>
+                      <a:headEnd type="none" w="med" len="med"/>
+                      <a:tailEnd type="none" w="med" len="med"/>
+                    </a:lnR>
+                    <a:lnT w="12700" cap="flat" cmpd="sng" algn="ctr">
+                      <a:solidFill>
+                        <a:schemeClr val="tx1"/>
+                      </a:solidFill>
+                      <a:prstDash val="solid"/>
+                      <a:round/>
+                      <a:headEnd type="none" w="med" len="med"/>
+                      <a:tailEnd type="none" w="med" len="med"/>
+                    </a:lnT>
+                    <a:lnB w="12700" cap="flat" cmpd="sng" algn="ctr">
+                      <a:solidFill>
+                        <a:schemeClr val="tx1"/>
+                      </a:solidFill>
+                      <a:prstDash val="solid"/>
+                      <a:round/>
+                      <a:headEnd type="none" w="med" len="med"/>
+                      <a:tailEnd type="none" w="med" len="med"/>
+                    </a:lnB>
+                    <a:solidFill>
+                      <a:srgbClr val="FFCCFF"/>
+                    </a:solidFill>
+                  </a:tcPr>
+                </a:tc>
+                <a:extLst>
+                  <a:ext uri="{0D108BD9-81ED-4DB2-BD59-A6C34878D82A}">
+                    <a16:rowId xmlns:a16="http://schemas.microsoft.com/office/drawing/2014/main" val="2047203001"/>
+                  </a:ext>
+                </a:extLst>
+              </a:tr>
+              <a:tr h="601658">
+                <a:tc>
+                  <a:txBody>
+                    <a:bodyPr/>
+                    <a:lstStyle/>
+                    <a:p>
+                      <a:pPr algn="l"/>
+                      <a:endParaRPr lang="fr-FR" sz="2600" dirty="0"/>
+                    </a:p>
+                  </a:txBody>
+                  <a:tcPr marL="132187" marR="132187" marT="66093" marB="66093">
+                    <a:lnL w="12700" cap="flat" cmpd="sng" algn="ctr">
+                      <a:solidFill>
+                        <a:schemeClr val="tx1"/>
+                      </a:solidFill>
+                      <a:prstDash val="solid"/>
+                      <a:round/>
+                      <a:headEnd type="none" w="med" len="med"/>
+                      <a:tailEnd type="none" w="med" len="med"/>
+                    </a:lnL>
+                    <a:lnR w="12700" cap="flat" cmpd="sng" algn="ctr">
+                      <a:solidFill>
+                        <a:schemeClr val="tx1"/>
+                      </a:solidFill>
+                      <a:prstDash val="solid"/>
+                      <a:round/>
+                      <a:headEnd type="none" w="med" len="med"/>
+                      <a:tailEnd type="none" w="med" len="med"/>
+                    </a:lnR>
+                    <a:lnT w="12700" cap="flat" cmpd="sng" algn="ctr">
+                      <a:solidFill>
+                        <a:schemeClr val="tx1"/>
+                      </a:solidFill>
+                      <a:prstDash val="solid"/>
+                      <a:round/>
+                      <a:headEnd type="none" w="med" len="med"/>
+                      <a:tailEnd type="none" w="med" len="med"/>
+                    </a:lnT>
+                    <a:lnB w="12700" cap="flat" cmpd="sng" algn="ctr">
+                      <a:solidFill>
+                        <a:schemeClr val="tx1"/>
+                      </a:solidFill>
+                      <a:prstDash val="solid"/>
+                      <a:round/>
+                      <a:headEnd type="none" w="med" len="med"/>
+                      <a:tailEnd type="none" w="med" len="med"/>
+                    </a:lnB>
+                    <a:solidFill>
+                      <a:srgbClr val="3366CC"/>
+                    </a:solidFill>
+                  </a:tcPr>
+                </a:tc>
+                <a:tc>
+                  <a:txBody>
+                    <a:bodyPr/>
+                    <a:lstStyle/>
+                    <a:p>
+                      <a:pPr algn="l"/>
+                      <a:endParaRPr lang="fr-FR" sz="2600" dirty="0"/>
+                    </a:p>
+                  </a:txBody>
+                  <a:tcPr marL="132187" marR="132187" marT="66093" marB="66093">
+                    <a:lnL w="12700" cap="flat" cmpd="sng" algn="ctr">
+                      <a:solidFill>
+                        <a:schemeClr val="tx1"/>
+                      </a:solidFill>
+                      <a:prstDash val="solid"/>
+                      <a:round/>
+                      <a:headEnd type="none" w="med" len="med"/>
+                      <a:tailEnd type="none" w="med" len="med"/>
+                    </a:lnL>
+                    <a:lnR w="12700" cap="flat" cmpd="sng" algn="ctr">
+                      <a:solidFill>
+                        <a:schemeClr val="tx1"/>
+                      </a:solidFill>
+                      <a:prstDash val="solid"/>
+                      <a:round/>
+                      <a:headEnd type="none" w="med" len="med"/>
+                      <a:tailEnd type="none" w="med" len="med"/>
+                    </a:lnR>
+                    <a:lnT w="12700" cap="flat" cmpd="sng" algn="ctr">
+                      <a:solidFill>
+                        <a:schemeClr val="tx1"/>
+                      </a:solidFill>
+                      <a:prstDash val="solid"/>
+                      <a:round/>
+                      <a:headEnd type="none" w="med" len="med"/>
+                      <a:tailEnd type="none" w="med" len="med"/>
+                    </a:lnT>
+                    <a:lnB w="12700" cap="flat" cmpd="sng" algn="ctr">
+                      <a:solidFill>
+                        <a:schemeClr val="tx1"/>
+                      </a:solidFill>
+                      <a:prstDash val="solid"/>
+                      <a:round/>
+                      <a:headEnd type="none" w="med" len="med"/>
+                      <a:tailEnd type="none" w="med" len="med"/>
+                    </a:lnB>
+                    <a:solidFill>
+                      <a:srgbClr val="0066CC"/>
+                    </a:solidFill>
+                  </a:tcPr>
+                </a:tc>
+                <a:tc>
+                  <a:txBody>
+                    <a:bodyPr/>
+                    <a:lstStyle/>
+                    <a:p>
+                      <a:pPr algn="l"/>
+                      <a:endParaRPr lang="fr-FR" sz="2600" dirty="0"/>
+                    </a:p>
+                  </a:txBody>
+                  <a:tcPr marL="132187" marR="132187" marT="66093" marB="66093">
+                    <a:lnL w="12700" cap="flat" cmpd="sng" algn="ctr">
+                      <a:solidFill>
+                        <a:schemeClr val="tx1"/>
+                      </a:solidFill>
+                      <a:prstDash val="solid"/>
+                      <a:round/>
+                      <a:headEnd type="none" w="med" len="med"/>
+                      <a:tailEnd type="none" w="med" len="med"/>
+                    </a:lnL>
+                    <a:lnR w="12700" cap="flat" cmpd="sng" algn="ctr">
+                      <a:solidFill>
+                        <a:schemeClr val="tx1"/>
+                      </a:solidFill>
+                      <a:prstDash val="solid"/>
+                      <a:round/>
+                      <a:headEnd type="none" w="med" len="med"/>
+                      <a:tailEnd type="none" w="med" len="med"/>
+                    </a:lnR>
+                    <a:lnT w="12700" cap="flat" cmpd="sng" algn="ctr">
+                      <a:solidFill>
+                        <a:schemeClr val="tx1"/>
+                      </a:solidFill>
+                      <a:prstDash val="solid"/>
+                      <a:round/>
+                      <a:headEnd type="none" w="med" len="med"/>
+                      <a:tailEnd type="none" w="med" len="med"/>
+                    </a:lnT>
+                    <a:lnB w="12700" cap="flat" cmpd="sng" algn="ctr">
+                      <a:solidFill>
+                        <a:schemeClr val="tx1"/>
+                      </a:solidFill>
+                      <a:prstDash val="solid"/>
+                      <a:round/>
+                      <a:headEnd type="none" w="med" len="med"/>
+                      <a:tailEnd type="none" w="med" len="med"/>
+                    </a:lnB>
+                    <a:solidFill>
+                      <a:srgbClr val="0099FF"/>
+                    </a:solidFill>
+                  </a:tcPr>
+                </a:tc>
+                <a:tc>
+                  <a:txBody>
+                    <a:bodyPr/>
+                    <a:lstStyle/>
+                    <a:p>
+                      <a:pPr algn="l"/>
+                      <a:endParaRPr lang="fr-FR" sz="2600" dirty="0"/>
+                    </a:p>
+                  </a:txBody>
+                  <a:tcPr marL="132187" marR="132187" marT="66093" marB="66093">
+                    <a:lnL w="12700" cap="flat" cmpd="sng" algn="ctr">
+                      <a:solidFill>
+                        <a:schemeClr val="tx1"/>
+                      </a:solidFill>
+                      <a:prstDash val="solid"/>
+                      <a:round/>
+                      <a:headEnd type="none" w="med" len="med"/>
+                      <a:tailEnd type="none" w="med" len="med"/>
+                    </a:lnL>
+                    <a:lnR w="12700" cap="flat" cmpd="sng" algn="ctr">
+                      <a:solidFill>
+                        <a:schemeClr val="tx1"/>
+                      </a:solidFill>
+                      <a:prstDash val="solid"/>
+                      <a:round/>
+                      <a:headEnd type="none" w="med" len="med"/>
+                      <a:tailEnd type="none" w="med" len="med"/>
+                    </a:lnR>
+                    <a:lnT w="12700" cap="flat" cmpd="sng" algn="ctr">
+                      <a:solidFill>
+                        <a:schemeClr val="tx1"/>
+                      </a:solidFill>
+                      <a:prstDash val="solid"/>
+                      <a:round/>
+                      <a:headEnd type="none" w="med" len="med"/>
+                      <a:tailEnd type="none" w="med" len="med"/>
+                    </a:lnT>
+                    <a:lnB w="12700" cap="flat" cmpd="sng" algn="ctr">
+                      <a:solidFill>
+                        <a:schemeClr val="tx1"/>
+                      </a:solidFill>
+                      <a:prstDash val="solid"/>
+                      <a:round/>
+                      <a:headEnd type="none" w="med" len="med"/>
+                      <a:tailEnd type="none" w="med" len="med"/>
+                    </a:lnB>
+                    <a:solidFill>
+                      <a:srgbClr val="3399FF"/>
+                    </a:solidFill>
+                  </a:tcPr>
+                </a:tc>
+                <a:tc>
+                  <a:txBody>
+                    <a:bodyPr/>
+                    <a:lstStyle/>
+                    <a:p>
+                      <a:endParaRPr lang="fr-FR" sz="2600" dirty="0"/>
+                    </a:p>
+                  </a:txBody>
+                  <a:tcPr marL="132187" marR="132187" marT="66093" marB="66093">
+                    <a:lnL w="12700" cap="flat" cmpd="sng" algn="ctr">
+                      <a:solidFill>
+                        <a:schemeClr val="tx1"/>
+                      </a:solidFill>
+                      <a:prstDash val="solid"/>
+                      <a:round/>
+                      <a:headEnd type="none" w="med" len="med"/>
+                      <a:tailEnd type="none" w="med" len="med"/>
+                    </a:lnL>
+                    <a:lnR w="12700" cap="flat" cmpd="sng" algn="ctr">
+                      <a:solidFill>
+                        <a:schemeClr val="tx1"/>
+                      </a:solidFill>
+                      <a:prstDash val="solid"/>
+                      <a:round/>
+                      <a:headEnd type="none" w="med" len="med"/>
+                      <a:tailEnd type="none" w="med" len="med"/>
+                    </a:lnR>
+                    <a:lnT w="12700" cap="flat" cmpd="sng" algn="ctr">
+                      <a:solidFill>
+                        <a:schemeClr val="tx1"/>
+                      </a:solidFill>
+                      <a:prstDash val="solid"/>
+                      <a:round/>
+                      <a:headEnd type="none" w="med" len="med"/>
+                      <a:tailEnd type="none" w="med" len="med"/>
+                    </a:lnT>
+                    <a:lnB w="12700" cap="flat" cmpd="sng" algn="ctr">
+                      <a:solidFill>
+                        <a:schemeClr val="tx1"/>
+                      </a:solidFill>
+                      <a:prstDash val="solid"/>
+                      <a:round/>
+                      <a:headEnd type="none" w="med" len="med"/>
+                      <a:tailEnd type="none" w="med" len="med"/>
+                    </a:lnB>
+                    <a:solidFill>
+                      <a:srgbClr val="FF7C80"/>
+                    </a:solidFill>
+                  </a:tcPr>
+                </a:tc>
+                <a:tc>
+                  <a:txBody>
+                    <a:bodyPr/>
+                    <a:lstStyle/>
+                    <a:p>
+                      <a:endParaRPr lang="fr-FR" sz="2600" dirty="0"/>
+                    </a:p>
+                  </a:txBody>
+                  <a:tcPr marL="132187" marR="132187" marT="66093" marB="66093">
+                    <a:lnL w="12700" cap="flat" cmpd="sng" algn="ctr">
+                      <a:solidFill>
+                        <a:schemeClr val="tx1"/>
+                      </a:solidFill>
+                      <a:prstDash val="solid"/>
+                      <a:round/>
+                      <a:headEnd type="none" w="med" len="med"/>
+                      <a:tailEnd type="none" w="med" len="med"/>
+                    </a:lnL>
+                    <a:lnR w="12700" cap="flat" cmpd="sng" algn="ctr">
+                      <a:solidFill>
+                        <a:schemeClr val="tx1"/>
+                      </a:solidFill>
+                      <a:prstDash val="solid"/>
+                      <a:round/>
+                      <a:headEnd type="none" w="med" len="med"/>
+                      <a:tailEnd type="none" w="med" len="med"/>
+                    </a:lnR>
+                    <a:lnT w="12700" cap="flat" cmpd="sng" algn="ctr">
+                      <a:solidFill>
+                        <a:schemeClr val="tx1"/>
+                      </a:solidFill>
+                      <a:prstDash val="solid"/>
+                      <a:round/>
+                      <a:headEnd type="none" w="med" len="med"/>
+                      <a:tailEnd type="none" w="med" len="med"/>
+                    </a:lnT>
+                    <a:lnB w="12700" cap="flat" cmpd="sng" algn="ctr">
+                      <a:solidFill>
+                        <a:schemeClr val="tx1"/>
+                      </a:solidFill>
+                      <a:prstDash val="solid"/>
+                      <a:round/>
+                      <a:headEnd type="none" w="med" len="med"/>
+                      <a:tailEnd type="none" w="med" len="med"/>
+                    </a:lnB>
+                    <a:solidFill>
+                      <a:srgbClr val="FF6699"/>
+                    </a:solidFill>
+                  </a:tcPr>
+                </a:tc>
+                <a:tc>
+                  <a:txBody>
+                    <a:bodyPr/>
+                    <a:lstStyle/>
+                    <a:p>
+                      <a:endParaRPr lang="fr-FR" sz="2600" dirty="0"/>
+                    </a:p>
+                  </a:txBody>
+                  <a:tcPr marL="132187" marR="132187" marT="66093" marB="66093">
+                    <a:lnL w="12700" cap="flat" cmpd="sng" algn="ctr">
+                      <a:solidFill>
+                        <a:schemeClr val="tx1"/>
+                      </a:solidFill>
+                      <a:prstDash val="solid"/>
+                      <a:round/>
+                      <a:headEnd type="none" w="med" len="med"/>
+                      <a:tailEnd type="none" w="med" len="med"/>
+                    </a:lnL>
+                    <a:lnR w="12700" cap="flat" cmpd="sng" algn="ctr">
+                      <a:solidFill>
+                        <a:schemeClr val="tx1"/>
+                      </a:solidFill>
+                      <a:prstDash val="solid"/>
+                      <a:round/>
+                      <a:headEnd type="none" w="med" len="med"/>
+                      <a:tailEnd type="none" w="med" len="med"/>
+                    </a:lnR>
+                    <a:lnT w="12700" cap="flat" cmpd="sng" algn="ctr">
+                      <a:solidFill>
+                        <a:schemeClr val="tx1"/>
+                      </a:solidFill>
+                      <a:prstDash val="solid"/>
+                      <a:round/>
+                      <a:headEnd type="none" w="med" len="med"/>
+                      <a:tailEnd type="none" w="med" len="med"/>
+                    </a:lnT>
+                    <a:lnB w="12700" cap="flat" cmpd="sng" algn="ctr">
+                      <a:solidFill>
+                        <a:schemeClr val="tx1"/>
+                      </a:solidFill>
+                      <a:prstDash val="solid"/>
+                      <a:round/>
+                      <a:headEnd type="none" w="med" len="med"/>
+                      <a:tailEnd type="none" w="med" len="med"/>
+                    </a:lnB>
+                    <a:solidFill>
+                      <a:srgbClr val="FF3399"/>
+                    </a:solidFill>
+                  </a:tcPr>
+                </a:tc>
+                <a:extLst>
+                  <a:ext uri="{0D108BD9-81ED-4DB2-BD59-A6C34878D82A}">
+                    <a16:rowId xmlns:a16="http://schemas.microsoft.com/office/drawing/2014/main" val="3288568244"/>
+                  </a:ext>
+                </a:extLst>
+              </a:tr>
+              <a:tr h="601658">
+                <a:tc>
+                  <a:txBody>
+                    <a:bodyPr/>
+                    <a:lstStyle/>
+                    <a:p>
+                      <a:pPr algn="l"/>
+                      <a:endParaRPr lang="fr-FR" sz="2600" dirty="0"/>
+                    </a:p>
+                  </a:txBody>
+                  <a:tcPr marL="132187" marR="132187" marT="66093" marB="66093">
+                    <a:lnL w="12700" cap="flat" cmpd="sng" algn="ctr">
+                      <a:solidFill>
+                        <a:schemeClr val="tx1"/>
+                      </a:solidFill>
+                      <a:prstDash val="solid"/>
+                      <a:round/>
+                      <a:headEnd type="none" w="med" len="med"/>
+                      <a:tailEnd type="none" w="med" len="med"/>
+                    </a:lnL>
+                    <a:lnR w="12700" cap="flat" cmpd="sng" algn="ctr">
+                      <a:solidFill>
+                        <a:schemeClr val="tx1"/>
+                      </a:solidFill>
+                      <a:prstDash val="solid"/>
+                      <a:round/>
+                      <a:headEnd type="none" w="med" len="med"/>
+                      <a:tailEnd type="none" w="med" len="med"/>
+                    </a:lnR>
+                    <a:lnT w="12700" cap="flat" cmpd="sng" algn="ctr">
+                      <a:solidFill>
+                        <a:schemeClr val="tx1"/>
+                      </a:solidFill>
+                      <a:prstDash val="solid"/>
+                      <a:round/>
+                      <a:headEnd type="none" w="med" len="med"/>
+                      <a:tailEnd type="none" w="med" len="med"/>
+                    </a:lnT>
+                    <a:lnB w="12700" cap="flat" cmpd="sng" algn="ctr">
+                      <a:solidFill>
+                        <a:schemeClr val="tx1"/>
+                      </a:solidFill>
+                      <a:prstDash val="solid"/>
+                      <a:round/>
+                      <a:headEnd type="none" w="med" len="med"/>
+                      <a:tailEnd type="none" w="med" len="med"/>
+                    </a:lnB>
+                    <a:solidFill>
+                      <a:srgbClr val="C00000"/>
+                    </a:solidFill>
+                  </a:tcPr>
+                </a:tc>
+                <a:tc>
+                  <a:txBody>
+                    <a:bodyPr/>
+                    <a:lstStyle/>
+                    <a:p>
+                      <a:pPr algn="l"/>
+                      <a:endParaRPr lang="fr-FR" sz="2600" dirty="0"/>
+                    </a:p>
+                  </a:txBody>
+                  <a:tcPr marL="132187" marR="132187" marT="66093" marB="66093">
+                    <a:lnL w="12700" cap="flat" cmpd="sng" algn="ctr">
+                      <a:solidFill>
+                        <a:schemeClr val="tx1"/>
+                      </a:solidFill>
+                      <a:prstDash val="solid"/>
+                      <a:round/>
+                      <a:headEnd type="none" w="med" len="med"/>
+                      <a:tailEnd type="none" w="med" len="med"/>
+                    </a:lnL>
+                    <a:lnR w="12700" cap="flat" cmpd="sng" algn="ctr">
+                      <a:solidFill>
+                        <a:schemeClr val="tx1"/>
+                      </a:solidFill>
+                      <a:prstDash val="solid"/>
+                      <a:round/>
+                      <a:headEnd type="none" w="med" len="med"/>
+                      <a:tailEnd type="none" w="med" len="med"/>
+                    </a:lnR>
+                    <a:lnT w="12700" cap="flat" cmpd="sng" algn="ctr">
+                      <a:solidFill>
+                        <a:schemeClr val="tx1"/>
+                      </a:solidFill>
+                      <a:prstDash val="solid"/>
+                      <a:round/>
+                      <a:headEnd type="none" w="med" len="med"/>
+                      <a:tailEnd type="none" w="med" len="med"/>
+                    </a:lnT>
+                    <a:lnB w="12700" cap="flat" cmpd="sng" algn="ctr">
+                      <a:solidFill>
+                        <a:schemeClr val="tx1"/>
+                      </a:solidFill>
+                      <a:prstDash val="solid"/>
+                      <a:round/>
+                      <a:headEnd type="none" w="med" len="med"/>
+                      <a:tailEnd type="none" w="med" len="med"/>
+                    </a:lnB>
+                    <a:solidFill>
+                      <a:srgbClr val="00B050"/>
+                    </a:solidFill>
+                  </a:tcPr>
+                </a:tc>
+                <a:tc>
+                  <a:txBody>
+                    <a:bodyPr/>
+                    <a:lstStyle/>
+                    <a:p>
+                      <a:pPr algn="l"/>
+                      <a:endParaRPr lang="fr-FR" sz="2600" dirty="0"/>
+                    </a:p>
+                  </a:txBody>
+                  <a:tcPr marL="132187" marR="132187" marT="66093" marB="66093">
+                    <a:lnL w="12700" cap="flat" cmpd="sng" algn="ctr">
+                      <a:solidFill>
+                        <a:schemeClr val="tx1"/>
+                      </a:solidFill>
+                      <a:prstDash val="solid"/>
+                      <a:round/>
+                      <a:headEnd type="none" w="med" len="med"/>
+                      <a:tailEnd type="none" w="med" len="med"/>
+                    </a:lnL>
+                    <a:lnR w="12700" cap="flat" cmpd="sng" algn="ctr">
+                      <a:solidFill>
+                        <a:schemeClr val="tx1"/>
+                      </a:solidFill>
+                      <a:prstDash val="solid"/>
+                      <a:round/>
+                      <a:headEnd type="none" w="med" len="med"/>
+                      <a:tailEnd type="none" w="med" len="med"/>
+                    </a:lnR>
+                    <a:lnT w="12700" cap="flat" cmpd="sng" algn="ctr">
+                      <a:solidFill>
+                        <a:schemeClr val="tx1"/>
+                      </a:solidFill>
+                      <a:prstDash val="solid"/>
+                      <a:round/>
+                      <a:headEnd type="none" w="med" len="med"/>
+                      <a:tailEnd type="none" w="med" len="med"/>
+                    </a:lnT>
+                    <a:lnB w="12700" cap="flat" cmpd="sng" algn="ctr">
+                      <a:solidFill>
+                        <a:schemeClr val="tx1"/>
+                      </a:solidFill>
+                      <a:prstDash val="solid"/>
+                      <a:round/>
+                      <a:headEnd type="none" w="med" len="med"/>
+                      <a:tailEnd type="none" w="med" len="med"/>
+                    </a:lnB>
+                    <a:solidFill>
+                      <a:srgbClr val="00B0F0"/>
+                    </a:solidFill>
+                  </a:tcPr>
+                </a:tc>
+                <a:tc>
+                  <a:txBody>
+                    <a:bodyPr/>
+                    <a:lstStyle/>
+                    <a:p>
+                      <a:pPr algn="l"/>
+                      <a:endParaRPr lang="fr-FR" sz="2600" dirty="0"/>
+                    </a:p>
+                  </a:txBody>
+                  <a:tcPr marL="132187" marR="132187" marT="66093" marB="66093">
+                    <a:lnL w="12700" cap="flat" cmpd="sng" algn="ctr">
+                      <a:solidFill>
+                        <a:schemeClr val="tx1"/>
+                      </a:solidFill>
+                      <a:prstDash val="solid"/>
+                      <a:round/>
+                      <a:headEnd type="none" w="med" len="med"/>
+                      <a:tailEnd type="none" w="med" len="med"/>
+                    </a:lnL>
+                    <a:lnR w="12700" cap="flat" cmpd="sng" algn="ctr">
+                      <a:solidFill>
+                        <a:schemeClr val="tx1"/>
+                      </a:solidFill>
+                      <a:prstDash val="solid"/>
+                      <a:round/>
+                      <a:headEnd type="none" w="med" len="med"/>
+                      <a:tailEnd type="none" w="med" len="med"/>
+                    </a:lnR>
+                    <a:lnT w="12700" cap="flat" cmpd="sng" algn="ctr">
+                      <a:solidFill>
+                        <a:schemeClr val="tx1"/>
+                      </a:solidFill>
+                      <a:prstDash val="solid"/>
+                      <a:round/>
+                      <a:headEnd type="none" w="med" len="med"/>
+                      <a:tailEnd type="none" w="med" len="med"/>
+                    </a:lnT>
+                    <a:lnB w="12700" cap="flat" cmpd="sng" algn="ctr">
+                      <a:solidFill>
+                        <a:schemeClr val="tx1"/>
+                      </a:solidFill>
+                      <a:prstDash val="solid"/>
+                      <a:round/>
+                      <a:headEnd type="none" w="med" len="med"/>
+                      <a:tailEnd type="none" w="med" len="med"/>
+                    </a:lnB>
+                    <a:solidFill>
+                      <a:srgbClr val="0070C0"/>
+                    </a:solidFill>
+                  </a:tcPr>
+                </a:tc>
+                <a:tc>
+                  <a:txBody>
+                    <a:bodyPr/>
+                    <a:lstStyle/>
+                    <a:p>
+                      <a:endParaRPr lang="fr-FR" sz="2600" dirty="0"/>
+                    </a:p>
+                  </a:txBody>
+                  <a:tcPr marL="132187" marR="132187" marT="66093" marB="66093">
+                    <a:lnL w="12700" cap="flat" cmpd="sng" algn="ctr">
+                      <a:solidFill>
+                        <a:schemeClr val="tx1"/>
+                      </a:solidFill>
+                      <a:prstDash val="solid"/>
+                      <a:round/>
+                      <a:headEnd type="none" w="med" len="med"/>
+                      <a:tailEnd type="none" w="med" len="med"/>
+                    </a:lnL>
+                    <a:lnR w="12700" cap="flat" cmpd="sng" algn="ctr">
+                      <a:solidFill>
+                        <a:schemeClr val="tx1"/>
+                      </a:solidFill>
+                      <a:prstDash val="solid"/>
+                      <a:round/>
+                      <a:headEnd type="none" w="med" len="med"/>
+                      <a:tailEnd type="none" w="med" len="med"/>
+                    </a:lnR>
+                    <a:lnT w="12700" cap="flat" cmpd="sng" algn="ctr">
+                      <a:solidFill>
+                        <a:schemeClr val="tx1"/>
+                      </a:solidFill>
+                      <a:prstDash val="solid"/>
+                      <a:round/>
+                      <a:headEnd type="none" w="med" len="med"/>
+                      <a:tailEnd type="none" w="med" len="med"/>
+                    </a:lnT>
+                    <a:lnB w="12700" cap="flat" cmpd="sng" algn="ctr">
+                      <a:solidFill>
+                        <a:schemeClr val="tx1"/>
+                      </a:solidFill>
+                      <a:prstDash val="solid"/>
+                      <a:round/>
+                      <a:headEnd type="none" w="med" len="med"/>
+                      <a:tailEnd type="none" w="med" len="med"/>
+                    </a:lnB>
+                    <a:solidFill>
+                      <a:srgbClr val="002060"/>
+                    </a:solidFill>
+                  </a:tcPr>
+                </a:tc>
+                <a:tc>
+                  <a:txBody>
+                    <a:bodyPr/>
+                    <a:lstStyle/>
+                    <a:p>
+                      <a:endParaRPr lang="fr-FR" sz="2600" dirty="0"/>
+                    </a:p>
+                  </a:txBody>
+                  <a:tcPr marL="132187" marR="132187" marT="66093" marB="66093">
+                    <a:lnL w="12700" cap="flat" cmpd="sng" algn="ctr">
+                      <a:solidFill>
+                        <a:schemeClr val="tx1"/>
+                      </a:solidFill>
+                      <a:prstDash val="solid"/>
+                      <a:round/>
+                      <a:headEnd type="none" w="med" len="med"/>
+                      <a:tailEnd type="none" w="med" len="med"/>
+                    </a:lnL>
+                    <a:lnR w="12700" cap="flat" cmpd="sng" algn="ctr">
+                      <a:solidFill>
+                        <a:schemeClr val="tx1"/>
+                      </a:solidFill>
+                      <a:prstDash val="solid"/>
+                      <a:round/>
+                      <a:headEnd type="none" w="med" len="med"/>
+                      <a:tailEnd type="none" w="med" len="med"/>
+                    </a:lnR>
+                    <a:lnT w="12700" cap="flat" cmpd="sng" algn="ctr">
+                      <a:solidFill>
+                        <a:schemeClr val="tx1"/>
+                      </a:solidFill>
+                      <a:prstDash val="solid"/>
+                      <a:round/>
+                      <a:headEnd type="none" w="med" len="med"/>
+                      <a:tailEnd type="none" w="med" len="med"/>
+                    </a:lnT>
+                    <a:lnB w="12700" cap="flat" cmpd="sng" algn="ctr">
+                      <a:solidFill>
+                        <a:schemeClr val="tx1"/>
+                      </a:solidFill>
+                      <a:prstDash val="solid"/>
+                      <a:round/>
+                      <a:headEnd type="none" w="med" len="med"/>
+                      <a:tailEnd type="none" w="med" len="med"/>
+                    </a:lnB>
+                    <a:solidFill>
+                      <a:srgbClr val="7030A0"/>
+                    </a:solidFill>
+                  </a:tcPr>
+                </a:tc>
+                <a:tc>
+                  <a:txBody>
+                    <a:bodyPr/>
+                    <a:lstStyle/>
+                    <a:p>
+                      <a:endParaRPr lang="fr-FR" sz="2600" dirty="0"/>
+                    </a:p>
+                  </a:txBody>
+                  <a:tcPr marL="132187" marR="132187" marT="66093" marB="66093">
+                    <a:lnL w="12700" cap="flat" cmpd="sng" algn="ctr">
+                      <a:solidFill>
+                        <a:schemeClr val="tx1"/>
+                      </a:solidFill>
+                      <a:prstDash val="solid"/>
+                      <a:round/>
+                      <a:headEnd type="none" w="med" len="med"/>
+                      <a:tailEnd type="none" w="med" len="med"/>
+                    </a:lnL>
+                    <a:lnR w="12700" cap="flat" cmpd="sng" algn="ctr">
+                      <a:solidFill>
+                        <a:schemeClr val="tx1"/>
+                      </a:solidFill>
+                      <a:prstDash val="solid"/>
+                      <a:round/>
+                      <a:headEnd type="none" w="med" len="med"/>
+                      <a:tailEnd type="none" w="med" len="med"/>
+                    </a:lnR>
+                    <a:lnT w="12700" cap="flat" cmpd="sng" algn="ctr">
+                      <a:solidFill>
+                        <a:schemeClr val="tx1"/>
+                      </a:solidFill>
+                      <a:prstDash val="solid"/>
+                      <a:round/>
+                      <a:headEnd type="none" w="med" len="med"/>
+                      <a:tailEnd type="none" w="med" len="med"/>
+                    </a:lnT>
+                    <a:lnB w="12700" cap="flat" cmpd="sng" algn="ctr">
+                      <a:solidFill>
+                        <a:schemeClr val="tx1"/>
+                      </a:solidFill>
+                      <a:prstDash val="solid"/>
+                      <a:round/>
+                      <a:headEnd type="none" w="med" len="med"/>
+                      <a:tailEnd type="none" w="med" len="med"/>
+                    </a:lnB>
+                    <a:solidFill>
+                      <a:srgbClr val="00B050"/>
+                    </a:solidFill>
+                  </a:tcPr>
+                </a:tc>
+                <a:extLst>
+                  <a:ext uri="{0D108BD9-81ED-4DB2-BD59-A6C34878D82A}">
+                    <a16:rowId xmlns:a16="http://schemas.microsoft.com/office/drawing/2014/main" val="4230709826"/>
+                  </a:ext>
+                </a:extLst>
+              </a:tr>
+              <a:tr h="601658">
+                <a:tc>
+                  <a:txBody>
+                    <a:bodyPr/>
+                    <a:lstStyle/>
+                    <a:p>
+                      <a:pPr algn="l"/>
+                      <a:endParaRPr lang="fr-FR" sz="2600" dirty="0"/>
+                    </a:p>
+                  </a:txBody>
+                  <a:tcPr marL="132187" marR="132187" marT="66093" marB="66093">
+                    <a:lnL w="12700" cap="flat" cmpd="sng" algn="ctr">
+                      <a:solidFill>
+                        <a:schemeClr val="tx1"/>
+                      </a:solidFill>
+                      <a:prstDash val="solid"/>
+                      <a:round/>
+                      <a:headEnd type="none" w="med" len="med"/>
+                      <a:tailEnd type="none" w="med" len="med"/>
+                    </a:lnL>
+                    <a:lnR w="12700" cap="flat" cmpd="sng" algn="ctr">
+                      <a:solidFill>
+                        <a:schemeClr val="tx1"/>
+                      </a:solidFill>
+                      <a:prstDash val="solid"/>
+                      <a:round/>
+                      <a:headEnd type="none" w="med" len="med"/>
+                      <a:tailEnd type="none" w="med" len="med"/>
+                    </a:lnR>
+                    <a:lnT w="12700" cap="flat" cmpd="sng" algn="ctr">
+                      <a:solidFill>
+                        <a:schemeClr val="tx1"/>
+                      </a:solidFill>
+                      <a:prstDash val="solid"/>
+                      <a:round/>
+                      <a:headEnd type="none" w="med" len="med"/>
+                      <a:tailEnd type="none" w="med" len="med"/>
+                    </a:lnT>
+                    <a:lnB w="12700" cap="flat" cmpd="sng" algn="ctr">
+                      <a:solidFill>
+                        <a:schemeClr val="tx1"/>
+                      </a:solidFill>
+                      <a:prstDash val="solid"/>
+                      <a:round/>
+                      <a:headEnd type="none" w="med" len="med"/>
+                      <a:tailEnd type="none" w="med" len="med"/>
+                    </a:lnB>
+                    <a:solidFill>
+                      <a:srgbClr val="FFFF00"/>
+                    </a:solidFill>
+                  </a:tcPr>
+                </a:tc>
+                <a:tc>
+                  <a:txBody>
+                    <a:bodyPr/>
+                    <a:lstStyle/>
+                    <a:p>
+                      <a:pPr algn="l"/>
+                      <a:endParaRPr lang="fr-FR" sz="2600" dirty="0"/>
+                    </a:p>
+                  </a:txBody>
+                  <a:tcPr marL="132187" marR="132187" marT="66093" marB="66093">
+                    <a:lnL w="12700" cap="flat" cmpd="sng" algn="ctr">
+                      <a:solidFill>
+                        <a:schemeClr val="tx1"/>
+                      </a:solidFill>
+                      <a:prstDash val="solid"/>
+                      <a:round/>
+                      <a:headEnd type="none" w="med" len="med"/>
+                      <a:tailEnd type="none" w="med" len="med"/>
+                    </a:lnL>
+                    <a:lnR w="12700" cap="flat" cmpd="sng" algn="ctr">
+                      <a:solidFill>
+                        <a:schemeClr val="tx1"/>
+                      </a:solidFill>
+                      <a:prstDash val="solid"/>
+                      <a:round/>
+                      <a:headEnd type="none" w="med" len="med"/>
+                      <a:tailEnd type="none" w="med" len="med"/>
+                    </a:lnR>
+                    <a:lnT w="12700" cap="flat" cmpd="sng" algn="ctr">
+                      <a:solidFill>
+                        <a:schemeClr val="tx1"/>
+                      </a:solidFill>
+                      <a:prstDash val="solid"/>
+                      <a:round/>
+                      <a:headEnd type="none" w="med" len="med"/>
+                      <a:tailEnd type="none" w="med" len="med"/>
+                    </a:lnT>
+                    <a:lnB w="12700" cap="flat" cmpd="sng" algn="ctr">
+                      <a:solidFill>
+                        <a:schemeClr val="tx1"/>
+                      </a:solidFill>
+                      <a:prstDash val="solid"/>
+                      <a:round/>
+                      <a:headEnd type="none" w="med" len="med"/>
+                      <a:tailEnd type="none" w="med" len="med"/>
+                    </a:lnB>
+                    <a:solidFill>
+                      <a:srgbClr val="00B0F0"/>
+                    </a:solidFill>
+                  </a:tcPr>
+                </a:tc>
+                <a:tc>
+                  <a:txBody>
+                    <a:bodyPr/>
+                    <a:lstStyle/>
+                    <a:p>
+                      <a:pPr algn="l"/>
+                      <a:endParaRPr lang="fr-FR" sz="2600" dirty="0"/>
+                    </a:p>
+                  </a:txBody>
+                  <a:tcPr marL="132187" marR="132187" marT="66093" marB="66093">
+                    <a:lnL w="12700" cap="flat" cmpd="sng" algn="ctr">
+                      <a:solidFill>
+                        <a:schemeClr val="tx1"/>
+                      </a:solidFill>
+                      <a:prstDash val="solid"/>
+                      <a:round/>
+                      <a:headEnd type="none" w="med" len="med"/>
+                      <a:tailEnd type="none" w="med" len="med"/>
+                    </a:lnL>
+                    <a:lnR w="12700" cap="flat" cmpd="sng" algn="ctr">
+                      <a:solidFill>
+                        <a:schemeClr val="tx1"/>
+                      </a:solidFill>
+                      <a:prstDash val="solid"/>
+                      <a:round/>
+                      <a:headEnd type="none" w="med" len="med"/>
+                      <a:tailEnd type="none" w="med" len="med"/>
+                    </a:lnR>
+                    <a:lnT w="12700" cap="flat" cmpd="sng" algn="ctr">
+                      <a:solidFill>
+                        <a:schemeClr val="tx1"/>
+                      </a:solidFill>
+                      <a:prstDash val="solid"/>
+                      <a:round/>
+                      <a:headEnd type="none" w="med" len="med"/>
+                      <a:tailEnd type="none" w="med" len="med"/>
+                    </a:lnT>
+                    <a:lnB w="12700" cap="flat" cmpd="sng" algn="ctr">
+                      <a:solidFill>
+                        <a:schemeClr val="tx1"/>
+                      </a:solidFill>
+                      <a:prstDash val="solid"/>
+                      <a:round/>
+                      <a:headEnd type="none" w="med" len="med"/>
+                      <a:tailEnd type="none" w="med" len="med"/>
+                    </a:lnB>
+                    <a:solidFill>
+                      <a:srgbClr val="FFC000"/>
+                    </a:solidFill>
+                  </a:tcPr>
+                </a:tc>
+                <a:tc>
+                  <a:txBody>
+                    <a:bodyPr/>
+                    <a:lstStyle/>
+                    <a:p>
+                      <a:pPr algn="l"/>
+                      <a:endParaRPr lang="fr-FR" sz="2600" dirty="0"/>
+                    </a:p>
+                  </a:txBody>
+                  <a:tcPr marL="132187" marR="132187" marT="66093" marB="66093">
+                    <a:lnL w="12700" cap="flat" cmpd="sng" algn="ctr">
+                      <a:solidFill>
+                        <a:schemeClr val="tx1"/>
+                      </a:solidFill>
+                      <a:prstDash val="solid"/>
+                      <a:round/>
+                      <a:headEnd type="none" w="med" len="med"/>
+                      <a:tailEnd type="none" w="med" len="med"/>
+                    </a:lnL>
+                    <a:lnR w="12700" cap="flat" cmpd="sng" algn="ctr">
+                      <a:solidFill>
+                        <a:schemeClr val="tx1"/>
+                      </a:solidFill>
+                      <a:prstDash val="solid"/>
+                      <a:round/>
+                      <a:headEnd type="none" w="med" len="med"/>
+                      <a:tailEnd type="none" w="med" len="med"/>
+                    </a:lnR>
+                    <a:lnT w="12700" cap="flat" cmpd="sng" algn="ctr">
+                      <a:solidFill>
+                        <a:schemeClr val="tx1"/>
+                      </a:solidFill>
+                      <a:prstDash val="solid"/>
+                      <a:round/>
+                      <a:headEnd type="none" w="med" len="med"/>
+                      <a:tailEnd type="none" w="med" len="med"/>
+                    </a:lnT>
+                    <a:lnB w="12700" cap="flat" cmpd="sng" algn="ctr">
+                      <a:solidFill>
+                        <a:schemeClr val="tx1"/>
+                      </a:solidFill>
+                      <a:prstDash val="solid"/>
+                      <a:round/>
+                      <a:headEnd type="none" w="med" len="med"/>
+                      <a:tailEnd type="none" w="med" len="med"/>
+                    </a:lnB>
+                    <a:solidFill>
+                      <a:srgbClr val="0070C0"/>
+                    </a:solidFill>
+                  </a:tcPr>
+                </a:tc>
+                <a:tc>
+                  <a:txBody>
+                    <a:bodyPr/>
+                    <a:lstStyle/>
+                    <a:p>
                       <a:endParaRPr lang="fr-FR" sz="2600" dirty="0"/>
                     </a:p>
                   </a:txBody>
@@ -23538,7 +22842,7 @@
                       <a:tailEnd type="none" w="med" len="med"/>
                     </a:lnB>
                     <a:solidFill>
-                      <a:srgbClr val="FFFF00"/>
+                      <a:srgbClr val="002060"/>
                     </a:solidFill>
                   </a:tcPr>
                 </a:tc>
@@ -23588,22 +22892,78 @@
                       <a:tailEnd type="none" w="med" len="med"/>
                     </a:lnB>
                     <a:solidFill>
-                      <a:srgbClr val="92D050"/>
+                      <a:srgbClr val="C00000"/>
                     </a:solidFill>
                   </a:tcPr>
                 </a:tc>
                 <a:extLst>
                   <a:ext uri="{0D108BD9-81ED-4DB2-BD59-A6C34878D82A}">
-                    <a16:rowId xmlns:a16="http://schemas.microsoft.com/office/drawing/2014/main" val="2360231404"/>
+                    <a16:rowId xmlns:a16="http://schemas.microsoft.com/office/drawing/2014/main" val="1820162900"/>
                   </a:ext>
                 </a:extLst>
               </a:tr>
-              <a:tr h="720000">
+              <a:tr h="601658">
                 <a:tc>
                   <a:txBody>
                     <a:bodyPr/>
                     <a:lstStyle/>
                     <a:p>
+                      <a:pPr algn="l"/>
+                      <a:endParaRPr lang="fr-FR" sz="2600" dirty="0">
+                        <a:solidFill>
+                          <a:srgbClr val="7030A0"/>
+                        </a:solidFill>
+                      </a:endParaRPr>
+                    </a:p>
+                  </a:txBody>
+                  <a:tcPr marL="132187" marR="132187" marT="66093" marB="66093">
+                    <a:lnL w="12700" cap="flat" cmpd="sng" algn="ctr">
+                      <a:solidFill>
+                        <a:schemeClr val="tx1"/>
+                      </a:solidFill>
+                      <a:prstDash val="solid"/>
+                      <a:round/>
+                      <a:headEnd type="none" w="med" len="med"/>
+                      <a:tailEnd type="none" w="med" len="med"/>
+                    </a:lnL>
+                    <a:lnR w="12700" cap="flat" cmpd="sng" algn="ctr">
+                      <a:solidFill>
+                        <a:schemeClr val="tx1"/>
+                      </a:solidFill>
+                      <a:prstDash val="solid"/>
+                      <a:round/>
+                      <a:headEnd type="none" w="med" len="med"/>
+                      <a:tailEnd type="none" w="med" len="med"/>
+                    </a:lnR>
+                    <a:lnT w="12700" cap="flat" cmpd="sng" algn="ctr">
+                      <a:solidFill>
+                        <a:schemeClr val="tx1"/>
+                      </a:solidFill>
+                      <a:prstDash val="solid"/>
+                      <a:round/>
+                      <a:headEnd type="none" w="med" len="med"/>
+                      <a:tailEnd type="none" w="med" len="med"/>
+                    </a:lnT>
+                    <a:lnB w="12700" cap="flat" cmpd="sng" algn="ctr">
+                      <a:solidFill>
+                        <a:schemeClr val="tx1"/>
+                      </a:solidFill>
+                      <a:prstDash val="solid"/>
+                      <a:round/>
+                      <a:headEnd type="none" w="med" len="med"/>
+                      <a:tailEnd type="none" w="med" len="med"/>
+                    </a:lnB>
+                    <a:solidFill>
+                      <a:srgbClr val="7030A0"/>
+                    </a:solidFill>
+                  </a:tcPr>
+                </a:tc>
+                <a:tc>
+                  <a:txBody>
+                    <a:bodyPr/>
+                    <a:lstStyle/>
+                    <a:p>
+                      <a:pPr algn="l"/>
                       <a:endParaRPr lang="fr-FR" sz="2600" dirty="0"/>
                     </a:p>
                   </a:txBody>
@@ -23645,7 +23005,109 @@
                       <a:tailEnd type="none" w="med" len="med"/>
                     </a:lnB>
                     <a:solidFill>
-                      <a:srgbClr val="00B0F0"/>
+                      <a:srgbClr val="C00000"/>
+                    </a:solidFill>
+                  </a:tcPr>
+                </a:tc>
+                <a:tc>
+                  <a:txBody>
+                    <a:bodyPr/>
+                    <a:lstStyle/>
+                    <a:p>
+                      <a:pPr algn="l"/>
+                      <a:endParaRPr lang="fr-FR" sz="2600" dirty="0"/>
+                    </a:p>
+                  </a:txBody>
+                  <a:tcPr marL="132187" marR="132187" marT="66093" marB="66093">
+                    <a:lnL w="12700" cap="flat" cmpd="sng" algn="ctr">
+                      <a:solidFill>
+                        <a:schemeClr val="tx1"/>
+                      </a:solidFill>
+                      <a:prstDash val="solid"/>
+                      <a:round/>
+                      <a:headEnd type="none" w="med" len="med"/>
+                      <a:tailEnd type="none" w="med" len="med"/>
+                    </a:lnL>
+                    <a:lnR w="12700" cap="flat" cmpd="sng" algn="ctr">
+                      <a:solidFill>
+                        <a:schemeClr val="tx1"/>
+                      </a:solidFill>
+                      <a:prstDash val="solid"/>
+                      <a:round/>
+                      <a:headEnd type="none" w="med" len="med"/>
+                      <a:tailEnd type="none" w="med" len="med"/>
+                    </a:lnR>
+                    <a:lnT w="12700" cap="flat" cmpd="sng" algn="ctr">
+                      <a:solidFill>
+                        <a:schemeClr val="tx1"/>
+                      </a:solidFill>
+                      <a:prstDash val="solid"/>
+                      <a:round/>
+                      <a:headEnd type="none" w="med" len="med"/>
+                      <a:tailEnd type="none" w="med" len="med"/>
+                    </a:lnT>
+                    <a:lnB w="12700" cap="flat" cmpd="sng" algn="ctr">
+                      <a:solidFill>
+                        <a:schemeClr val="tx1"/>
+                      </a:solidFill>
+                      <a:prstDash val="solid"/>
+                      <a:round/>
+                      <a:headEnd type="none" w="med" len="med"/>
+                      <a:tailEnd type="none" w="med" len="med"/>
+                    </a:lnB>
+                    <a:solidFill>
+                      <a:srgbClr val="002060"/>
+                    </a:solidFill>
+                  </a:tcPr>
+                </a:tc>
+                <a:tc>
+                  <a:txBody>
+                    <a:bodyPr/>
+                    <a:lstStyle/>
+                    <a:p>
+                      <a:pPr algn="l"/>
+                      <a:endParaRPr lang="fr-FR" sz="2600" dirty="0"/>
+                    </a:p>
+                  </a:txBody>
+                  <a:tcPr marL="132187" marR="132187" marT="66093" marB="66093">
+                    <a:lnL w="12700" cap="flat" cmpd="sng" algn="ctr">
+                      <a:solidFill>
+                        <a:schemeClr val="tx1"/>
+                      </a:solidFill>
+                      <a:prstDash val="solid"/>
+                      <a:round/>
+                      <a:headEnd type="none" w="med" len="med"/>
+                      <a:tailEnd type="none" w="med" len="med"/>
+                    </a:lnL>
+                    <a:lnR w="12700" cap="flat" cmpd="sng" algn="ctr">
+                      <a:solidFill>
+                        <a:schemeClr val="tx1"/>
+                      </a:solidFill>
+                      <a:prstDash val="solid"/>
+                      <a:round/>
+                      <a:headEnd type="none" w="med" len="med"/>
+                      <a:tailEnd type="none" w="med" len="med"/>
+                    </a:lnR>
+                    <a:lnT w="12700" cap="flat" cmpd="sng" algn="ctr">
+                      <a:solidFill>
+                        <a:schemeClr val="tx1"/>
+                      </a:solidFill>
+                      <a:prstDash val="solid"/>
+                      <a:round/>
+                      <a:headEnd type="none" w="med" len="med"/>
+                      <a:tailEnd type="none" w="med" len="med"/>
+                    </a:lnT>
+                    <a:lnB w="12700" cap="flat" cmpd="sng" algn="ctr">
+                      <a:solidFill>
+                        <a:schemeClr val="tx1"/>
+                      </a:solidFill>
+                      <a:prstDash val="solid"/>
+                      <a:round/>
+                      <a:headEnd type="none" w="med" len="med"/>
+                      <a:tailEnd type="none" w="med" len="med"/>
+                    </a:lnB>
+                    <a:solidFill>
+                      <a:srgbClr val="FF0000"/>
                     </a:solidFill>
                   </a:tcPr>
                 </a:tc>
@@ -23695,65 +23157,10 @@
                       <a:tailEnd type="none" w="med" len="med"/>
                     </a:lnB>
                     <a:solidFill>
-                      <a:srgbClr val="7030A0"/>
+                      <a:srgbClr val="0070C0"/>
                     </a:solidFill>
                   </a:tcPr>
                 </a:tc>
-                <a:tc>
-                  <a:txBody>
-                    <a:bodyPr/>
-                    <a:lstStyle/>
-                    <a:p>
-                      <a:endParaRPr lang="fr-FR" sz="2600" dirty="0"/>
-                    </a:p>
-                  </a:txBody>
-                  <a:tcPr marL="132187" marR="132187" marT="66093" marB="66093">
-                    <a:lnL w="12700" cap="flat" cmpd="sng" algn="ctr">
-                      <a:solidFill>
-                        <a:schemeClr val="tx1"/>
-                      </a:solidFill>
-                      <a:prstDash val="solid"/>
-                      <a:round/>
-                      <a:headEnd type="none" w="med" len="med"/>
-                      <a:tailEnd type="none" w="med" len="med"/>
-                    </a:lnL>
-                    <a:lnR w="12700" cap="flat" cmpd="sng" algn="ctr">
-                      <a:solidFill>
-                        <a:schemeClr val="tx1"/>
-                      </a:solidFill>
-                      <a:prstDash val="solid"/>
-                      <a:round/>
-                      <a:headEnd type="none" w="med" len="med"/>
-                      <a:tailEnd type="none" w="med" len="med"/>
-                    </a:lnR>
-                    <a:lnT w="12700" cap="flat" cmpd="sng" algn="ctr">
-                      <a:solidFill>
-                        <a:schemeClr val="tx1"/>
-                      </a:solidFill>
-                      <a:prstDash val="solid"/>
-                      <a:round/>
-                      <a:headEnd type="none" w="med" len="med"/>
-                      <a:tailEnd type="none" w="med" len="med"/>
-                    </a:lnT>
-                    <a:lnB w="12700" cap="flat" cmpd="sng" algn="ctr">
-                      <a:solidFill>
-                        <a:schemeClr val="tx1"/>
-                      </a:solidFill>
-                      <a:prstDash val="solid"/>
-                      <a:round/>
-                      <a:headEnd type="none" w="med" len="med"/>
-                      <a:tailEnd type="none" w="med" len="med"/>
-                    </a:lnB>
-                    <a:noFill/>
-                  </a:tcPr>
-                </a:tc>
-                <a:extLst>
-                  <a:ext uri="{0D108BD9-81ED-4DB2-BD59-A6C34878D82A}">
-                    <a16:rowId xmlns:a16="http://schemas.microsoft.com/office/drawing/2014/main" val="1393869482"/>
-                  </a:ext>
-                </a:extLst>
-              </a:tr>
-              <a:tr h="720000">
                 <a:tc>
                   <a:txBody>
                     <a:bodyPr/>
@@ -23850,63 +23257,13 @@
                       <a:tailEnd type="none" w="med" len="med"/>
                     </a:lnB>
                     <a:solidFill>
-                      <a:schemeClr val="tx1"/>
-                    </a:solidFill>
-                  </a:tcPr>
-                </a:tc>
-                <a:tc>
-                  <a:txBody>
-                    <a:bodyPr/>
-                    <a:lstStyle/>
-                    <a:p>
-                      <a:endParaRPr lang="fr-FR" sz="2600" dirty="0"/>
-                    </a:p>
-                  </a:txBody>
-                  <a:tcPr marL="132187" marR="132187" marT="66093" marB="66093">
-                    <a:lnL w="12700" cap="flat" cmpd="sng" algn="ctr">
-                      <a:solidFill>
-                        <a:schemeClr val="tx1"/>
-                      </a:solidFill>
-                      <a:prstDash val="solid"/>
-                      <a:round/>
-                      <a:headEnd type="none" w="med" len="med"/>
-                      <a:tailEnd type="none" w="med" len="med"/>
-                    </a:lnL>
-                    <a:lnR w="12700" cap="flat" cmpd="sng" algn="ctr">
-                      <a:solidFill>
-                        <a:schemeClr val="tx1"/>
-                      </a:solidFill>
-                      <a:prstDash val="solid"/>
-                      <a:round/>
-                      <a:headEnd type="none" w="med" len="med"/>
-                      <a:tailEnd type="none" w="med" len="med"/>
-                    </a:lnR>
-                    <a:lnT w="12700" cap="flat" cmpd="sng" algn="ctr">
-                      <a:solidFill>
-                        <a:schemeClr val="tx1"/>
-                      </a:solidFill>
-                      <a:prstDash val="solid"/>
-                      <a:round/>
-                      <a:headEnd type="none" w="med" len="med"/>
-                      <a:tailEnd type="none" w="med" len="med"/>
-                    </a:lnT>
-                    <a:lnB w="12700" cap="flat" cmpd="sng" algn="ctr">
-                      <a:solidFill>
-                        <a:schemeClr val="tx1"/>
-                      </a:solidFill>
-                      <a:prstDash val="solid"/>
-                      <a:round/>
-                      <a:headEnd type="none" w="med" len="med"/>
-                      <a:tailEnd type="none" w="med" len="med"/>
-                    </a:lnB>
-                    <a:solidFill>
-                      <a:srgbClr val="0070C0"/>
+                      <a:srgbClr val="FFFF00"/>
                     </a:solidFill>
                   </a:tcPr>
                 </a:tc>
                 <a:extLst>
                   <a:ext uri="{0D108BD9-81ED-4DB2-BD59-A6C34878D82A}">
-                    <a16:rowId xmlns:a16="http://schemas.microsoft.com/office/drawing/2014/main" val="2748374603"/>
+                    <a16:rowId xmlns:a16="http://schemas.microsoft.com/office/drawing/2014/main" val="2268662135"/>
                   </a:ext>
                 </a:extLst>
               </a:tr>
@@ -23916,10 +23273,10 @@
       </p:graphicFrame>
       <p:sp>
         <p:nvSpPr>
-          <p:cNvPr id="2" name="Rectangle 1">
+          <p:cNvPr id="9" name="Rectangle 1">
             <a:extLst>
               <a:ext uri="{FF2B5EF4-FFF2-40B4-BE49-F238E27FC236}">
-                <a16:creationId xmlns:a16="http://schemas.microsoft.com/office/drawing/2014/main" id="{9B061C50-EB6E-47D7-83A5-B2CF73253D64}"/>
+                <a16:creationId xmlns:a16="http://schemas.microsoft.com/office/drawing/2014/main" id="{D00B20B9-F0AC-4B16-8541-E6BB720997A5}"/>
               </a:ext>
             </a:extLst>
           </p:cNvPr>
@@ -23930,8 +23287,8 @@
         </p:nvSpPr>
         <p:spPr bwMode="auto">
           <a:xfrm>
-            <a:off x="1262015" y="3118185"/>
-            <a:ext cx="3018579" cy="2769989"/>
+            <a:off x="1284582" y="3136167"/>
+            <a:ext cx="2672275" cy="2462213"/>
           </a:xfrm>
           <a:prstGeom prst="rect">
             <a:avLst/>
@@ -23991,7 +23348,7 @@
               <a:tabLst/>
             </a:pPr>
             <a:r>
-              <a:rPr kumimoji="0" lang="fr-FR" altLang="fr-FR" b="0" i="0" u="none" strike="noStrike" cap="none" normalizeH="0" baseline="0" dirty="0">
+              <a:rPr kumimoji="0" lang="fr-FR" altLang="fr-FR" sz="1600" b="0" i="0" u="none" strike="noStrike" cap="none" normalizeH="0" baseline="0" dirty="0">
                 <a:ln>
                   <a:noFill/>
                 </a:ln>
@@ -24000,280 +23357,10 @@
                 </a:solidFill>
                 <a:effectLst/>
               </a:rPr>
-              <a:t>[[3, 1, 1, 3, 1, 2, 2, 3, 2, 2], </a:t>
-            </a:r>
-          </a:p>
-          <a:p>
-            <a:pPr marL="0" marR="0" lvl="0" indent="0" algn="l" defTabSz="914400" rtl="0" eaLnBrk="0" fontAlgn="base" latinLnBrk="0" hangingPunct="0">
-              <a:lnSpc>
-                <a:spcPct val="100000"/>
-              </a:lnSpc>
-              <a:spcBef>
-                <a:spcPct val="0"/>
-              </a:spcBef>
-              <a:spcAft>
-                <a:spcPct val="0"/>
-              </a:spcAft>
-              <a:buClrTx/>
-              <a:buSzTx/>
-              <a:buFontTx/>
-              <a:buNone/>
-              <a:tabLst/>
-            </a:pPr>
-            <a:r>
-              <a:rPr kumimoji="0" lang="fr-FR" altLang="fr-FR" b="0" i="0" u="none" strike="noStrike" cap="none" normalizeH="0" baseline="0" dirty="0">
-                <a:ln>
-                  <a:noFill/>
-                </a:ln>
-                <a:solidFill>
-                  <a:srgbClr val="000000"/>
-                </a:solidFill>
-                <a:effectLst/>
-              </a:rPr>
-              <a:t>[1, 1, 2, 3, 1, 3, 1, 2, 2, 3], </a:t>
-            </a:r>
-          </a:p>
-          <a:p>
-            <a:pPr marL="0" marR="0" lvl="0" indent="0" algn="l" defTabSz="914400" rtl="0" eaLnBrk="0" fontAlgn="base" latinLnBrk="0" hangingPunct="0">
-              <a:lnSpc>
-                <a:spcPct val="100000"/>
-              </a:lnSpc>
-              <a:spcBef>
-                <a:spcPct val="0"/>
-              </a:spcBef>
-              <a:spcAft>
-                <a:spcPct val="0"/>
-              </a:spcAft>
-              <a:buClrTx/>
-              <a:buSzTx/>
-              <a:buFontTx/>
-              <a:buNone/>
-              <a:tabLst/>
-            </a:pPr>
-            <a:r>
-              <a:rPr kumimoji="0" lang="fr-FR" altLang="fr-FR" b="0" i="0" u="none" strike="noStrike" cap="none" normalizeH="0" baseline="0" dirty="0">
-                <a:ln>
-                  <a:noFill/>
-                </a:ln>
-                <a:solidFill>
-                  <a:srgbClr val="000000"/>
-                </a:solidFill>
-                <a:effectLst/>
-              </a:rPr>
-              <a:t>[2, 1, 1, 3, 3, 2, 3, 3, 1, 2], </a:t>
-            </a:r>
-          </a:p>
-          <a:p>
-            <a:pPr marL="0" marR="0" lvl="0" indent="0" algn="l" defTabSz="914400" rtl="0" eaLnBrk="0" fontAlgn="base" latinLnBrk="0" hangingPunct="0">
-              <a:lnSpc>
-                <a:spcPct val="100000"/>
-              </a:lnSpc>
-              <a:spcBef>
-                <a:spcPct val="0"/>
-              </a:spcBef>
-              <a:spcAft>
-                <a:spcPct val="0"/>
-              </a:spcAft>
-              <a:buClrTx/>
-              <a:buSzTx/>
-              <a:buFontTx/>
-              <a:buNone/>
-              <a:tabLst/>
-            </a:pPr>
-            <a:r>
-              <a:rPr kumimoji="0" lang="fr-FR" altLang="fr-FR" b="0" i="0" u="none" strike="noStrike" cap="none" normalizeH="0" baseline="0" dirty="0">
-                <a:ln>
-                  <a:noFill/>
-                </a:ln>
-                <a:solidFill>
-                  <a:srgbClr val="000000"/>
-                </a:solidFill>
-                <a:effectLst/>
-              </a:rPr>
-              <a:t>[1, 1, 3, 1, 2, 3, 3, 3, 1, 2], </a:t>
-            </a:r>
-          </a:p>
-          <a:p>
-            <a:pPr marL="0" marR="0" lvl="0" indent="0" algn="l" defTabSz="914400" rtl="0" eaLnBrk="0" fontAlgn="base" latinLnBrk="0" hangingPunct="0">
-              <a:lnSpc>
-                <a:spcPct val="100000"/>
-              </a:lnSpc>
-              <a:spcBef>
-                <a:spcPct val="0"/>
-              </a:spcBef>
-              <a:spcAft>
-                <a:spcPct val="0"/>
-              </a:spcAft>
-              <a:buClrTx/>
-              <a:buSzTx/>
-              <a:buFontTx/>
-              <a:buNone/>
-              <a:tabLst/>
-            </a:pPr>
-            <a:r>
-              <a:rPr kumimoji="0" lang="fr-FR" altLang="fr-FR" b="0" i="0" u="none" strike="noStrike" cap="none" normalizeH="0" baseline="0" dirty="0">
-                <a:ln>
-                  <a:noFill/>
-                </a:ln>
-                <a:solidFill>
-                  <a:srgbClr val="000000"/>
-                </a:solidFill>
-                <a:effectLst/>
-              </a:rPr>
-              <a:t>[1, 2, 1, 1, 1, 3, 2, 1, 3, 2], </a:t>
-            </a:r>
-          </a:p>
-          <a:p>
-            <a:pPr marL="0" marR="0" lvl="0" indent="0" algn="l" defTabSz="914400" rtl="0" eaLnBrk="0" fontAlgn="base" latinLnBrk="0" hangingPunct="0">
-              <a:lnSpc>
-                <a:spcPct val="100000"/>
-              </a:lnSpc>
-              <a:spcBef>
-                <a:spcPct val="0"/>
-              </a:spcBef>
-              <a:spcAft>
-                <a:spcPct val="0"/>
-              </a:spcAft>
-              <a:buClrTx/>
-              <a:buSzTx/>
-              <a:buFontTx/>
-              <a:buNone/>
-              <a:tabLst/>
-            </a:pPr>
-            <a:r>
-              <a:rPr kumimoji="0" lang="fr-FR" altLang="fr-FR" b="0" i="0" u="none" strike="noStrike" cap="none" normalizeH="0" baseline="0" dirty="0">
-                <a:ln>
-                  <a:noFill/>
-                </a:ln>
-                <a:solidFill>
-                  <a:srgbClr val="000000"/>
-                </a:solidFill>
-                <a:effectLst/>
-              </a:rPr>
-              <a:t>[1, 1, 1, 3, 2, 1, 3, 3, 1, 1], </a:t>
-            </a:r>
-          </a:p>
-          <a:p>
-            <a:pPr marL="0" marR="0" lvl="0" indent="0" algn="l" defTabSz="914400" rtl="0" eaLnBrk="0" fontAlgn="base" latinLnBrk="0" hangingPunct="0">
-              <a:lnSpc>
-                <a:spcPct val="100000"/>
-              </a:lnSpc>
-              <a:spcBef>
-                <a:spcPct val="0"/>
-              </a:spcBef>
-              <a:spcAft>
-                <a:spcPct val="0"/>
-              </a:spcAft>
-              <a:buClrTx/>
-              <a:buSzTx/>
-              <a:buFontTx/>
-              <a:buNone/>
-              <a:tabLst/>
-            </a:pPr>
-            <a:r>
-              <a:rPr kumimoji="0" lang="fr-FR" altLang="fr-FR" b="0" i="0" u="none" strike="noStrike" cap="none" normalizeH="0" baseline="0" dirty="0">
-                <a:ln>
-                  <a:noFill/>
-                </a:ln>
-                <a:solidFill>
-                  <a:srgbClr val="000000"/>
-                </a:solidFill>
-                <a:effectLst/>
-              </a:rPr>
-              <a:t>[2, 3, 3, 1, 3, 2, 3, 3, 1, 2], </a:t>
-            </a:r>
-          </a:p>
-          <a:p>
-            <a:pPr marL="0" marR="0" lvl="0" indent="0" algn="l" defTabSz="914400" rtl="0" eaLnBrk="0" fontAlgn="base" latinLnBrk="0" hangingPunct="0">
-              <a:lnSpc>
-                <a:spcPct val="100000"/>
-              </a:lnSpc>
-              <a:spcBef>
-                <a:spcPct val="0"/>
-              </a:spcBef>
-              <a:spcAft>
-                <a:spcPct val="0"/>
-              </a:spcAft>
-              <a:buClrTx/>
-              <a:buSzTx/>
-              <a:buFontTx/>
-              <a:buNone/>
-              <a:tabLst/>
-            </a:pPr>
-            <a:r>
-              <a:rPr kumimoji="0" lang="fr-FR" altLang="fr-FR" b="0" i="0" u="none" strike="noStrike" cap="none" normalizeH="0" baseline="0" dirty="0">
-                <a:ln>
-                  <a:noFill/>
-                </a:ln>
-                <a:solidFill>
-                  <a:srgbClr val="000000"/>
-                </a:solidFill>
-                <a:effectLst/>
-              </a:rPr>
-              <a:t>[1, 3, 2, 1, 2, 3, 1, 3, 3, 2], </a:t>
-            </a:r>
-          </a:p>
-          <a:p>
-            <a:pPr marL="0" marR="0" lvl="0" indent="0" algn="l" defTabSz="914400" rtl="0" eaLnBrk="0" fontAlgn="base" latinLnBrk="0" hangingPunct="0">
-              <a:lnSpc>
-                <a:spcPct val="100000"/>
-              </a:lnSpc>
-              <a:spcBef>
-                <a:spcPct val="0"/>
-              </a:spcBef>
-              <a:spcAft>
-                <a:spcPct val="0"/>
-              </a:spcAft>
-              <a:buClrTx/>
-              <a:buSzTx/>
-              <a:buFontTx/>
-              <a:buNone/>
-              <a:tabLst/>
-            </a:pPr>
-            <a:r>
-              <a:rPr kumimoji="0" lang="fr-FR" altLang="fr-FR" b="0" i="0" u="none" strike="noStrike" cap="none" normalizeH="0" baseline="0" dirty="0">
-                <a:ln>
-                  <a:noFill/>
-                </a:ln>
-                <a:solidFill>
-                  <a:srgbClr val="000000"/>
-                </a:solidFill>
-                <a:effectLst/>
-              </a:rPr>
-              <a:t>[1, 1, 2, 3, 1, 3, 3, 3, 1, 2], </a:t>
-            </a:r>
-          </a:p>
-          <a:p>
-            <a:pPr marL="0" marR="0" lvl="0" indent="0" algn="l" defTabSz="914400" rtl="0" eaLnBrk="0" fontAlgn="base" latinLnBrk="0" hangingPunct="0">
-              <a:lnSpc>
-                <a:spcPct val="100000"/>
-              </a:lnSpc>
-              <a:spcBef>
-                <a:spcPct val="0"/>
-              </a:spcBef>
-              <a:spcAft>
-                <a:spcPct val="0"/>
-              </a:spcAft>
-              <a:buClrTx/>
-              <a:buSzTx/>
-              <a:buFontTx/>
-              <a:buNone/>
-              <a:tabLst/>
-            </a:pPr>
-            <a:r>
-              <a:rPr kumimoji="0" lang="fr-FR" altLang="fr-FR" b="0" i="0" u="none" strike="noStrike" cap="none" normalizeH="0" baseline="0" dirty="0">
-                <a:ln>
-                  <a:noFill/>
-                </a:ln>
-                <a:solidFill>
-                  <a:srgbClr val="000000"/>
-                </a:solidFill>
-                <a:effectLst/>
-              </a:rPr>
-              <a:t>[1, 2, 2, 2, 3, 3, 2, 1, 2, 2]]</a:t>
-            </a:r>
-            <a:r>
-              <a:rPr kumimoji="0" lang="fr-FR" altLang="fr-FR" b="0" i="0" u="none" strike="noStrike" cap="none" normalizeH="0" baseline="0" dirty="0">
+              <a:t>[[3, 4, 4, 4, 3, 4, 1, 3, 5, 4], [4, 5, 5, 3, 3, 3, 1, 5, 3, 3], [4, 4, 4, 3, 2, 1, 3, 4, 3, 3], [5, 3, 2, 1, 4, 4, 1, 1, 1, 4], [2, 2, 1, 1, 3, 4, 4, 1, 2, 1], [3, 2, 4, 2, 5, 2, 1, 4, 4, 5], [3, 3, 1, 5, 2, 4, 5, 4, 2, 3], [5, 4, 5, 2, 5, 5, 4, 2, 4, 3], [4, 4, 1, 3, 5, 4, 2, 4, 5, 1], [1, 5, 5, 3, 1, 1, 3, 1, 5, 3]]</a:t>
+            </a:r>
+            <a:r>
+              <a:rPr kumimoji="0" lang="fr-FR" altLang="fr-FR" sz="1200" b="0" i="0" u="none" strike="noStrike" cap="none" normalizeH="0" baseline="0" dirty="0">
                 <a:ln>
                   <a:noFill/>
                 </a:ln>
@@ -24284,6 +23371,15 @@
               </a:rPr>
               <a:t> </a:t>
             </a:r>
+            <a:endParaRPr kumimoji="0" lang="fr-FR" altLang="fr-FR" sz="3600" b="0" i="0" u="none" strike="noStrike" cap="none" normalizeH="0" baseline="0" dirty="0">
+              <a:ln>
+                <a:noFill/>
+              </a:ln>
+              <a:solidFill>
+                <a:schemeClr val="tx1"/>
+              </a:solidFill>
+              <a:effectLst/>
+            </a:endParaRPr>
           </a:p>
         </p:txBody>
       </p:sp>
@@ -24491,10 +23587,95 @@
       </p:sp>
       <p:sp>
         <p:nvSpPr>
-          <p:cNvPr id="7" name="Rectangle 6">
+          <p:cNvPr id="3" name="ZoneTexte 2">
             <a:extLst>
               <a:ext uri="{FF2B5EF4-FFF2-40B4-BE49-F238E27FC236}">
-                <a16:creationId xmlns:a16="http://schemas.microsoft.com/office/drawing/2014/main" id="{C2FDB604-DAAB-41EF-9958-B8DF05F7BE06}"/>
+                <a16:creationId xmlns:a16="http://schemas.microsoft.com/office/drawing/2014/main" id="{EB3BD74C-BE42-4069-9B7A-5922789AACF0}"/>
+              </a:ext>
+            </a:extLst>
+          </p:cNvPr>
+          <p:cNvSpPr txBox="1"/>
+          <p:nvPr/>
+        </p:nvSpPr>
+        <p:spPr>
+          <a:xfrm>
+            <a:off x="6038335" y="4019367"/>
+            <a:ext cx="3055645" cy="2031325"/>
+          </a:xfrm>
+          <a:prstGeom prst="rect">
+            <a:avLst/>
+          </a:prstGeom>
+          <a:noFill/>
+        </p:spPr>
+        <p:txBody>
+          <a:bodyPr wrap="none" rtlCol="0">
+            <a:spAutoFit/>
+          </a:bodyPr>
+          <a:lstStyle/>
+          <a:p>
+            <a:r>
+              <a:rPr lang="fr-FR" u="sng" dirty="0"/>
+              <a:t>Donc :</a:t>
+            </a:r>
+            <a:r>
+              <a:rPr lang="fr-FR" dirty="0"/>
+              <a:t> </a:t>
+            </a:r>
+          </a:p>
+          <a:p>
+            <a:endParaRPr lang="fr-FR" dirty="0"/>
+          </a:p>
+          <a:p>
+            <a:r>
+              <a:rPr lang="fr-FR" dirty="0"/>
+              <a:t>A = W[Ax][Ay] = W[6][9] = 1</a:t>
+            </a:r>
+          </a:p>
+          <a:p>
+            <a:r>
+              <a:rPr lang="fr-FR" dirty="0"/>
+              <a:t>B = W[Bx][By] = W[4][6] = 2</a:t>
+            </a:r>
+          </a:p>
+          <a:p>
+            <a:r>
+              <a:rPr lang="fr-FR" dirty="0"/>
+              <a:t>C = W[Cx][</a:t>
+            </a:r>
+            <a:r>
+              <a:rPr lang="fr-FR" dirty="0" err="1"/>
+              <a:t>Cy</a:t>
+            </a:r>
+            <a:r>
+              <a:rPr lang="fr-FR" dirty="0"/>
+              <a:t>] = W[4][3] = 2</a:t>
+            </a:r>
+          </a:p>
+          <a:p>
+            <a:r>
+              <a:rPr lang="fr-FR" dirty="0"/>
+              <a:t>D = W[</a:t>
+            </a:r>
+            <a:r>
+              <a:rPr lang="fr-FR" dirty="0" err="1"/>
+              <a:t>Dx</a:t>
+            </a:r>
+            <a:r>
+              <a:rPr lang="fr-FR" dirty="0"/>
+              <a:t>][Dy] = W[7][5] = 1</a:t>
+            </a:r>
+          </a:p>
+          <a:p>
+            <a:endParaRPr lang="fr-FR" dirty="0"/>
+          </a:p>
+        </p:txBody>
+      </p:sp>
+      <p:sp>
+        <p:nvSpPr>
+          <p:cNvPr id="8" name="Rectangle 1">
+            <a:extLst>
+              <a:ext uri="{FF2B5EF4-FFF2-40B4-BE49-F238E27FC236}">
+                <a16:creationId xmlns:a16="http://schemas.microsoft.com/office/drawing/2014/main" id="{6FB27D65-A781-4521-8528-FED5AC3BBCCA}"/>
               </a:ext>
             </a:extLst>
           </p:cNvPr>
@@ -24505,8 +23686,8 @@
         </p:nvSpPr>
         <p:spPr bwMode="auto">
           <a:xfrm>
-            <a:off x="1275098" y="3013836"/>
-            <a:ext cx="3018579" cy="2769989"/>
+            <a:off x="1259644" y="3003163"/>
+            <a:ext cx="2672275" cy="2462213"/>
           </a:xfrm>
           <a:prstGeom prst="rect">
             <a:avLst/>
@@ -24566,7 +23747,7 @@
               <a:tabLst/>
             </a:pPr>
             <a:r>
-              <a:rPr kumimoji="0" lang="fr-FR" altLang="fr-FR" b="0" i="0" u="none" strike="noStrike" cap="none" normalizeH="0" baseline="0" dirty="0">
+              <a:rPr kumimoji="0" lang="fr-FR" altLang="fr-FR" sz="1600" b="0" i="0" u="none" strike="noStrike" cap="none" normalizeH="0" baseline="0" dirty="0">
                 <a:ln>
                   <a:noFill/>
                 </a:ln>
@@ -24575,384 +23756,10 @@
                 </a:solidFill>
                 <a:effectLst/>
               </a:rPr>
-              <a:t>[[3, 1, 1, 3, 1, 2, 2, 3, 2, 2], </a:t>
-            </a:r>
-          </a:p>
-          <a:p>
-            <a:pPr marL="0" marR="0" lvl="0" indent="0" algn="l" defTabSz="914400" rtl="0" eaLnBrk="0" fontAlgn="base" latinLnBrk="0" hangingPunct="0">
-              <a:lnSpc>
-                <a:spcPct val="100000"/>
-              </a:lnSpc>
-              <a:spcBef>
-                <a:spcPct val="0"/>
-              </a:spcBef>
-              <a:spcAft>
-                <a:spcPct val="0"/>
-              </a:spcAft>
-              <a:buClrTx/>
-              <a:buSzTx/>
-              <a:buFontTx/>
-              <a:buNone/>
-              <a:tabLst/>
-            </a:pPr>
-            <a:r>
-              <a:rPr kumimoji="0" lang="fr-FR" altLang="fr-FR" b="0" i="0" u="none" strike="noStrike" cap="none" normalizeH="0" baseline="0" dirty="0">
-                <a:ln>
-                  <a:noFill/>
-                </a:ln>
-                <a:solidFill>
-                  <a:srgbClr val="000000"/>
-                </a:solidFill>
-                <a:effectLst/>
-              </a:rPr>
-              <a:t>[1, 1, 2, 3, 1, 3, 1, 2, 2, 3], </a:t>
-            </a:r>
-          </a:p>
-          <a:p>
-            <a:pPr marL="0" marR="0" lvl="0" indent="0" algn="l" defTabSz="914400" rtl="0" eaLnBrk="0" fontAlgn="base" latinLnBrk="0" hangingPunct="0">
-              <a:lnSpc>
-                <a:spcPct val="100000"/>
-              </a:lnSpc>
-              <a:spcBef>
-                <a:spcPct val="0"/>
-              </a:spcBef>
-              <a:spcAft>
-                <a:spcPct val="0"/>
-              </a:spcAft>
-              <a:buClrTx/>
-              <a:buSzTx/>
-              <a:buFontTx/>
-              <a:buNone/>
-              <a:tabLst/>
-            </a:pPr>
-            <a:r>
-              <a:rPr kumimoji="0" lang="fr-FR" altLang="fr-FR" b="0" i="0" u="none" strike="noStrike" cap="none" normalizeH="0" baseline="0" dirty="0">
-                <a:ln>
-                  <a:noFill/>
-                </a:ln>
-                <a:solidFill>
-                  <a:srgbClr val="000000"/>
-                </a:solidFill>
-                <a:effectLst/>
-              </a:rPr>
-              <a:t>[2, 1, 1, 3, 3, 2, 3, 3, 1, 2], </a:t>
-            </a:r>
-          </a:p>
-          <a:p>
-            <a:pPr marL="0" marR="0" lvl="0" indent="0" algn="l" defTabSz="914400" rtl="0" eaLnBrk="0" fontAlgn="base" latinLnBrk="0" hangingPunct="0">
-              <a:lnSpc>
-                <a:spcPct val="100000"/>
-              </a:lnSpc>
-              <a:spcBef>
-                <a:spcPct val="0"/>
-              </a:spcBef>
-              <a:spcAft>
-                <a:spcPct val="0"/>
-              </a:spcAft>
-              <a:buClrTx/>
-              <a:buSzTx/>
-              <a:buFontTx/>
-              <a:buNone/>
-              <a:tabLst/>
-            </a:pPr>
-            <a:r>
-              <a:rPr kumimoji="0" lang="fr-FR" altLang="fr-FR" b="0" i="0" u="none" strike="noStrike" cap="none" normalizeH="0" baseline="0" dirty="0">
-                <a:ln>
-                  <a:noFill/>
-                </a:ln>
-                <a:solidFill>
-                  <a:srgbClr val="000000"/>
-                </a:solidFill>
-                <a:effectLst/>
-              </a:rPr>
-              <a:t>[1, 1, 3, 1, 2, 3, 3, 3, 1, 2], </a:t>
-            </a:r>
-          </a:p>
-          <a:p>
-            <a:pPr marL="0" marR="0" lvl="0" indent="0" algn="l" defTabSz="914400" rtl="0" eaLnBrk="0" fontAlgn="base" latinLnBrk="0" hangingPunct="0">
-              <a:lnSpc>
-                <a:spcPct val="100000"/>
-              </a:lnSpc>
-              <a:spcBef>
-                <a:spcPct val="0"/>
-              </a:spcBef>
-              <a:spcAft>
-                <a:spcPct val="0"/>
-              </a:spcAft>
-              <a:buClrTx/>
-              <a:buSzTx/>
-              <a:buFontTx/>
-              <a:buNone/>
-              <a:tabLst/>
-            </a:pPr>
-            <a:r>
-              <a:rPr kumimoji="0" lang="fr-FR" altLang="fr-FR" b="0" i="0" u="none" strike="noStrike" cap="none" normalizeH="0" baseline="0" dirty="0">
-                <a:ln>
-                  <a:noFill/>
-                </a:ln>
-                <a:solidFill>
-                  <a:srgbClr val="000000"/>
-                </a:solidFill>
-                <a:effectLst/>
-              </a:rPr>
-              <a:t>[1, 2, 1, </a:t>
-            </a:r>
-            <a:r>
-              <a:rPr lang="fr-FR" altLang="fr-FR" dirty="0">
-                <a:solidFill>
-                  <a:schemeClr val="accent1">
-                    <a:lumMod val="60000"/>
-                    <a:lumOff val="40000"/>
-                  </a:schemeClr>
-                </a:solidFill>
-              </a:rPr>
-              <a:t>2</a:t>
-            </a:r>
-            <a:r>
-              <a:rPr kumimoji="0" lang="fr-FR" altLang="fr-FR" b="0" i="0" u="none" strike="noStrike" cap="none" normalizeH="0" baseline="0" dirty="0">
-                <a:ln>
-                  <a:noFill/>
-                </a:ln>
-                <a:solidFill>
-                  <a:srgbClr val="000000"/>
-                </a:solidFill>
-                <a:effectLst/>
-              </a:rPr>
-              <a:t>, 1, 3, </a:t>
-            </a:r>
-            <a:r>
-              <a:rPr kumimoji="0" lang="fr-FR" altLang="fr-FR" b="0" i="0" u="none" strike="noStrike" cap="none" normalizeH="0" baseline="0" dirty="0">
-                <a:ln>
-                  <a:noFill/>
-                </a:ln>
-                <a:solidFill>
-                  <a:schemeClr val="accent1">
-                    <a:lumMod val="60000"/>
-                    <a:lumOff val="40000"/>
-                  </a:schemeClr>
-                </a:solidFill>
-                <a:effectLst/>
-              </a:rPr>
-              <a:t>2</a:t>
-            </a:r>
-            <a:r>
-              <a:rPr kumimoji="0" lang="fr-FR" altLang="fr-FR" b="0" i="0" u="none" strike="noStrike" cap="none" normalizeH="0" baseline="0" dirty="0">
-                <a:ln>
-                  <a:noFill/>
-                </a:ln>
-                <a:solidFill>
-                  <a:srgbClr val="000000"/>
-                </a:solidFill>
-                <a:effectLst/>
-              </a:rPr>
-              <a:t>, 1, 3, 2], </a:t>
-            </a:r>
-          </a:p>
-          <a:p>
-            <a:pPr marL="0" marR="0" lvl="0" indent="0" algn="l" defTabSz="914400" rtl="0" eaLnBrk="0" fontAlgn="base" latinLnBrk="0" hangingPunct="0">
-              <a:lnSpc>
-                <a:spcPct val="100000"/>
-              </a:lnSpc>
-              <a:spcBef>
-                <a:spcPct val="0"/>
-              </a:spcBef>
-              <a:spcAft>
-                <a:spcPct val="0"/>
-              </a:spcAft>
-              <a:buClrTx/>
-              <a:buSzTx/>
-              <a:buFontTx/>
-              <a:buNone/>
-              <a:tabLst/>
-            </a:pPr>
-            <a:r>
-              <a:rPr kumimoji="0" lang="fr-FR" altLang="fr-FR" b="0" i="0" u="none" strike="noStrike" cap="none" normalizeH="0" baseline="0" dirty="0">
-                <a:ln>
-                  <a:noFill/>
-                </a:ln>
-                <a:solidFill>
-                  <a:srgbClr val="000000"/>
-                </a:solidFill>
-                <a:effectLst/>
-              </a:rPr>
-              <a:t>[1, 1, 1, 3, 2, 1, 3, 3, 1, 1], </a:t>
-            </a:r>
-          </a:p>
-          <a:p>
-            <a:pPr marL="0" marR="0" lvl="0" indent="0" algn="l" defTabSz="914400" rtl="0" eaLnBrk="0" fontAlgn="base" latinLnBrk="0" hangingPunct="0">
-              <a:lnSpc>
-                <a:spcPct val="100000"/>
-              </a:lnSpc>
-              <a:spcBef>
-                <a:spcPct val="0"/>
-              </a:spcBef>
-              <a:spcAft>
-                <a:spcPct val="0"/>
-              </a:spcAft>
-              <a:buClrTx/>
-              <a:buSzTx/>
-              <a:buFontTx/>
-              <a:buNone/>
-              <a:tabLst/>
-            </a:pPr>
-            <a:r>
-              <a:rPr kumimoji="0" lang="fr-FR" altLang="fr-FR" b="0" i="0" u="none" strike="noStrike" cap="none" normalizeH="0" baseline="0" dirty="0">
-                <a:ln>
-                  <a:noFill/>
-                </a:ln>
-                <a:solidFill>
-                  <a:srgbClr val="000000"/>
-                </a:solidFill>
-                <a:effectLst/>
-              </a:rPr>
-              <a:t>[2, 3, 3, 1, 3, 2, 3, 3, 1, </a:t>
-            </a:r>
-            <a:r>
-              <a:rPr kumimoji="0" lang="fr-FR" altLang="fr-FR" b="0" i="0" u="none" strike="noStrike" cap="none" normalizeH="0" baseline="0" dirty="0">
-                <a:ln>
-                  <a:noFill/>
-                </a:ln>
-                <a:solidFill>
-                  <a:schemeClr val="accent1">
-                    <a:lumMod val="60000"/>
-                    <a:lumOff val="40000"/>
-                  </a:schemeClr>
-                </a:solidFill>
-                <a:effectLst/>
-              </a:rPr>
-              <a:t>1</a:t>
-            </a:r>
-            <a:r>
-              <a:rPr kumimoji="0" lang="fr-FR" altLang="fr-FR" b="0" i="0" u="none" strike="noStrike" cap="none" normalizeH="0" baseline="0" dirty="0">
-                <a:ln>
-                  <a:noFill/>
-                </a:ln>
-                <a:solidFill>
-                  <a:srgbClr val="000000"/>
-                </a:solidFill>
-                <a:effectLst/>
-              </a:rPr>
-              <a:t>], </a:t>
-            </a:r>
-          </a:p>
-          <a:p>
-            <a:pPr marL="0" marR="0" lvl="0" indent="0" algn="l" defTabSz="914400" rtl="0" eaLnBrk="0" fontAlgn="base" latinLnBrk="0" hangingPunct="0">
-              <a:lnSpc>
-                <a:spcPct val="100000"/>
-              </a:lnSpc>
-              <a:spcBef>
-                <a:spcPct val="0"/>
-              </a:spcBef>
-              <a:spcAft>
-                <a:spcPct val="0"/>
-              </a:spcAft>
-              <a:buClrTx/>
-              <a:buSzTx/>
-              <a:buFontTx/>
-              <a:buNone/>
-              <a:tabLst/>
-            </a:pPr>
-            <a:r>
-              <a:rPr kumimoji="0" lang="fr-FR" altLang="fr-FR" b="0" i="0" u="none" strike="noStrike" cap="none" normalizeH="0" baseline="0" dirty="0">
-                <a:ln>
-                  <a:noFill/>
-                </a:ln>
-                <a:solidFill>
-                  <a:srgbClr val="000000"/>
-                </a:solidFill>
-                <a:effectLst/>
-              </a:rPr>
-              <a:t>[1, 3, 2, 1, 2, </a:t>
-            </a:r>
-            <a:r>
-              <a:rPr kumimoji="0" lang="fr-FR" altLang="fr-FR" b="0" i="0" u="none" strike="noStrike" cap="none" normalizeH="0" baseline="0" dirty="0">
-                <a:ln>
-                  <a:noFill/>
-                </a:ln>
-                <a:solidFill>
-                  <a:schemeClr val="accent1">
-                    <a:lumMod val="60000"/>
-                    <a:lumOff val="40000"/>
-                  </a:schemeClr>
-                </a:solidFill>
-                <a:effectLst/>
-              </a:rPr>
-              <a:t>1</a:t>
-            </a:r>
-            <a:r>
-              <a:rPr kumimoji="0" lang="fr-FR" altLang="fr-FR" b="0" i="0" u="none" strike="noStrike" cap="none" normalizeH="0" baseline="0" dirty="0">
-                <a:ln>
-                  <a:noFill/>
-                </a:ln>
-                <a:solidFill>
-                  <a:srgbClr val="000000"/>
-                </a:solidFill>
-                <a:effectLst/>
-              </a:rPr>
-              <a:t>, 1, 3, 3, 2], </a:t>
-            </a:r>
-          </a:p>
-          <a:p>
-            <a:pPr marL="0" marR="0" lvl="0" indent="0" algn="l" defTabSz="914400" rtl="0" eaLnBrk="0" fontAlgn="base" latinLnBrk="0" hangingPunct="0">
-              <a:lnSpc>
-                <a:spcPct val="100000"/>
-              </a:lnSpc>
-              <a:spcBef>
-                <a:spcPct val="0"/>
-              </a:spcBef>
-              <a:spcAft>
-                <a:spcPct val="0"/>
-              </a:spcAft>
-              <a:buClrTx/>
-              <a:buSzTx/>
-              <a:buFontTx/>
-              <a:buNone/>
-              <a:tabLst/>
-            </a:pPr>
-            <a:r>
-              <a:rPr kumimoji="0" lang="fr-FR" altLang="fr-FR" b="0" i="0" u="none" strike="noStrike" cap="none" normalizeH="0" baseline="0" dirty="0">
-                <a:ln>
-                  <a:noFill/>
-                </a:ln>
-                <a:solidFill>
-                  <a:srgbClr val="000000"/>
-                </a:solidFill>
-                <a:effectLst/>
-              </a:rPr>
-              <a:t>[1, 1, 2, 3, 1, 3, 3, 3, 1, 2], </a:t>
-            </a:r>
-          </a:p>
-          <a:p>
-            <a:pPr marL="0" marR="0" lvl="0" indent="0" algn="l" defTabSz="914400" rtl="0" eaLnBrk="0" fontAlgn="base" latinLnBrk="0" hangingPunct="0">
-              <a:lnSpc>
-                <a:spcPct val="100000"/>
-              </a:lnSpc>
-              <a:spcBef>
-                <a:spcPct val="0"/>
-              </a:spcBef>
-              <a:spcAft>
-                <a:spcPct val="0"/>
-              </a:spcAft>
-              <a:buClrTx/>
-              <a:buSzTx/>
-              <a:buFontTx/>
-              <a:buNone/>
-              <a:tabLst/>
-            </a:pPr>
-            <a:r>
-              <a:rPr kumimoji="0" lang="fr-FR" altLang="fr-FR" b="0" i="0" u="none" strike="noStrike" cap="none" normalizeH="0" baseline="0" dirty="0">
-                <a:ln>
-                  <a:noFill/>
-                </a:ln>
-                <a:solidFill>
-                  <a:srgbClr val="000000"/>
-                </a:solidFill>
-                <a:effectLst/>
-              </a:rPr>
-              <a:t>[1, 2, 2, 2, 3, 3, 2, 1, 2, 2]]</a:t>
-            </a:r>
-            <a:r>
-              <a:rPr kumimoji="0" lang="fr-FR" altLang="fr-FR" b="0" i="0" u="none" strike="noStrike" cap="none" normalizeH="0" baseline="0" dirty="0">
+              <a:t>[[3, 4, 4, 4, 3, 4, 1, 3, 5, 4], [4, 5, 5, 3, 3, 3, 1, 5, 3, 3], [4, 4, 4, 3, 2, 1, 3, 4, 3, 3], [5, 3, 2, 1, 4, 4, 1, 1, 1, 4], [2, 2, 1, 1, 3, 4, 4, 1, 2, 1], [3, 2, 4, 2, 5, 2, 1, 4, 4, 5], [3, 3, 1, 5, 2, 4, 5, 4, 2, 3], [5, 4, 5, 2, 5, 5, 4, 2, 4, 3], [4, 4, 1, 3, 5, 4, 2, 4, 5, 1], [1, 5, 5, 3, 1, 1, 3, 1, 5, 3]]</a:t>
+            </a:r>
+            <a:r>
+              <a:rPr kumimoji="0" lang="fr-FR" altLang="fr-FR" sz="1200" b="0" i="0" u="none" strike="noStrike" cap="none" normalizeH="0" baseline="0" dirty="0">
                 <a:ln>
                   <a:noFill/>
                 </a:ln>
@@ -24963,91 +23770,15 @@
               </a:rPr>
               <a:t> </a:t>
             </a:r>
-          </a:p>
-        </p:txBody>
-      </p:sp>
-      <p:sp>
-        <p:nvSpPr>
-          <p:cNvPr id="3" name="ZoneTexte 2">
-            <a:extLst>
-              <a:ext uri="{FF2B5EF4-FFF2-40B4-BE49-F238E27FC236}">
-                <a16:creationId xmlns:a16="http://schemas.microsoft.com/office/drawing/2014/main" id="{EB3BD74C-BE42-4069-9B7A-5922789AACF0}"/>
-              </a:ext>
-            </a:extLst>
-          </p:cNvPr>
-          <p:cNvSpPr txBox="1"/>
-          <p:nvPr/>
-        </p:nvSpPr>
-        <p:spPr>
-          <a:xfrm>
-            <a:off x="6038335" y="4019367"/>
-            <a:ext cx="3055645" cy="2031325"/>
-          </a:xfrm>
-          <a:prstGeom prst="rect">
-            <a:avLst/>
-          </a:prstGeom>
-          <a:noFill/>
-        </p:spPr>
-        <p:txBody>
-          <a:bodyPr wrap="none" rtlCol="0">
-            <a:spAutoFit/>
-          </a:bodyPr>
-          <a:lstStyle/>
-          <a:p>
-            <a:r>
-              <a:rPr lang="fr-FR" u="sng" dirty="0"/>
-              <a:t>Donc :</a:t>
-            </a:r>
-            <a:r>
-              <a:rPr lang="fr-FR" dirty="0"/>
-              <a:t> </a:t>
-            </a:r>
-          </a:p>
-          <a:p>
-            <a:endParaRPr lang="fr-FR" dirty="0"/>
-          </a:p>
-          <a:p>
-            <a:r>
-              <a:rPr lang="fr-FR" dirty="0"/>
-              <a:t>A = W[Ax][Ay] = W[6][9] = 1</a:t>
-            </a:r>
-          </a:p>
-          <a:p>
-            <a:r>
-              <a:rPr lang="fr-FR" dirty="0"/>
-              <a:t>B = W[Bx][By] = W[4][6] = 2</a:t>
-            </a:r>
-          </a:p>
-          <a:p>
-            <a:r>
-              <a:rPr lang="fr-FR" dirty="0"/>
-              <a:t>C = W[Cx][</a:t>
-            </a:r>
-            <a:r>
-              <a:rPr lang="fr-FR" dirty="0" err="1"/>
-              <a:t>Cy</a:t>
-            </a:r>
-            <a:r>
-              <a:rPr lang="fr-FR" dirty="0"/>
-              <a:t>] = W[4][3] = 2</a:t>
-            </a:r>
-          </a:p>
-          <a:p>
-            <a:r>
-              <a:rPr lang="fr-FR" dirty="0"/>
-              <a:t>D = W[</a:t>
-            </a:r>
-            <a:r>
-              <a:rPr lang="fr-FR" dirty="0" err="1"/>
-              <a:t>Dx</a:t>
-            </a:r>
-            <a:r>
-              <a:rPr lang="fr-FR" dirty="0"/>
-              <a:t>][Dy] = W[7][5] = 1</a:t>
-            </a:r>
-          </a:p>
-          <a:p>
-            <a:endParaRPr lang="fr-FR" dirty="0"/>
+            <a:endParaRPr kumimoji="0" lang="fr-FR" altLang="fr-FR" sz="3600" b="0" i="0" u="none" strike="noStrike" cap="none" normalizeH="0" baseline="0" dirty="0">
+              <a:ln>
+                <a:noFill/>
+              </a:ln>
+              <a:solidFill>
+                <a:schemeClr val="tx1"/>
+              </a:solidFill>
+              <a:effectLst/>
+            </a:endParaRPr>
           </a:p>
         </p:txBody>
       </p:sp>
@@ -28255,7 +26986,7 @@
         <p:spPr>
           <a:xfrm>
             <a:off x="4960094" y="5138306"/>
-            <a:ext cx="4141574" cy="923330"/>
+            <a:ext cx="4141574" cy="646331"/>
           </a:xfrm>
           <a:prstGeom prst="rect">
             <a:avLst/>
@@ -28295,7 +27026,7 @@
                   <a:srgbClr val="FF0000"/>
                 </a:solidFill>
               </a:rPr>
-              <a:t> le modulo sera toujours un nombre premier ce qui assure la bijectivité de notre fonction.</a:t>
+              <a:t> A et C doivent absolument être diffèrent du modulo</a:t>
             </a:r>
             <a:endParaRPr lang="fr-FR" u="sng" dirty="0">
               <a:solidFill>
@@ -30445,98 +29176,6 @@
           </p:txBody>
         </p:sp>
       </p:grpSp>
-      <p:pic>
-        <p:nvPicPr>
-          <p:cNvPr id="20" name="Image 19">
-            <a:extLst>
-              <a:ext uri="{FF2B5EF4-FFF2-40B4-BE49-F238E27FC236}">
-                <a16:creationId xmlns:a16="http://schemas.microsoft.com/office/drawing/2014/main" id="{E8501644-FF19-403B-9E5E-081BA65E8582}"/>
-              </a:ext>
-            </a:extLst>
-          </p:cNvPr>
-          <p:cNvPicPr>
-            <a:picLocks noChangeAspect="1"/>
-          </p:cNvPicPr>
-          <p:nvPr/>
-        </p:nvPicPr>
-        <p:blipFill>
-          <a:blip r:embed="rId4" cstate="print">
-            <a:extLst>
-              <a:ext uri="{28A0092B-C50C-407E-A947-70E740481C1C}">
-                <a14:useLocalDpi xmlns:a14="http://schemas.microsoft.com/office/drawing/2010/main" val="0"/>
-              </a:ext>
-            </a:extLst>
-          </a:blip>
-          <a:stretch>
-            <a:fillRect/>
-          </a:stretch>
-        </p:blipFill>
-        <p:spPr>
-          <a:xfrm>
-            <a:off x="6391274" y="1347537"/>
-            <a:ext cx="3420681" cy="2454431"/>
-          </a:xfrm>
-          <a:prstGeom prst="rect">
-            <a:avLst/>
-          </a:prstGeom>
-          <a:ln>
-            <a:noFill/>
-          </a:ln>
-          <a:effectLst>
-            <a:outerShdw blurRad="292100" dist="139700" dir="2700000" algn="tl" rotWithShape="0">
-              <a:srgbClr val="333333">
-                <a:alpha val="65000"/>
-              </a:srgbClr>
-            </a:outerShdw>
-          </a:effectLst>
-        </p:spPr>
-      </p:pic>
-      <p:pic>
-        <p:nvPicPr>
-          <p:cNvPr id="21" name="Image 20">
-            <a:extLst>
-              <a:ext uri="{FF2B5EF4-FFF2-40B4-BE49-F238E27FC236}">
-                <a16:creationId xmlns:a16="http://schemas.microsoft.com/office/drawing/2014/main" id="{39D8BE57-AFC3-49FF-B6DD-53A218F0F1C6}"/>
-              </a:ext>
-            </a:extLst>
-          </p:cNvPr>
-          <p:cNvPicPr>
-            <a:picLocks noChangeAspect="1"/>
-          </p:cNvPicPr>
-          <p:nvPr/>
-        </p:nvPicPr>
-        <p:blipFill>
-          <a:blip r:embed="rId5" cstate="print">
-            <a:extLst>
-              <a:ext uri="{28A0092B-C50C-407E-A947-70E740481C1C}">
-                <a14:useLocalDpi xmlns:a14="http://schemas.microsoft.com/office/drawing/2010/main" val="0"/>
-              </a:ext>
-            </a:extLst>
-          </a:blip>
-          <a:stretch>
-            <a:fillRect/>
-          </a:stretch>
-        </p:blipFill>
-        <p:spPr>
-          <a:xfrm>
-            <a:off x="6391274" y="3992037"/>
-            <a:ext cx="3422366" cy="2081103"/>
-          </a:xfrm>
-          <a:prstGeom prst="rect">
-            <a:avLst/>
-          </a:prstGeom>
-          <a:ln>
-            <a:noFill/>
-          </a:ln>
-          <a:effectLst>
-            <a:outerShdw blurRad="292100" dist="139700" dir="2700000" algn="tl" rotWithShape="0">
-              <a:srgbClr val="333333">
-                <a:alpha val="65000"/>
-              </a:srgbClr>
-            </a:outerShdw>
-          </a:effectLst>
-        </p:spPr>
-      </p:pic>
       <p:sp>
         <p:nvSpPr>
           <p:cNvPr id="22" name="ZoneTexte 21">
